--- a/2022.02.11/권철현,신재하.pptx
+++ b/2022.02.11/권철현,신재하.pptx
@@ -5,18 +5,27 @@
     <p:sldMasterId id="2147483648" r:id="rId1"/>
   </p:sldMasterIdLst>
   <p:notesMasterIdLst>
-    <p:notesMasterId r:id="rId11"/>
+    <p:notesMasterId r:id="rId20"/>
   </p:notesMasterIdLst>
   <p:sldIdLst>
     <p:sldId id="259" r:id="rId2"/>
-    <p:sldId id="274" r:id="rId3"/>
-    <p:sldId id="280" r:id="rId4"/>
-    <p:sldId id="281" r:id="rId5"/>
-    <p:sldId id="279" r:id="rId6"/>
-    <p:sldId id="276" r:id="rId7"/>
-    <p:sldId id="277" r:id="rId8"/>
-    <p:sldId id="278" r:id="rId9"/>
-    <p:sldId id="273" r:id="rId10"/>
+    <p:sldId id="283" r:id="rId3"/>
+    <p:sldId id="274" r:id="rId4"/>
+    <p:sldId id="282" r:id="rId5"/>
+    <p:sldId id="280" r:id="rId6"/>
+    <p:sldId id="281" r:id="rId7"/>
+    <p:sldId id="279" r:id="rId8"/>
+    <p:sldId id="276" r:id="rId9"/>
+    <p:sldId id="277" r:id="rId10"/>
+    <p:sldId id="278" r:id="rId11"/>
+    <p:sldId id="284" r:id="rId12"/>
+    <p:sldId id="286" r:id="rId13"/>
+    <p:sldId id="287" r:id="rId14"/>
+    <p:sldId id="288" r:id="rId15"/>
+    <p:sldId id="285" r:id="rId16"/>
+    <p:sldId id="289" r:id="rId17"/>
+    <p:sldId id="290" r:id="rId18"/>
+    <p:sldId id="273" r:id="rId19"/>
   </p:sldIdLst>
   <p:sldSz cx="12192000" cy="6858000"/>
   <p:notesSz cx="6858000" cy="9144000"/>
@@ -1253,7 +1262,7 @@
           <a:p>
             <a:fld id="{AA029DEA-9CF8-4959-9295-B32940863C1C}" type="datetimeFigureOut">
               <a:rPr lang="ko-KR" altLang="en-US" smtClean="0"/>
-              <a:t>2022-01-26</a:t>
+              <a:t>2022-02-03</a:t>
             </a:fld>
             <a:endParaRPr lang="ko-KR" altLang="en-US"/>
           </a:p>
@@ -1520,6 +1529,258 @@
 </p:notesMaster>
 </file>
 
+<file path=ppt/notesSlides/notesSlide1.xml><?xml version="1.0" encoding="utf-8"?>
+<p:notes xmlns:a="http://schemas.openxmlformats.org/drawingml/2006/main" xmlns:r="http://schemas.openxmlformats.org/officeDocument/2006/relationships" xmlns:p="http://schemas.openxmlformats.org/presentationml/2006/main">
+  <p:cSld>
+    <p:spTree>
+      <p:nvGrpSpPr>
+        <p:cNvPr id="1" name=""/>
+        <p:cNvGrpSpPr/>
+        <p:nvPr/>
+      </p:nvGrpSpPr>
+      <p:grpSpPr>
+        <a:xfrm>
+          <a:off x="0" y="0"/>
+          <a:ext cx="0" cy="0"/>
+          <a:chOff x="0" y="0"/>
+          <a:chExt cx="0" cy="0"/>
+        </a:xfrm>
+      </p:grpSpPr>
+      <p:sp>
+        <p:nvSpPr>
+          <p:cNvPr id="2" name="슬라이드 이미지 개체 틀 1"/>
+          <p:cNvSpPr>
+            <a:spLocks noGrp="1" noRot="1" noChangeAspect="1"/>
+          </p:cNvSpPr>
+          <p:nvPr>
+            <p:ph type="sldImg"/>
+          </p:nvPr>
+        </p:nvSpPr>
+        <p:spPr/>
+      </p:sp>
+      <p:sp>
+        <p:nvSpPr>
+          <p:cNvPr id="3" name="슬라이드 노트 개체 틀 2"/>
+          <p:cNvSpPr>
+            <a:spLocks noGrp="1"/>
+          </p:cNvSpPr>
+          <p:nvPr>
+            <p:ph type="body" idx="1"/>
+          </p:nvPr>
+        </p:nvSpPr>
+        <p:spPr/>
+        <p:txBody>
+          <a:bodyPr/>
+          <a:lstStyle/>
+          <a:p>
+            <a:endParaRPr lang="ko-KR" altLang="en-US" dirty="0"/>
+          </a:p>
+        </p:txBody>
+      </p:sp>
+      <p:sp>
+        <p:nvSpPr>
+          <p:cNvPr id="4" name="슬라이드 번호 개체 틀 3"/>
+          <p:cNvSpPr>
+            <a:spLocks noGrp="1"/>
+          </p:cNvSpPr>
+          <p:nvPr>
+            <p:ph type="sldNum" sz="quarter" idx="5"/>
+          </p:nvPr>
+        </p:nvSpPr>
+        <p:spPr/>
+        <p:txBody>
+          <a:bodyPr/>
+          <a:lstStyle/>
+          <a:p>
+            <a:fld id="{87F9F377-0814-42D2-AAC0-CB43F8F02991}" type="slidenum">
+              <a:rPr lang="ko-KR" altLang="en-US" smtClean="0"/>
+              <a:t>4</a:t>
+            </a:fld>
+            <a:endParaRPr lang="ko-KR" altLang="en-US"/>
+          </a:p>
+        </p:txBody>
+      </p:sp>
+    </p:spTree>
+    <p:extLst>
+      <p:ext uri="{BB962C8B-B14F-4D97-AF65-F5344CB8AC3E}">
+        <p14:creationId xmlns:p14="http://schemas.microsoft.com/office/powerpoint/2010/main" val="854945664"/>
+      </p:ext>
+    </p:extLst>
+  </p:cSld>
+  <p:clrMapOvr>
+    <a:masterClrMapping/>
+  </p:clrMapOvr>
+</p:notes>
+</file>
+
+<file path=ppt/notesSlides/notesSlide2.xml><?xml version="1.0" encoding="utf-8"?>
+<p:notes xmlns:a="http://schemas.openxmlformats.org/drawingml/2006/main" xmlns:r="http://schemas.openxmlformats.org/officeDocument/2006/relationships" xmlns:p="http://schemas.openxmlformats.org/presentationml/2006/main">
+  <p:cSld>
+    <p:spTree>
+      <p:nvGrpSpPr>
+        <p:cNvPr id="1" name=""/>
+        <p:cNvGrpSpPr/>
+        <p:nvPr/>
+      </p:nvGrpSpPr>
+      <p:grpSpPr>
+        <a:xfrm>
+          <a:off x="0" y="0"/>
+          <a:ext cx="0" cy="0"/>
+          <a:chOff x="0" y="0"/>
+          <a:chExt cx="0" cy="0"/>
+        </a:xfrm>
+      </p:grpSpPr>
+      <p:sp>
+        <p:nvSpPr>
+          <p:cNvPr id="2" name="슬라이드 이미지 개체 틀 1"/>
+          <p:cNvSpPr>
+            <a:spLocks noGrp="1" noRot="1" noChangeAspect="1"/>
+          </p:cNvSpPr>
+          <p:nvPr>
+            <p:ph type="sldImg"/>
+          </p:nvPr>
+        </p:nvSpPr>
+        <p:spPr/>
+      </p:sp>
+      <p:sp>
+        <p:nvSpPr>
+          <p:cNvPr id="3" name="슬라이드 노트 개체 틀 2"/>
+          <p:cNvSpPr>
+            <a:spLocks noGrp="1"/>
+          </p:cNvSpPr>
+          <p:nvPr>
+            <p:ph type="body" idx="1"/>
+          </p:nvPr>
+        </p:nvSpPr>
+        <p:spPr/>
+        <p:txBody>
+          <a:bodyPr/>
+          <a:lstStyle/>
+          <a:p>
+            <a:endParaRPr lang="ko-KR" altLang="en-US" dirty="0"/>
+          </a:p>
+        </p:txBody>
+      </p:sp>
+      <p:sp>
+        <p:nvSpPr>
+          <p:cNvPr id="4" name="슬라이드 번호 개체 틀 3"/>
+          <p:cNvSpPr>
+            <a:spLocks noGrp="1"/>
+          </p:cNvSpPr>
+          <p:nvPr>
+            <p:ph type="sldNum" sz="quarter" idx="5"/>
+          </p:nvPr>
+        </p:nvSpPr>
+        <p:spPr/>
+        <p:txBody>
+          <a:bodyPr/>
+          <a:lstStyle/>
+          <a:p>
+            <a:fld id="{87F9F377-0814-42D2-AAC0-CB43F8F02991}" type="slidenum">
+              <a:rPr lang="ko-KR" altLang="en-US" smtClean="0"/>
+              <a:t>16</a:t>
+            </a:fld>
+            <a:endParaRPr lang="ko-KR" altLang="en-US"/>
+          </a:p>
+        </p:txBody>
+      </p:sp>
+    </p:spTree>
+    <p:extLst>
+      <p:ext uri="{BB962C8B-B14F-4D97-AF65-F5344CB8AC3E}">
+        <p14:creationId xmlns:p14="http://schemas.microsoft.com/office/powerpoint/2010/main" val="2024313699"/>
+      </p:ext>
+    </p:extLst>
+  </p:cSld>
+  <p:clrMapOvr>
+    <a:masterClrMapping/>
+  </p:clrMapOvr>
+</p:notes>
+</file>
+
+<file path=ppt/notesSlides/notesSlide3.xml><?xml version="1.0" encoding="utf-8"?>
+<p:notes xmlns:a="http://schemas.openxmlformats.org/drawingml/2006/main" xmlns:r="http://schemas.openxmlformats.org/officeDocument/2006/relationships" xmlns:p="http://schemas.openxmlformats.org/presentationml/2006/main">
+  <p:cSld>
+    <p:spTree>
+      <p:nvGrpSpPr>
+        <p:cNvPr id="1" name=""/>
+        <p:cNvGrpSpPr/>
+        <p:nvPr/>
+      </p:nvGrpSpPr>
+      <p:grpSpPr>
+        <a:xfrm>
+          <a:off x="0" y="0"/>
+          <a:ext cx="0" cy="0"/>
+          <a:chOff x="0" y="0"/>
+          <a:chExt cx="0" cy="0"/>
+        </a:xfrm>
+      </p:grpSpPr>
+      <p:sp>
+        <p:nvSpPr>
+          <p:cNvPr id="2" name="슬라이드 이미지 개체 틀 1"/>
+          <p:cNvSpPr>
+            <a:spLocks noGrp="1" noRot="1" noChangeAspect="1"/>
+          </p:cNvSpPr>
+          <p:nvPr>
+            <p:ph type="sldImg"/>
+          </p:nvPr>
+        </p:nvSpPr>
+        <p:spPr/>
+      </p:sp>
+      <p:sp>
+        <p:nvSpPr>
+          <p:cNvPr id="3" name="슬라이드 노트 개체 틀 2"/>
+          <p:cNvSpPr>
+            <a:spLocks noGrp="1"/>
+          </p:cNvSpPr>
+          <p:nvPr>
+            <p:ph type="body" idx="1"/>
+          </p:nvPr>
+        </p:nvSpPr>
+        <p:spPr/>
+        <p:txBody>
+          <a:bodyPr/>
+          <a:lstStyle/>
+          <a:p>
+            <a:endParaRPr lang="ko-KR" altLang="en-US" dirty="0"/>
+          </a:p>
+        </p:txBody>
+      </p:sp>
+      <p:sp>
+        <p:nvSpPr>
+          <p:cNvPr id="4" name="슬라이드 번호 개체 틀 3"/>
+          <p:cNvSpPr>
+            <a:spLocks noGrp="1"/>
+          </p:cNvSpPr>
+          <p:nvPr>
+            <p:ph type="sldNum" sz="quarter" idx="5"/>
+          </p:nvPr>
+        </p:nvSpPr>
+        <p:spPr/>
+        <p:txBody>
+          <a:bodyPr/>
+          <a:lstStyle/>
+          <a:p>
+            <a:fld id="{87F9F377-0814-42D2-AAC0-CB43F8F02991}" type="slidenum">
+              <a:rPr lang="ko-KR" altLang="en-US" smtClean="0"/>
+              <a:t>17</a:t>
+            </a:fld>
+            <a:endParaRPr lang="ko-KR" altLang="en-US"/>
+          </a:p>
+        </p:txBody>
+      </p:sp>
+    </p:spTree>
+    <p:extLst>
+      <p:ext uri="{BB962C8B-B14F-4D97-AF65-F5344CB8AC3E}">
+        <p14:creationId xmlns:p14="http://schemas.microsoft.com/office/powerpoint/2010/main" val="2035427813"/>
+      </p:ext>
+    </p:extLst>
+  </p:cSld>
+  <p:clrMapOvr>
+    <a:masterClrMapping/>
+  </p:clrMapOvr>
+</p:notes>
+</file>
+
 <file path=ppt/slideLayouts/slideLayout1.xml><?xml version="1.0" encoding="utf-8"?>
 <p:sldLayout xmlns:a="http://schemas.openxmlformats.org/drawingml/2006/main" xmlns:r="http://schemas.openxmlformats.org/officeDocument/2006/relationships" xmlns:p="http://schemas.openxmlformats.org/presentationml/2006/main" type="title" preserve="1">
   <p:cSld name="제목 슬라이드">
@@ -1874,7 +2135,7 @@
         </p:nvSpPr>
         <p:spPr>
           <a:xfrm>
-            <a:off x="13853" y="6519960"/>
+            <a:off x="-2773" y="6511647"/>
             <a:ext cx="12192000" cy="360000"/>
           </a:xfrm>
           <a:prstGeom prst="rect">
@@ -3069,6 +3330,4353 @@
 </p:sld>
 </file>
 
+<file path=ppt/slides/slide10.xml><?xml version="1.0" encoding="utf-8"?>
+<p:sld xmlns:a="http://schemas.openxmlformats.org/drawingml/2006/main" xmlns:r="http://schemas.openxmlformats.org/officeDocument/2006/relationships" xmlns:p="http://schemas.openxmlformats.org/presentationml/2006/main">
+  <p:cSld>
+    <p:spTree>
+      <p:nvGrpSpPr>
+        <p:cNvPr id="1" name=""/>
+        <p:cNvGrpSpPr/>
+        <p:nvPr/>
+      </p:nvGrpSpPr>
+      <p:grpSpPr>
+        <a:xfrm>
+          <a:off x="0" y="0"/>
+          <a:ext cx="0" cy="0"/>
+          <a:chOff x="0" y="0"/>
+          <a:chExt cx="0" cy="0"/>
+        </a:xfrm>
+      </p:grpSpPr>
+      <p:sp>
+        <p:nvSpPr>
+          <p:cNvPr id="2" name="제목 1">
+            <a:extLst>
+              <a:ext uri="{FF2B5EF4-FFF2-40B4-BE49-F238E27FC236}">
+                <a16:creationId xmlns:a16="http://schemas.microsoft.com/office/drawing/2014/main" id="{411A31A2-6DB3-4686-81EE-5C6D474EC1A2}"/>
+              </a:ext>
+            </a:extLst>
+          </p:cNvPr>
+          <p:cNvSpPr>
+            <a:spLocks noGrp="1"/>
+          </p:cNvSpPr>
+          <p:nvPr>
+            <p:ph type="title"/>
+          </p:nvPr>
+        </p:nvSpPr>
+        <p:spPr/>
+        <p:txBody>
+          <a:bodyPr/>
+          <a:lstStyle/>
+          <a:p>
+            <a:r>
+              <a:rPr lang="ko-KR" altLang="en-US" dirty="0"/>
+              <a:t>실험 결과</a:t>
+            </a:r>
+          </a:p>
+        </p:txBody>
+      </p:sp>
+      <p:sp>
+        <p:nvSpPr>
+          <p:cNvPr id="3" name="내용 개체 틀 2">
+            <a:extLst>
+              <a:ext uri="{FF2B5EF4-FFF2-40B4-BE49-F238E27FC236}">
+                <a16:creationId xmlns:a16="http://schemas.microsoft.com/office/drawing/2014/main" id="{000A7715-1525-42B2-810D-0B4D1A1CC6C5}"/>
+              </a:ext>
+            </a:extLst>
+          </p:cNvPr>
+          <p:cNvSpPr>
+            <a:spLocks noGrp="1"/>
+          </p:cNvSpPr>
+          <p:nvPr>
+            <p:ph idx="1"/>
+          </p:nvPr>
+        </p:nvSpPr>
+        <p:spPr/>
+        <p:txBody>
+          <a:bodyPr/>
+          <a:lstStyle/>
+          <a:p>
+            <a:r>
+              <a:rPr lang="ko-KR" altLang="en-US" dirty="0"/>
+              <a:t>기존에는 하나의 훈련 샘플을 추가하는데 약</a:t>
+            </a:r>
+            <a:r>
+              <a:rPr lang="ko-KR" altLang="en-US" dirty="0">
+                <a:solidFill>
+                  <a:srgbClr val="FF0000"/>
+                </a:solidFill>
+              </a:rPr>
+              <a:t> </a:t>
+            </a:r>
+            <a:r>
+              <a:rPr lang="en-US" altLang="ko-KR" dirty="0">
+                <a:solidFill>
+                  <a:srgbClr val="FF0000"/>
+                </a:solidFill>
+              </a:rPr>
+              <a:t>0.0001</a:t>
+            </a:r>
+            <a:r>
+              <a:rPr lang="ko-KR" altLang="en-US" dirty="0"/>
+              <a:t>초 소요</a:t>
+            </a:r>
+            <a:endParaRPr lang="en-US" altLang="ko-KR" dirty="0"/>
+          </a:p>
+          <a:p>
+            <a:r>
+              <a:rPr lang="ko-KR" altLang="en-US" dirty="0"/>
+              <a:t>파일 입출력 과정 후 하나의 샘플 추가에 약 </a:t>
+            </a:r>
+            <a:r>
+              <a:rPr lang="en-US" altLang="ko-KR" dirty="0">
+                <a:solidFill>
+                  <a:srgbClr val="FF0000"/>
+                </a:solidFill>
+              </a:rPr>
+              <a:t>0.1767</a:t>
+            </a:r>
+            <a:r>
+              <a:rPr lang="ko-KR" altLang="en-US" dirty="0"/>
+              <a:t>초 소요</a:t>
+            </a:r>
+            <a:endParaRPr lang="en-US" altLang="ko-KR" dirty="0"/>
+          </a:p>
+          <a:p>
+            <a:r>
+              <a:rPr lang="ko-KR" altLang="en-US" dirty="0"/>
+              <a:t>한 개의 샘플 당 약 </a:t>
+            </a:r>
+            <a:r>
+              <a:rPr lang="en-US" altLang="ko-KR" dirty="0"/>
+              <a:t>0.1766</a:t>
+            </a:r>
+            <a:r>
+              <a:rPr lang="ko-KR" altLang="en-US" dirty="0"/>
+              <a:t>초</a:t>
+            </a:r>
+            <a:r>
+              <a:rPr lang="en-US" altLang="ko-KR" dirty="0"/>
+              <a:t> </a:t>
+            </a:r>
+            <a:r>
+              <a:rPr lang="ko-KR" altLang="en-US" dirty="0"/>
+              <a:t>추가 소요</a:t>
+            </a:r>
+            <a:endParaRPr lang="en-US" altLang="ko-KR" dirty="0"/>
+          </a:p>
+          <a:p>
+            <a:r>
+              <a:rPr lang="en-US" altLang="ko-KR" dirty="0"/>
+              <a:t>60,000</a:t>
+            </a:r>
+            <a:r>
+              <a:rPr lang="ko-KR" altLang="en-US" dirty="0"/>
+              <a:t>장의 </a:t>
+            </a:r>
+            <a:r>
+              <a:rPr lang="en-US" altLang="ko-KR" dirty="0" err="1"/>
+              <a:t>mnist</a:t>
+            </a:r>
+            <a:r>
+              <a:rPr lang="en-US" altLang="ko-KR" dirty="0"/>
+              <a:t> </a:t>
+            </a:r>
+            <a:r>
+              <a:rPr lang="ko-KR" altLang="en-US" dirty="0"/>
+              <a:t>데이터셋을 추가하고 학습할 때</a:t>
+            </a:r>
+            <a:r>
+              <a:rPr lang="en-US" altLang="ko-KR" dirty="0"/>
+              <a:t>, </a:t>
+            </a:r>
+            <a:r>
+              <a:rPr lang="ko-KR" altLang="en-US" dirty="0"/>
+              <a:t>약 </a:t>
+            </a:r>
+            <a:r>
+              <a:rPr lang="en-US" altLang="ko-KR" dirty="0"/>
+              <a:t>10,596</a:t>
+            </a:r>
+            <a:r>
+              <a:rPr lang="ko-KR" altLang="en-US" dirty="0"/>
+              <a:t>초</a:t>
+            </a:r>
+            <a:r>
+              <a:rPr lang="en-US" altLang="ko-KR" dirty="0"/>
+              <a:t>(</a:t>
+            </a:r>
+            <a:r>
+              <a:rPr lang="ko-KR" altLang="en-US" dirty="0"/>
+              <a:t>약 </a:t>
+            </a:r>
+            <a:r>
+              <a:rPr lang="en-US" altLang="ko-KR" dirty="0"/>
+              <a:t>3</a:t>
+            </a:r>
+            <a:r>
+              <a:rPr lang="ko-KR" altLang="en-US" dirty="0"/>
+              <a:t>시간</a:t>
+            </a:r>
+            <a:r>
+              <a:rPr lang="en-US" altLang="ko-KR" dirty="0"/>
+              <a:t>) </a:t>
+            </a:r>
+            <a:r>
+              <a:rPr lang="ko-KR" altLang="en-US" dirty="0"/>
+              <a:t>추가로  소요 예상</a:t>
+            </a:r>
+          </a:p>
+        </p:txBody>
+      </p:sp>
+      <p:sp>
+        <p:nvSpPr>
+          <p:cNvPr id="4" name="날짜 개체 틀 3">
+            <a:extLst>
+              <a:ext uri="{FF2B5EF4-FFF2-40B4-BE49-F238E27FC236}">
+                <a16:creationId xmlns:a16="http://schemas.microsoft.com/office/drawing/2014/main" id="{23963E9D-54DC-458C-8BE7-252A12436C59}"/>
+              </a:ext>
+            </a:extLst>
+          </p:cNvPr>
+          <p:cNvSpPr>
+            <a:spLocks noGrp="1"/>
+          </p:cNvSpPr>
+          <p:nvPr>
+            <p:ph type="dt" sz="half" idx="10"/>
+          </p:nvPr>
+        </p:nvSpPr>
+        <p:spPr/>
+        <p:txBody>
+          <a:bodyPr/>
+          <a:lstStyle/>
+          <a:p>
+            <a:r>
+              <a:rPr lang="ko-KR" altLang="en-US"/>
+              <a:t>권철현</a:t>
+            </a:r>
+            <a:r>
+              <a:rPr lang="en-US" altLang="ko-KR"/>
+              <a:t>, </a:t>
+            </a:r>
+            <a:r>
+              <a:rPr lang="ko-KR" altLang="en-US"/>
+              <a:t>신재하</a:t>
+            </a:r>
+          </a:p>
+        </p:txBody>
+      </p:sp>
+      <p:sp>
+        <p:nvSpPr>
+          <p:cNvPr id="5" name="슬라이드 번호 개체 틀 4">
+            <a:extLst>
+              <a:ext uri="{FF2B5EF4-FFF2-40B4-BE49-F238E27FC236}">
+                <a16:creationId xmlns:a16="http://schemas.microsoft.com/office/drawing/2014/main" id="{5A42D99E-C13B-4CED-ACDB-E1D5D4C489B7}"/>
+              </a:ext>
+            </a:extLst>
+          </p:cNvPr>
+          <p:cNvSpPr>
+            <a:spLocks noGrp="1"/>
+          </p:cNvSpPr>
+          <p:nvPr>
+            <p:ph type="sldNum" sz="quarter" idx="12"/>
+          </p:nvPr>
+        </p:nvSpPr>
+        <p:spPr/>
+        <p:txBody>
+          <a:bodyPr/>
+          <a:lstStyle/>
+          <a:p>
+            <a:fld id="{5FF72CB3-86FB-4DBB-A7AC-E8F6F3DA156B}" type="slidenum">
+              <a:rPr lang="ko-KR" altLang="en-US" smtClean="0"/>
+              <a:pPr/>
+              <a:t>10</a:t>
+            </a:fld>
+            <a:endParaRPr lang="ko-KR" altLang="en-US"/>
+          </a:p>
+        </p:txBody>
+      </p:sp>
+    </p:spTree>
+    <p:extLst>
+      <p:ext uri="{BB962C8B-B14F-4D97-AF65-F5344CB8AC3E}">
+        <p14:creationId xmlns:p14="http://schemas.microsoft.com/office/powerpoint/2010/main" val="2124383057"/>
+      </p:ext>
+    </p:extLst>
+  </p:cSld>
+  <p:clrMapOvr>
+    <a:masterClrMapping/>
+  </p:clrMapOvr>
+</p:sld>
+</file>
+
+<file path=ppt/slides/slide11.xml><?xml version="1.0" encoding="utf-8"?>
+<p:sld xmlns:a="http://schemas.openxmlformats.org/drawingml/2006/main" xmlns:r="http://schemas.openxmlformats.org/officeDocument/2006/relationships" xmlns:p="http://schemas.openxmlformats.org/presentationml/2006/main">
+  <p:cSld>
+    <p:spTree>
+      <p:nvGrpSpPr>
+        <p:cNvPr id="1" name=""/>
+        <p:cNvGrpSpPr/>
+        <p:nvPr/>
+      </p:nvGrpSpPr>
+      <p:grpSpPr>
+        <a:xfrm>
+          <a:off x="0" y="0"/>
+          <a:ext cx="0" cy="0"/>
+          <a:chOff x="0" y="0"/>
+          <a:chExt cx="0" cy="0"/>
+        </a:xfrm>
+      </p:grpSpPr>
+      <p:sp>
+        <p:nvSpPr>
+          <p:cNvPr id="2" name="제목 1">
+            <a:extLst>
+              <a:ext uri="{FF2B5EF4-FFF2-40B4-BE49-F238E27FC236}">
+                <a16:creationId xmlns:a16="http://schemas.microsoft.com/office/drawing/2014/main" id="{EB9B442A-B5B8-4436-8492-096359ABBDC8}"/>
+              </a:ext>
+            </a:extLst>
+          </p:cNvPr>
+          <p:cNvSpPr>
+            <a:spLocks noGrp="1"/>
+          </p:cNvSpPr>
+          <p:nvPr>
+            <p:ph type="title"/>
+          </p:nvPr>
+        </p:nvSpPr>
+        <p:spPr/>
+        <p:txBody>
+          <a:bodyPr/>
+          <a:lstStyle/>
+          <a:p>
+            <a:r>
+              <a:rPr lang="en-US" altLang="ko-KR" dirty="0"/>
+              <a:t>Contents</a:t>
+            </a:r>
+            <a:endParaRPr lang="ko-KR" altLang="en-US" dirty="0"/>
+          </a:p>
+        </p:txBody>
+      </p:sp>
+      <p:sp>
+        <p:nvSpPr>
+          <p:cNvPr id="3" name="내용 개체 틀 2">
+            <a:extLst>
+              <a:ext uri="{FF2B5EF4-FFF2-40B4-BE49-F238E27FC236}">
+                <a16:creationId xmlns:a16="http://schemas.microsoft.com/office/drawing/2014/main" id="{53A5689C-6B3A-4C9D-A89E-C4D84A909B98}"/>
+              </a:ext>
+            </a:extLst>
+          </p:cNvPr>
+          <p:cNvSpPr>
+            <a:spLocks noGrp="1"/>
+          </p:cNvSpPr>
+          <p:nvPr>
+            <p:ph idx="1"/>
+          </p:nvPr>
+        </p:nvSpPr>
+        <p:spPr/>
+        <p:txBody>
+          <a:bodyPr/>
+          <a:lstStyle/>
+          <a:p>
+            <a:r>
+              <a:rPr lang="ko-KR" altLang="en-US" dirty="0">
+                <a:solidFill>
+                  <a:schemeClr val="bg1">
+                    <a:lumMod val="65000"/>
+                  </a:schemeClr>
+                </a:solidFill>
+              </a:rPr>
+              <a:t>파일 입출력 오버헤드 확인 실험</a:t>
+            </a:r>
+            <a:endParaRPr lang="en-US" altLang="ko-KR" dirty="0">
+              <a:solidFill>
+                <a:schemeClr val="bg1">
+                  <a:lumMod val="65000"/>
+                </a:schemeClr>
+              </a:solidFill>
+            </a:endParaRPr>
+          </a:p>
+          <a:p>
+            <a:r>
+              <a:rPr lang="ko-KR" altLang="en-US" dirty="0"/>
+              <a:t>오류 발생 및 해결</a:t>
+            </a:r>
+            <a:endParaRPr lang="en-US" altLang="ko-KR" dirty="0"/>
+          </a:p>
+          <a:p>
+            <a:r>
+              <a:rPr lang="ko-KR" altLang="en-US" dirty="0">
+                <a:solidFill>
+                  <a:schemeClr val="bg1">
+                    <a:lumMod val="65000"/>
+                  </a:schemeClr>
+                </a:solidFill>
+              </a:rPr>
+              <a:t>어플리케이션 개선 및 결과</a:t>
+            </a:r>
+            <a:endParaRPr lang="en-US" altLang="ko-KR" dirty="0">
+              <a:solidFill>
+                <a:schemeClr val="bg1">
+                  <a:lumMod val="65000"/>
+                </a:schemeClr>
+              </a:solidFill>
+            </a:endParaRPr>
+          </a:p>
+        </p:txBody>
+      </p:sp>
+      <p:sp>
+        <p:nvSpPr>
+          <p:cNvPr id="4" name="날짜 개체 틀 3">
+            <a:extLst>
+              <a:ext uri="{FF2B5EF4-FFF2-40B4-BE49-F238E27FC236}">
+                <a16:creationId xmlns:a16="http://schemas.microsoft.com/office/drawing/2014/main" id="{5C3C7D6E-F35B-4CF0-8AD1-B44818B01CD4}"/>
+              </a:ext>
+            </a:extLst>
+          </p:cNvPr>
+          <p:cNvSpPr>
+            <a:spLocks noGrp="1"/>
+          </p:cNvSpPr>
+          <p:nvPr>
+            <p:ph type="dt" sz="half" idx="10"/>
+          </p:nvPr>
+        </p:nvSpPr>
+        <p:spPr/>
+        <p:txBody>
+          <a:bodyPr/>
+          <a:lstStyle/>
+          <a:p>
+            <a:r>
+              <a:rPr lang="ko-KR" altLang="en-US"/>
+              <a:t>권철현</a:t>
+            </a:r>
+            <a:r>
+              <a:rPr lang="en-US" altLang="ko-KR"/>
+              <a:t>, </a:t>
+            </a:r>
+            <a:r>
+              <a:rPr lang="ko-KR" altLang="en-US"/>
+              <a:t>신재하</a:t>
+            </a:r>
+          </a:p>
+        </p:txBody>
+      </p:sp>
+      <p:sp>
+        <p:nvSpPr>
+          <p:cNvPr id="5" name="슬라이드 번호 개체 틀 4">
+            <a:extLst>
+              <a:ext uri="{FF2B5EF4-FFF2-40B4-BE49-F238E27FC236}">
+                <a16:creationId xmlns:a16="http://schemas.microsoft.com/office/drawing/2014/main" id="{7AE133D7-A263-4A3F-9448-1F5B9804315D}"/>
+              </a:ext>
+            </a:extLst>
+          </p:cNvPr>
+          <p:cNvSpPr>
+            <a:spLocks noGrp="1"/>
+          </p:cNvSpPr>
+          <p:nvPr>
+            <p:ph type="sldNum" sz="quarter" idx="12"/>
+          </p:nvPr>
+        </p:nvSpPr>
+        <p:spPr/>
+        <p:txBody>
+          <a:bodyPr/>
+          <a:lstStyle/>
+          <a:p>
+            <a:fld id="{5FF72CB3-86FB-4DBB-A7AC-E8F6F3DA156B}" type="slidenum">
+              <a:rPr lang="ko-KR" altLang="en-US" smtClean="0"/>
+              <a:pPr/>
+              <a:t>11</a:t>
+            </a:fld>
+            <a:endParaRPr lang="ko-KR" altLang="en-US"/>
+          </a:p>
+        </p:txBody>
+      </p:sp>
+    </p:spTree>
+    <p:extLst>
+      <p:ext uri="{BB962C8B-B14F-4D97-AF65-F5344CB8AC3E}">
+        <p14:creationId xmlns:p14="http://schemas.microsoft.com/office/powerpoint/2010/main" val="2645688374"/>
+      </p:ext>
+    </p:extLst>
+  </p:cSld>
+  <p:clrMapOvr>
+    <a:masterClrMapping/>
+  </p:clrMapOvr>
+</p:sld>
+</file>
+
+<file path=ppt/slides/slide12.xml><?xml version="1.0" encoding="utf-8"?>
+<p:sld xmlns:a="http://schemas.openxmlformats.org/drawingml/2006/main" xmlns:r="http://schemas.openxmlformats.org/officeDocument/2006/relationships" xmlns:p="http://schemas.openxmlformats.org/presentationml/2006/main">
+  <p:cSld>
+    <p:spTree>
+      <p:nvGrpSpPr>
+        <p:cNvPr id="1" name=""/>
+        <p:cNvGrpSpPr/>
+        <p:nvPr/>
+      </p:nvGrpSpPr>
+      <p:grpSpPr>
+        <a:xfrm>
+          <a:off x="0" y="0"/>
+          <a:ext cx="0" cy="0"/>
+          <a:chOff x="0" y="0"/>
+          <a:chExt cx="0" cy="0"/>
+        </a:xfrm>
+      </p:grpSpPr>
+      <p:sp>
+        <p:nvSpPr>
+          <p:cNvPr id="2" name="제목 1">
+            <a:extLst>
+              <a:ext uri="{FF2B5EF4-FFF2-40B4-BE49-F238E27FC236}">
+                <a16:creationId xmlns:a16="http://schemas.microsoft.com/office/drawing/2014/main" id="{09D0E0C3-4A47-452D-895A-FC7AE6EC1BA9}"/>
+              </a:ext>
+            </a:extLst>
+          </p:cNvPr>
+          <p:cNvSpPr>
+            <a:spLocks noGrp="1"/>
+          </p:cNvSpPr>
+          <p:nvPr>
+            <p:ph type="title"/>
+          </p:nvPr>
+        </p:nvSpPr>
+        <p:spPr/>
+        <p:txBody>
+          <a:bodyPr/>
+          <a:lstStyle/>
+          <a:p>
+            <a:r>
+              <a:rPr lang="ko-KR" altLang="en-US" dirty="0"/>
+              <a:t>어플리케이션 실행 불가한 버그 발생</a:t>
+            </a:r>
+          </a:p>
+        </p:txBody>
+      </p:sp>
+      <p:sp>
+        <p:nvSpPr>
+          <p:cNvPr id="3" name="내용 개체 틀 2">
+            <a:extLst>
+              <a:ext uri="{FF2B5EF4-FFF2-40B4-BE49-F238E27FC236}">
+                <a16:creationId xmlns:a16="http://schemas.microsoft.com/office/drawing/2014/main" id="{3A3AFB15-9884-470D-A3E0-4980D089D314}"/>
+              </a:ext>
+            </a:extLst>
+          </p:cNvPr>
+          <p:cNvSpPr>
+            <a:spLocks noGrp="1"/>
+          </p:cNvSpPr>
+          <p:nvPr>
+            <p:ph idx="1"/>
+          </p:nvPr>
+        </p:nvSpPr>
+        <p:spPr/>
+        <p:txBody>
+          <a:bodyPr>
+            <a:normAutofit/>
+          </a:bodyPr>
+          <a:lstStyle/>
+          <a:p>
+            <a:r>
+              <a:rPr lang="en-US" altLang="ko-KR" sz="2700" dirty="0"/>
+              <a:t>1</a:t>
+            </a:r>
+            <a:r>
+              <a:rPr lang="ko-KR" altLang="en-US" sz="2700" dirty="0"/>
+              <a:t>월 </a:t>
+            </a:r>
+            <a:r>
+              <a:rPr lang="en-US" altLang="ko-KR" sz="2700" dirty="0"/>
+              <a:t>26</a:t>
+            </a:r>
+            <a:r>
+              <a:rPr lang="ko-KR" altLang="en-US" sz="2700" dirty="0"/>
+              <a:t>일</a:t>
+            </a:r>
+            <a:r>
+              <a:rPr lang="en-US" altLang="ko-KR" sz="2700" dirty="0"/>
+              <a:t> </a:t>
+            </a:r>
+            <a:r>
+              <a:rPr lang="ko-KR" altLang="en-US" sz="2700" dirty="0"/>
+              <a:t>약 </a:t>
+            </a:r>
+            <a:r>
+              <a:rPr lang="en-US" altLang="ko-KR" sz="2700" dirty="0"/>
+              <a:t>18</a:t>
+            </a:r>
+            <a:r>
+              <a:rPr lang="ko-KR" altLang="en-US" sz="2700" dirty="0"/>
+              <a:t>시 부터 </a:t>
+            </a:r>
+            <a:r>
+              <a:rPr lang="en-US" altLang="ko-KR" sz="2700" dirty="0"/>
+              <a:t>TF Lite </a:t>
+            </a:r>
+            <a:r>
+              <a:rPr lang="ko-KR" altLang="en-US" sz="2700" dirty="0"/>
+              <a:t>예제 어플리케이션 실행 불가능 버그 발생</a:t>
+            </a:r>
+            <a:endParaRPr lang="en-US" altLang="ko-KR" sz="2700" dirty="0"/>
+          </a:p>
+          <a:p>
+            <a:r>
+              <a:rPr lang="ko-KR" altLang="en-US" sz="2700" dirty="0"/>
+              <a:t>에러 로그 출력 없이 어플리케이션 실행 시 바로 종료되는 버그 </a:t>
+            </a:r>
+            <a:endParaRPr lang="en-US" altLang="ko-KR" sz="2700" dirty="0"/>
+          </a:p>
+          <a:p>
+            <a:r>
+              <a:rPr lang="ko-KR" altLang="en-US" sz="2700" dirty="0"/>
+              <a:t>직접 수정한 코드 이외에 </a:t>
+            </a:r>
+            <a:r>
+              <a:rPr lang="en-US" altLang="ko-KR" sz="2700" dirty="0"/>
+              <a:t>git </a:t>
+            </a:r>
+            <a:r>
+              <a:rPr lang="ko-KR" altLang="en-US" sz="2700" dirty="0"/>
+              <a:t>에서 </a:t>
+            </a:r>
+            <a:r>
+              <a:rPr lang="en-US" altLang="ko-KR" sz="2700" dirty="0"/>
+              <a:t>clone</a:t>
+            </a:r>
+            <a:r>
+              <a:rPr lang="ko-KR" altLang="en-US" sz="2700" dirty="0"/>
+              <a:t>한 예제 또한 </a:t>
+            </a:r>
+            <a:r>
+              <a:rPr lang="ko-KR" altLang="en-US" sz="2700" dirty="0">
+                <a:solidFill>
+                  <a:srgbClr val="FF0000"/>
+                </a:solidFill>
+              </a:rPr>
+              <a:t>실행 불가</a:t>
+            </a:r>
+            <a:endParaRPr lang="en-US" altLang="ko-KR" sz="2700" dirty="0">
+              <a:solidFill>
+                <a:srgbClr val="FF0000"/>
+              </a:solidFill>
+            </a:endParaRPr>
+          </a:p>
+          <a:p>
+            <a:r>
+              <a:rPr lang="ko-KR" altLang="en-US" sz="2700" dirty="0"/>
+              <a:t>안드로이드 스튜디오나 </a:t>
+            </a:r>
+            <a:r>
+              <a:rPr lang="en-US" altLang="ko-KR" sz="2700" dirty="0"/>
+              <a:t>TF Lite </a:t>
+            </a:r>
+            <a:r>
+              <a:rPr lang="ko-KR" altLang="en-US" sz="2700" dirty="0"/>
+              <a:t>내부적인 업데이트로 인한 버그로 추정</a:t>
+            </a:r>
+            <a:endParaRPr lang="en-US" altLang="ko-KR" sz="2700" dirty="0"/>
+          </a:p>
+          <a:p>
+            <a:endParaRPr lang="en-US" altLang="ko-KR" sz="2700" dirty="0"/>
+          </a:p>
+          <a:p>
+            <a:endParaRPr lang="ko-KR" altLang="en-US" sz="2700" dirty="0"/>
+          </a:p>
+        </p:txBody>
+      </p:sp>
+      <p:sp>
+        <p:nvSpPr>
+          <p:cNvPr id="4" name="날짜 개체 틀 3">
+            <a:extLst>
+              <a:ext uri="{FF2B5EF4-FFF2-40B4-BE49-F238E27FC236}">
+                <a16:creationId xmlns:a16="http://schemas.microsoft.com/office/drawing/2014/main" id="{140693A7-195B-4A1E-8DDE-5403A648F5DB}"/>
+              </a:ext>
+            </a:extLst>
+          </p:cNvPr>
+          <p:cNvSpPr>
+            <a:spLocks noGrp="1"/>
+          </p:cNvSpPr>
+          <p:nvPr>
+            <p:ph type="dt" sz="half" idx="10"/>
+          </p:nvPr>
+        </p:nvSpPr>
+        <p:spPr/>
+        <p:txBody>
+          <a:bodyPr/>
+          <a:lstStyle/>
+          <a:p>
+            <a:r>
+              <a:rPr lang="ko-KR" altLang="en-US"/>
+              <a:t>권철현</a:t>
+            </a:r>
+            <a:r>
+              <a:rPr lang="en-US" altLang="ko-KR"/>
+              <a:t>, </a:t>
+            </a:r>
+            <a:r>
+              <a:rPr lang="ko-KR" altLang="en-US"/>
+              <a:t>신재하</a:t>
+            </a:r>
+          </a:p>
+        </p:txBody>
+      </p:sp>
+      <p:sp>
+        <p:nvSpPr>
+          <p:cNvPr id="5" name="슬라이드 번호 개체 틀 4">
+            <a:extLst>
+              <a:ext uri="{FF2B5EF4-FFF2-40B4-BE49-F238E27FC236}">
+                <a16:creationId xmlns:a16="http://schemas.microsoft.com/office/drawing/2014/main" id="{7C777258-F3AD-4B67-A34C-8B462AB479FB}"/>
+              </a:ext>
+            </a:extLst>
+          </p:cNvPr>
+          <p:cNvSpPr>
+            <a:spLocks noGrp="1"/>
+          </p:cNvSpPr>
+          <p:nvPr>
+            <p:ph type="sldNum" sz="quarter" idx="12"/>
+          </p:nvPr>
+        </p:nvSpPr>
+        <p:spPr/>
+        <p:txBody>
+          <a:bodyPr/>
+          <a:lstStyle/>
+          <a:p>
+            <a:fld id="{5FF72CB3-86FB-4DBB-A7AC-E8F6F3DA156B}" type="slidenum">
+              <a:rPr lang="ko-KR" altLang="en-US" smtClean="0"/>
+              <a:pPr/>
+              <a:t>12</a:t>
+            </a:fld>
+            <a:endParaRPr lang="ko-KR" altLang="en-US"/>
+          </a:p>
+        </p:txBody>
+      </p:sp>
+    </p:spTree>
+    <p:extLst>
+      <p:ext uri="{BB962C8B-B14F-4D97-AF65-F5344CB8AC3E}">
+        <p14:creationId xmlns:p14="http://schemas.microsoft.com/office/powerpoint/2010/main" val="3652590658"/>
+      </p:ext>
+    </p:extLst>
+  </p:cSld>
+  <p:clrMapOvr>
+    <a:masterClrMapping/>
+  </p:clrMapOvr>
+</p:sld>
+</file>
+
+<file path=ppt/slides/slide13.xml><?xml version="1.0" encoding="utf-8"?>
+<p:sld xmlns:a="http://schemas.openxmlformats.org/drawingml/2006/main" xmlns:r="http://schemas.openxmlformats.org/officeDocument/2006/relationships" xmlns:p="http://schemas.openxmlformats.org/presentationml/2006/main">
+  <p:cSld>
+    <p:spTree>
+      <p:nvGrpSpPr>
+        <p:cNvPr id="1" name=""/>
+        <p:cNvGrpSpPr/>
+        <p:nvPr/>
+      </p:nvGrpSpPr>
+      <p:grpSpPr>
+        <a:xfrm>
+          <a:off x="0" y="0"/>
+          <a:ext cx="0" cy="0"/>
+          <a:chOff x="0" y="0"/>
+          <a:chExt cx="0" cy="0"/>
+        </a:xfrm>
+      </p:grpSpPr>
+      <p:sp>
+        <p:nvSpPr>
+          <p:cNvPr id="2" name="제목 1">
+            <a:extLst>
+              <a:ext uri="{FF2B5EF4-FFF2-40B4-BE49-F238E27FC236}">
+                <a16:creationId xmlns:a16="http://schemas.microsoft.com/office/drawing/2014/main" id="{4FD11BF9-46B5-4163-B3FB-C4E58B97B26F}"/>
+              </a:ext>
+            </a:extLst>
+          </p:cNvPr>
+          <p:cNvSpPr>
+            <a:spLocks noGrp="1"/>
+          </p:cNvSpPr>
+          <p:nvPr>
+            <p:ph type="title"/>
+          </p:nvPr>
+        </p:nvSpPr>
+        <p:spPr/>
+        <p:txBody>
+          <a:bodyPr/>
+          <a:lstStyle/>
+          <a:p>
+            <a:r>
+              <a:rPr lang="ko-KR" altLang="en-US" dirty="0"/>
+              <a:t>해결 시도</a:t>
+            </a:r>
+          </a:p>
+        </p:txBody>
+      </p:sp>
+      <p:sp>
+        <p:nvSpPr>
+          <p:cNvPr id="3" name="내용 개체 틀 2">
+            <a:extLst>
+              <a:ext uri="{FF2B5EF4-FFF2-40B4-BE49-F238E27FC236}">
+                <a16:creationId xmlns:a16="http://schemas.microsoft.com/office/drawing/2014/main" id="{A64FBA66-CD58-4C5D-888A-D2AF43674A84}"/>
+              </a:ext>
+            </a:extLst>
+          </p:cNvPr>
+          <p:cNvSpPr>
+            <a:spLocks noGrp="1"/>
+          </p:cNvSpPr>
+          <p:nvPr>
+            <p:ph idx="1"/>
+          </p:nvPr>
+        </p:nvSpPr>
+        <p:spPr/>
+        <p:txBody>
+          <a:bodyPr/>
+          <a:lstStyle/>
+          <a:p>
+            <a:r>
+              <a:rPr lang="ko-KR" altLang="en-US" dirty="0"/>
+              <a:t>안드로이드 스튜디오 재설치 및 </a:t>
+            </a:r>
+            <a:r>
+              <a:rPr lang="en-US" altLang="ko-KR" dirty="0" err="1"/>
+              <a:t>sdk</a:t>
+            </a:r>
+            <a:r>
+              <a:rPr lang="en-US" altLang="ko-KR" dirty="0"/>
+              <a:t> </a:t>
+            </a:r>
+            <a:r>
+              <a:rPr lang="ko-KR" altLang="en-US" dirty="0"/>
+              <a:t>버전 변경</a:t>
+            </a:r>
+            <a:r>
+              <a:rPr lang="en-US" altLang="ko-KR" dirty="0"/>
+              <a:t>, </a:t>
+            </a:r>
+            <a:r>
+              <a:rPr lang="ko-KR" altLang="en-US" dirty="0"/>
+              <a:t>재설치</a:t>
+            </a:r>
+            <a:endParaRPr lang="en-US" altLang="ko-KR" dirty="0"/>
+          </a:p>
+          <a:p>
+            <a:r>
+              <a:rPr lang="ko-KR" altLang="en-US" dirty="0"/>
+              <a:t>안드로이드 에뮬레이터 버전 변경</a:t>
+            </a:r>
+            <a:endParaRPr lang="en-US" altLang="ko-KR" dirty="0"/>
+          </a:p>
+          <a:p>
+            <a:r>
+              <a:rPr lang="ko-KR" altLang="en-US" dirty="0"/>
+              <a:t>새 프로젝트 생성 후 소스코드 복사</a:t>
+            </a:r>
+          </a:p>
+        </p:txBody>
+      </p:sp>
+      <p:sp>
+        <p:nvSpPr>
+          <p:cNvPr id="4" name="날짜 개체 틀 3">
+            <a:extLst>
+              <a:ext uri="{FF2B5EF4-FFF2-40B4-BE49-F238E27FC236}">
+                <a16:creationId xmlns:a16="http://schemas.microsoft.com/office/drawing/2014/main" id="{7ACB4069-6464-4CB6-9781-8B0C1B133007}"/>
+              </a:ext>
+            </a:extLst>
+          </p:cNvPr>
+          <p:cNvSpPr>
+            <a:spLocks noGrp="1"/>
+          </p:cNvSpPr>
+          <p:nvPr>
+            <p:ph type="dt" sz="half" idx="10"/>
+          </p:nvPr>
+        </p:nvSpPr>
+        <p:spPr/>
+        <p:txBody>
+          <a:bodyPr/>
+          <a:lstStyle/>
+          <a:p>
+            <a:r>
+              <a:rPr lang="ko-KR" altLang="en-US"/>
+              <a:t>권철현</a:t>
+            </a:r>
+            <a:r>
+              <a:rPr lang="en-US" altLang="ko-KR"/>
+              <a:t>, </a:t>
+            </a:r>
+            <a:r>
+              <a:rPr lang="ko-KR" altLang="en-US"/>
+              <a:t>신재하</a:t>
+            </a:r>
+          </a:p>
+        </p:txBody>
+      </p:sp>
+      <p:sp>
+        <p:nvSpPr>
+          <p:cNvPr id="5" name="슬라이드 번호 개체 틀 4">
+            <a:extLst>
+              <a:ext uri="{FF2B5EF4-FFF2-40B4-BE49-F238E27FC236}">
+                <a16:creationId xmlns:a16="http://schemas.microsoft.com/office/drawing/2014/main" id="{1B6D4C45-60DA-4311-820A-308CE8F55DDB}"/>
+              </a:ext>
+            </a:extLst>
+          </p:cNvPr>
+          <p:cNvSpPr>
+            <a:spLocks noGrp="1"/>
+          </p:cNvSpPr>
+          <p:nvPr>
+            <p:ph type="sldNum" sz="quarter" idx="12"/>
+          </p:nvPr>
+        </p:nvSpPr>
+        <p:spPr/>
+        <p:txBody>
+          <a:bodyPr/>
+          <a:lstStyle/>
+          <a:p>
+            <a:fld id="{5FF72CB3-86FB-4DBB-A7AC-E8F6F3DA156B}" type="slidenum">
+              <a:rPr lang="ko-KR" altLang="en-US" smtClean="0"/>
+              <a:pPr/>
+              <a:t>13</a:t>
+            </a:fld>
+            <a:endParaRPr lang="ko-KR" altLang="en-US"/>
+          </a:p>
+        </p:txBody>
+      </p:sp>
+    </p:spTree>
+    <p:extLst>
+      <p:ext uri="{BB962C8B-B14F-4D97-AF65-F5344CB8AC3E}">
+        <p14:creationId xmlns:p14="http://schemas.microsoft.com/office/powerpoint/2010/main" val="372050893"/>
+      </p:ext>
+    </p:extLst>
+  </p:cSld>
+  <p:clrMapOvr>
+    <a:masterClrMapping/>
+  </p:clrMapOvr>
+</p:sld>
+</file>
+
+<file path=ppt/slides/slide14.xml><?xml version="1.0" encoding="utf-8"?>
+<p:sld xmlns:a="http://schemas.openxmlformats.org/drawingml/2006/main" xmlns:r="http://schemas.openxmlformats.org/officeDocument/2006/relationships" xmlns:p="http://schemas.openxmlformats.org/presentationml/2006/main">
+  <p:cSld>
+    <p:spTree>
+      <p:nvGrpSpPr>
+        <p:cNvPr id="1" name=""/>
+        <p:cNvGrpSpPr/>
+        <p:nvPr/>
+      </p:nvGrpSpPr>
+      <p:grpSpPr>
+        <a:xfrm>
+          <a:off x="0" y="0"/>
+          <a:ext cx="0" cy="0"/>
+          <a:chOff x="0" y="0"/>
+          <a:chExt cx="0" cy="0"/>
+        </a:xfrm>
+      </p:grpSpPr>
+      <p:sp>
+        <p:nvSpPr>
+          <p:cNvPr id="2" name="제목 1">
+            <a:extLst>
+              <a:ext uri="{FF2B5EF4-FFF2-40B4-BE49-F238E27FC236}">
+                <a16:creationId xmlns:a16="http://schemas.microsoft.com/office/drawing/2014/main" id="{EF3FD12E-0251-470B-91A7-2BD4000541A3}"/>
+              </a:ext>
+            </a:extLst>
+          </p:cNvPr>
+          <p:cNvSpPr>
+            <a:spLocks noGrp="1"/>
+          </p:cNvSpPr>
+          <p:nvPr>
+            <p:ph type="title"/>
+          </p:nvPr>
+        </p:nvSpPr>
+        <p:spPr/>
+        <p:txBody>
+          <a:bodyPr/>
+          <a:lstStyle/>
+          <a:p>
+            <a:r>
+              <a:rPr lang="ko-KR" altLang="en-US" dirty="0"/>
+              <a:t>결과</a:t>
+            </a:r>
+          </a:p>
+        </p:txBody>
+      </p:sp>
+      <p:sp>
+        <p:nvSpPr>
+          <p:cNvPr id="3" name="내용 개체 틀 2">
+            <a:extLst>
+              <a:ext uri="{FF2B5EF4-FFF2-40B4-BE49-F238E27FC236}">
+                <a16:creationId xmlns:a16="http://schemas.microsoft.com/office/drawing/2014/main" id="{D606C88C-047B-4034-8FBA-60616FFA082C}"/>
+              </a:ext>
+            </a:extLst>
+          </p:cNvPr>
+          <p:cNvSpPr>
+            <a:spLocks noGrp="1"/>
+          </p:cNvSpPr>
+          <p:nvPr>
+            <p:ph idx="1"/>
+          </p:nvPr>
+        </p:nvSpPr>
+        <p:spPr/>
+        <p:txBody>
+          <a:bodyPr/>
+          <a:lstStyle/>
+          <a:p>
+            <a:r>
+              <a:rPr lang="en-US" altLang="ko-KR" dirty="0"/>
+              <a:t>1</a:t>
+            </a:r>
+            <a:r>
+              <a:rPr lang="ko-KR" altLang="en-US" dirty="0"/>
+              <a:t>월 </a:t>
+            </a:r>
+            <a:r>
+              <a:rPr lang="en-US" altLang="ko-KR" dirty="0"/>
+              <a:t>30</a:t>
+            </a:r>
+            <a:r>
+              <a:rPr lang="ko-KR" altLang="en-US" dirty="0"/>
+              <a:t>일에 새 프로젝트 생성 후 소스코드 복사 방법으로 문제 해결</a:t>
+            </a:r>
+            <a:endParaRPr lang="en-US" altLang="ko-KR" dirty="0"/>
+          </a:p>
+          <a:p>
+            <a:r>
+              <a:rPr lang="ko-KR" altLang="en-US" dirty="0"/>
+              <a:t>현재는 기존의 예제 또한 정상적으로 동작</a:t>
+            </a:r>
+            <a:endParaRPr lang="en-US" altLang="ko-KR" dirty="0"/>
+          </a:p>
+          <a:p>
+            <a:pPr lvl="1"/>
+            <a:r>
+              <a:rPr lang="ko-KR" altLang="en-US" dirty="0"/>
+              <a:t>따라서 내부적인 문제가 운이 좋게 </a:t>
+            </a:r>
+            <a:r>
+              <a:rPr lang="en-US" altLang="ko-KR" dirty="0"/>
+              <a:t>30</a:t>
+            </a:r>
+            <a:r>
+              <a:rPr lang="ko-KR" altLang="en-US" dirty="0"/>
+              <a:t>일에 해결된 것인지</a:t>
+            </a:r>
+            <a:r>
+              <a:rPr lang="en-US" altLang="ko-KR" dirty="0"/>
+              <a:t>, </a:t>
+            </a:r>
+            <a:r>
+              <a:rPr lang="ko-KR" altLang="en-US" dirty="0"/>
+              <a:t>새 프로젝트로 옮겨서 해결된 것인지 구분 불가능</a:t>
+            </a:r>
+            <a:endParaRPr lang="en-US" altLang="ko-KR" dirty="0"/>
+          </a:p>
+        </p:txBody>
+      </p:sp>
+      <p:sp>
+        <p:nvSpPr>
+          <p:cNvPr id="4" name="날짜 개체 틀 3">
+            <a:extLst>
+              <a:ext uri="{FF2B5EF4-FFF2-40B4-BE49-F238E27FC236}">
+                <a16:creationId xmlns:a16="http://schemas.microsoft.com/office/drawing/2014/main" id="{28D88867-0C8F-456B-AF8A-255F9266DE89}"/>
+              </a:ext>
+            </a:extLst>
+          </p:cNvPr>
+          <p:cNvSpPr>
+            <a:spLocks noGrp="1"/>
+          </p:cNvSpPr>
+          <p:nvPr>
+            <p:ph type="dt" sz="half" idx="10"/>
+          </p:nvPr>
+        </p:nvSpPr>
+        <p:spPr/>
+        <p:txBody>
+          <a:bodyPr/>
+          <a:lstStyle/>
+          <a:p>
+            <a:r>
+              <a:rPr lang="ko-KR" altLang="en-US"/>
+              <a:t>권철현</a:t>
+            </a:r>
+            <a:r>
+              <a:rPr lang="en-US" altLang="ko-KR"/>
+              <a:t>, </a:t>
+            </a:r>
+            <a:r>
+              <a:rPr lang="ko-KR" altLang="en-US"/>
+              <a:t>신재하</a:t>
+            </a:r>
+          </a:p>
+        </p:txBody>
+      </p:sp>
+      <p:sp>
+        <p:nvSpPr>
+          <p:cNvPr id="5" name="슬라이드 번호 개체 틀 4">
+            <a:extLst>
+              <a:ext uri="{FF2B5EF4-FFF2-40B4-BE49-F238E27FC236}">
+                <a16:creationId xmlns:a16="http://schemas.microsoft.com/office/drawing/2014/main" id="{1AB1464F-A2F3-4C03-B643-09C625A79935}"/>
+              </a:ext>
+            </a:extLst>
+          </p:cNvPr>
+          <p:cNvSpPr>
+            <a:spLocks noGrp="1"/>
+          </p:cNvSpPr>
+          <p:nvPr>
+            <p:ph type="sldNum" sz="quarter" idx="12"/>
+          </p:nvPr>
+        </p:nvSpPr>
+        <p:spPr/>
+        <p:txBody>
+          <a:bodyPr/>
+          <a:lstStyle/>
+          <a:p>
+            <a:fld id="{5FF72CB3-86FB-4DBB-A7AC-E8F6F3DA156B}" type="slidenum">
+              <a:rPr lang="ko-KR" altLang="en-US" smtClean="0"/>
+              <a:pPr/>
+              <a:t>14</a:t>
+            </a:fld>
+            <a:endParaRPr lang="ko-KR" altLang="en-US"/>
+          </a:p>
+        </p:txBody>
+      </p:sp>
+    </p:spTree>
+    <p:extLst>
+      <p:ext uri="{BB962C8B-B14F-4D97-AF65-F5344CB8AC3E}">
+        <p14:creationId xmlns:p14="http://schemas.microsoft.com/office/powerpoint/2010/main" val="3758937568"/>
+      </p:ext>
+    </p:extLst>
+  </p:cSld>
+  <p:clrMapOvr>
+    <a:masterClrMapping/>
+  </p:clrMapOvr>
+</p:sld>
+</file>
+
+<file path=ppt/slides/slide15.xml><?xml version="1.0" encoding="utf-8"?>
+<p:sld xmlns:a="http://schemas.openxmlformats.org/drawingml/2006/main" xmlns:r="http://schemas.openxmlformats.org/officeDocument/2006/relationships" xmlns:p="http://schemas.openxmlformats.org/presentationml/2006/main">
+  <p:cSld>
+    <p:spTree>
+      <p:nvGrpSpPr>
+        <p:cNvPr id="1" name=""/>
+        <p:cNvGrpSpPr/>
+        <p:nvPr/>
+      </p:nvGrpSpPr>
+      <p:grpSpPr>
+        <a:xfrm>
+          <a:off x="0" y="0"/>
+          <a:ext cx="0" cy="0"/>
+          <a:chOff x="0" y="0"/>
+          <a:chExt cx="0" cy="0"/>
+        </a:xfrm>
+      </p:grpSpPr>
+      <p:sp>
+        <p:nvSpPr>
+          <p:cNvPr id="2" name="제목 1">
+            <a:extLst>
+              <a:ext uri="{FF2B5EF4-FFF2-40B4-BE49-F238E27FC236}">
+                <a16:creationId xmlns:a16="http://schemas.microsoft.com/office/drawing/2014/main" id="{EB9B442A-B5B8-4436-8492-096359ABBDC8}"/>
+              </a:ext>
+            </a:extLst>
+          </p:cNvPr>
+          <p:cNvSpPr>
+            <a:spLocks noGrp="1"/>
+          </p:cNvSpPr>
+          <p:nvPr>
+            <p:ph type="title"/>
+          </p:nvPr>
+        </p:nvSpPr>
+        <p:spPr/>
+        <p:txBody>
+          <a:bodyPr/>
+          <a:lstStyle/>
+          <a:p>
+            <a:r>
+              <a:rPr lang="en-US" altLang="ko-KR" dirty="0"/>
+              <a:t>Contents</a:t>
+            </a:r>
+            <a:endParaRPr lang="ko-KR" altLang="en-US" dirty="0"/>
+          </a:p>
+        </p:txBody>
+      </p:sp>
+      <p:sp>
+        <p:nvSpPr>
+          <p:cNvPr id="3" name="내용 개체 틀 2">
+            <a:extLst>
+              <a:ext uri="{FF2B5EF4-FFF2-40B4-BE49-F238E27FC236}">
+                <a16:creationId xmlns:a16="http://schemas.microsoft.com/office/drawing/2014/main" id="{53A5689C-6B3A-4C9D-A89E-C4D84A909B98}"/>
+              </a:ext>
+            </a:extLst>
+          </p:cNvPr>
+          <p:cNvSpPr>
+            <a:spLocks noGrp="1"/>
+          </p:cNvSpPr>
+          <p:nvPr>
+            <p:ph idx="1"/>
+          </p:nvPr>
+        </p:nvSpPr>
+        <p:spPr/>
+        <p:txBody>
+          <a:bodyPr/>
+          <a:lstStyle/>
+          <a:p>
+            <a:r>
+              <a:rPr lang="ko-KR" altLang="en-US" dirty="0">
+                <a:solidFill>
+                  <a:schemeClr val="bg1">
+                    <a:lumMod val="65000"/>
+                  </a:schemeClr>
+                </a:solidFill>
+              </a:rPr>
+              <a:t>파일 입출력 오버헤드 확인 실험</a:t>
+            </a:r>
+            <a:endParaRPr lang="en-US" altLang="ko-KR" dirty="0">
+              <a:solidFill>
+                <a:schemeClr val="bg1">
+                  <a:lumMod val="65000"/>
+                </a:schemeClr>
+              </a:solidFill>
+            </a:endParaRPr>
+          </a:p>
+          <a:p>
+            <a:r>
+              <a:rPr lang="ko-KR" altLang="en-US" dirty="0">
+                <a:solidFill>
+                  <a:schemeClr val="bg1">
+                    <a:lumMod val="65000"/>
+                  </a:schemeClr>
+                </a:solidFill>
+              </a:rPr>
+              <a:t>오류 발생 및 해결</a:t>
+            </a:r>
+            <a:endParaRPr lang="en-US" altLang="ko-KR" dirty="0">
+              <a:solidFill>
+                <a:schemeClr val="bg1">
+                  <a:lumMod val="65000"/>
+                </a:schemeClr>
+              </a:solidFill>
+            </a:endParaRPr>
+          </a:p>
+          <a:p>
+            <a:r>
+              <a:rPr lang="ko-KR" altLang="en-US" dirty="0"/>
+              <a:t>어플리케이션 개선 및 결과</a:t>
+            </a:r>
+            <a:endParaRPr lang="en-US" altLang="ko-KR" dirty="0"/>
+          </a:p>
+        </p:txBody>
+      </p:sp>
+      <p:sp>
+        <p:nvSpPr>
+          <p:cNvPr id="4" name="날짜 개체 틀 3">
+            <a:extLst>
+              <a:ext uri="{FF2B5EF4-FFF2-40B4-BE49-F238E27FC236}">
+                <a16:creationId xmlns:a16="http://schemas.microsoft.com/office/drawing/2014/main" id="{5C3C7D6E-F35B-4CF0-8AD1-B44818B01CD4}"/>
+              </a:ext>
+            </a:extLst>
+          </p:cNvPr>
+          <p:cNvSpPr>
+            <a:spLocks noGrp="1"/>
+          </p:cNvSpPr>
+          <p:nvPr>
+            <p:ph type="dt" sz="half" idx="10"/>
+          </p:nvPr>
+        </p:nvSpPr>
+        <p:spPr/>
+        <p:txBody>
+          <a:bodyPr/>
+          <a:lstStyle/>
+          <a:p>
+            <a:r>
+              <a:rPr lang="ko-KR" altLang="en-US"/>
+              <a:t>권철현</a:t>
+            </a:r>
+            <a:r>
+              <a:rPr lang="en-US" altLang="ko-KR"/>
+              <a:t>, </a:t>
+            </a:r>
+            <a:r>
+              <a:rPr lang="ko-KR" altLang="en-US"/>
+              <a:t>신재하</a:t>
+            </a:r>
+          </a:p>
+        </p:txBody>
+      </p:sp>
+      <p:sp>
+        <p:nvSpPr>
+          <p:cNvPr id="5" name="슬라이드 번호 개체 틀 4">
+            <a:extLst>
+              <a:ext uri="{FF2B5EF4-FFF2-40B4-BE49-F238E27FC236}">
+                <a16:creationId xmlns:a16="http://schemas.microsoft.com/office/drawing/2014/main" id="{7AE133D7-A263-4A3F-9448-1F5B9804315D}"/>
+              </a:ext>
+            </a:extLst>
+          </p:cNvPr>
+          <p:cNvSpPr>
+            <a:spLocks noGrp="1"/>
+          </p:cNvSpPr>
+          <p:nvPr>
+            <p:ph type="sldNum" sz="quarter" idx="12"/>
+          </p:nvPr>
+        </p:nvSpPr>
+        <p:spPr/>
+        <p:txBody>
+          <a:bodyPr/>
+          <a:lstStyle/>
+          <a:p>
+            <a:fld id="{5FF72CB3-86FB-4DBB-A7AC-E8F6F3DA156B}" type="slidenum">
+              <a:rPr lang="ko-KR" altLang="en-US" smtClean="0"/>
+              <a:pPr/>
+              <a:t>15</a:t>
+            </a:fld>
+            <a:endParaRPr lang="ko-KR" altLang="en-US"/>
+          </a:p>
+        </p:txBody>
+      </p:sp>
+    </p:spTree>
+    <p:extLst>
+      <p:ext uri="{BB962C8B-B14F-4D97-AF65-F5344CB8AC3E}">
+        <p14:creationId xmlns:p14="http://schemas.microsoft.com/office/powerpoint/2010/main" val="3716649610"/>
+      </p:ext>
+    </p:extLst>
+  </p:cSld>
+  <p:clrMapOvr>
+    <a:masterClrMapping/>
+  </p:clrMapOvr>
+</p:sld>
+</file>
+
+<file path=ppt/slides/slide16.xml><?xml version="1.0" encoding="utf-8"?>
+<p:sld xmlns:a="http://schemas.openxmlformats.org/drawingml/2006/main" xmlns:r="http://schemas.openxmlformats.org/officeDocument/2006/relationships" xmlns:p="http://schemas.openxmlformats.org/presentationml/2006/main">
+  <p:cSld>
+    <p:spTree>
+      <p:nvGrpSpPr>
+        <p:cNvPr id="1" name=""/>
+        <p:cNvGrpSpPr/>
+        <p:nvPr/>
+      </p:nvGrpSpPr>
+      <p:grpSpPr>
+        <a:xfrm>
+          <a:off x="0" y="0"/>
+          <a:ext cx="0" cy="0"/>
+          <a:chOff x="0" y="0"/>
+          <a:chExt cx="0" cy="0"/>
+        </a:xfrm>
+      </p:grpSpPr>
+      <p:sp>
+        <p:nvSpPr>
+          <p:cNvPr id="2" name="제목 1">
+            <a:extLst>
+              <a:ext uri="{FF2B5EF4-FFF2-40B4-BE49-F238E27FC236}">
+                <a16:creationId xmlns:a16="http://schemas.microsoft.com/office/drawing/2014/main" id="{85EFD466-74D6-4A3A-A289-B9AE116A94DE}"/>
+              </a:ext>
+            </a:extLst>
+          </p:cNvPr>
+          <p:cNvSpPr>
+            <a:spLocks noGrp="1"/>
+          </p:cNvSpPr>
+          <p:nvPr>
+            <p:ph type="title"/>
+          </p:nvPr>
+        </p:nvSpPr>
+        <p:spPr/>
+        <p:txBody>
+          <a:bodyPr/>
+          <a:lstStyle/>
+          <a:p>
+            <a:r>
+              <a:rPr lang="ko-KR" altLang="en-US" dirty="0"/>
+              <a:t>어플리케이션 개선</a:t>
+            </a:r>
+          </a:p>
+        </p:txBody>
+      </p:sp>
+      <p:sp>
+        <p:nvSpPr>
+          <p:cNvPr id="3" name="내용 개체 틀 2">
+            <a:extLst>
+              <a:ext uri="{FF2B5EF4-FFF2-40B4-BE49-F238E27FC236}">
+                <a16:creationId xmlns:a16="http://schemas.microsoft.com/office/drawing/2014/main" id="{6BE999B2-4311-492C-97FD-416241592C0D}"/>
+              </a:ext>
+            </a:extLst>
+          </p:cNvPr>
+          <p:cNvSpPr>
+            <a:spLocks noGrp="1"/>
+          </p:cNvSpPr>
+          <p:nvPr>
+            <p:ph idx="1"/>
+          </p:nvPr>
+        </p:nvSpPr>
+        <p:spPr/>
+        <p:txBody>
+          <a:bodyPr/>
+          <a:lstStyle/>
+          <a:p>
+            <a:r>
+              <a:rPr lang="ko-KR" altLang="en-US" dirty="0"/>
+              <a:t>기존의 학습 과정 </a:t>
+            </a:r>
+            <a:endParaRPr lang="en-US" altLang="ko-KR" dirty="0"/>
+          </a:p>
+          <a:p>
+            <a:pPr lvl="1"/>
+            <a:r>
+              <a:rPr lang="ko-KR" altLang="en-US" dirty="0"/>
+              <a:t>데이터 추가</a:t>
+            </a:r>
+            <a:endParaRPr lang="en-US" altLang="ko-KR" dirty="0"/>
+          </a:p>
+          <a:p>
+            <a:pPr lvl="1"/>
+            <a:endParaRPr lang="en-US" altLang="ko-KR" dirty="0"/>
+          </a:p>
+          <a:p>
+            <a:pPr lvl="1"/>
+            <a:endParaRPr lang="en-US" altLang="ko-KR" dirty="0"/>
+          </a:p>
+          <a:p>
+            <a:pPr lvl="1"/>
+            <a:r>
+              <a:rPr lang="ko-KR" altLang="en-US" dirty="0"/>
+              <a:t>학습</a:t>
+            </a:r>
+          </a:p>
+        </p:txBody>
+      </p:sp>
+      <p:sp>
+        <p:nvSpPr>
+          <p:cNvPr id="4" name="날짜 개체 틀 3">
+            <a:extLst>
+              <a:ext uri="{FF2B5EF4-FFF2-40B4-BE49-F238E27FC236}">
+                <a16:creationId xmlns:a16="http://schemas.microsoft.com/office/drawing/2014/main" id="{FB6AE2C3-E711-475D-9B93-38136C8F55D4}"/>
+              </a:ext>
+            </a:extLst>
+          </p:cNvPr>
+          <p:cNvSpPr>
+            <a:spLocks noGrp="1"/>
+          </p:cNvSpPr>
+          <p:nvPr>
+            <p:ph type="dt" sz="half" idx="10"/>
+          </p:nvPr>
+        </p:nvSpPr>
+        <p:spPr/>
+        <p:txBody>
+          <a:bodyPr/>
+          <a:lstStyle/>
+          <a:p>
+            <a:r>
+              <a:rPr lang="ko-KR" altLang="en-US"/>
+              <a:t>권철현</a:t>
+            </a:r>
+            <a:r>
+              <a:rPr lang="en-US" altLang="ko-KR"/>
+              <a:t>, </a:t>
+            </a:r>
+            <a:r>
+              <a:rPr lang="ko-KR" altLang="en-US"/>
+              <a:t>신재하</a:t>
+            </a:r>
+          </a:p>
+        </p:txBody>
+      </p:sp>
+      <p:sp>
+        <p:nvSpPr>
+          <p:cNvPr id="5" name="슬라이드 번호 개체 틀 4">
+            <a:extLst>
+              <a:ext uri="{FF2B5EF4-FFF2-40B4-BE49-F238E27FC236}">
+                <a16:creationId xmlns:a16="http://schemas.microsoft.com/office/drawing/2014/main" id="{AA4AB112-FFD7-4660-9238-651D462036FE}"/>
+              </a:ext>
+            </a:extLst>
+          </p:cNvPr>
+          <p:cNvSpPr>
+            <a:spLocks noGrp="1"/>
+          </p:cNvSpPr>
+          <p:nvPr>
+            <p:ph type="sldNum" sz="quarter" idx="12"/>
+          </p:nvPr>
+        </p:nvSpPr>
+        <p:spPr/>
+        <p:txBody>
+          <a:bodyPr/>
+          <a:lstStyle/>
+          <a:p>
+            <a:fld id="{5FF72CB3-86FB-4DBB-A7AC-E8F6F3DA156B}" type="slidenum">
+              <a:rPr lang="ko-KR" altLang="en-US" smtClean="0"/>
+              <a:pPr/>
+              <a:t>16</a:t>
+            </a:fld>
+            <a:endParaRPr lang="ko-KR" altLang="en-US"/>
+          </a:p>
+        </p:txBody>
+      </p:sp>
+      <p:sp>
+        <p:nvSpPr>
+          <p:cNvPr id="6" name="사각형: 둥근 모서리 5">
+            <a:extLst>
+              <a:ext uri="{FF2B5EF4-FFF2-40B4-BE49-F238E27FC236}">
+                <a16:creationId xmlns:a16="http://schemas.microsoft.com/office/drawing/2014/main" id="{80C3DF61-84F1-4FE6-9913-6877CECD8820}"/>
+              </a:ext>
+            </a:extLst>
+          </p:cNvPr>
+          <p:cNvSpPr/>
+          <p:nvPr/>
+        </p:nvSpPr>
+        <p:spPr>
+          <a:xfrm>
+            <a:off x="573741" y="2716306"/>
+            <a:ext cx="1954306" cy="419769"/>
+          </a:xfrm>
+          <a:prstGeom prst="roundRect">
+            <a:avLst/>
+          </a:prstGeom>
+          <a:solidFill>
+            <a:schemeClr val="accent2">
+              <a:lumMod val="75000"/>
+            </a:schemeClr>
+          </a:solidFill>
+          <a:ln>
+            <a:solidFill>
+              <a:schemeClr val="accent2">
+                <a:lumMod val="75000"/>
+              </a:schemeClr>
+            </a:solidFill>
+          </a:ln>
+        </p:spPr>
+        <p:style>
+          <a:lnRef idx="2">
+            <a:schemeClr val="accent1">
+              <a:shade val="50000"/>
+            </a:schemeClr>
+          </a:lnRef>
+          <a:fillRef idx="1">
+            <a:schemeClr val="accent1"/>
+          </a:fillRef>
+          <a:effectRef idx="0">
+            <a:schemeClr val="accent1"/>
+          </a:effectRef>
+          <a:fontRef idx="minor">
+            <a:schemeClr val="lt1"/>
+          </a:fontRef>
+        </p:style>
+        <p:txBody>
+          <a:bodyPr rtlCol="0" anchor="ctr"/>
+          <a:lstStyle/>
+          <a:p>
+            <a:pPr algn="ctr"/>
+            <a:r>
+              <a:rPr lang="ko-KR" altLang="en-US" dirty="0"/>
+              <a:t>비트맵 이미지</a:t>
+            </a:r>
+          </a:p>
+        </p:txBody>
+      </p:sp>
+      <p:sp>
+        <p:nvSpPr>
+          <p:cNvPr id="8" name="사각형: 둥근 모서리 7">
+            <a:extLst>
+              <a:ext uri="{FF2B5EF4-FFF2-40B4-BE49-F238E27FC236}">
+                <a16:creationId xmlns:a16="http://schemas.microsoft.com/office/drawing/2014/main" id="{5B299B18-DC2B-4528-8A04-D03402ADE440}"/>
+              </a:ext>
+            </a:extLst>
+          </p:cNvPr>
+          <p:cNvSpPr/>
+          <p:nvPr/>
+        </p:nvSpPr>
+        <p:spPr>
+          <a:xfrm>
+            <a:off x="3119718" y="2716305"/>
+            <a:ext cx="1954306" cy="419769"/>
+          </a:xfrm>
+          <a:prstGeom prst="roundRect">
+            <a:avLst/>
+          </a:prstGeom>
+          <a:solidFill>
+            <a:schemeClr val="accent2">
+              <a:lumMod val="75000"/>
+            </a:schemeClr>
+          </a:solidFill>
+          <a:ln>
+            <a:solidFill>
+              <a:schemeClr val="accent2">
+                <a:lumMod val="75000"/>
+              </a:schemeClr>
+            </a:solidFill>
+          </a:ln>
+        </p:spPr>
+        <p:style>
+          <a:lnRef idx="2">
+            <a:schemeClr val="accent1">
+              <a:shade val="50000"/>
+            </a:schemeClr>
+          </a:lnRef>
+          <a:fillRef idx="1">
+            <a:schemeClr val="accent1"/>
+          </a:fillRef>
+          <a:effectRef idx="0">
+            <a:schemeClr val="accent1"/>
+          </a:effectRef>
+          <a:fontRef idx="minor">
+            <a:schemeClr val="lt1"/>
+          </a:fontRef>
+        </p:style>
+        <p:txBody>
+          <a:bodyPr rtlCol="0" anchor="ctr"/>
+          <a:lstStyle/>
+          <a:p>
+            <a:pPr algn="ctr"/>
+            <a:r>
+              <a:rPr lang="en-US" altLang="ko-KR" dirty="0"/>
+              <a:t>float[62720]</a:t>
+            </a:r>
+            <a:endParaRPr lang="ko-KR" altLang="en-US" dirty="0"/>
+          </a:p>
+        </p:txBody>
+      </p:sp>
+      <p:sp>
+        <p:nvSpPr>
+          <p:cNvPr id="11" name="사각형: 둥근 모서리 10">
+            <a:extLst>
+              <a:ext uri="{FF2B5EF4-FFF2-40B4-BE49-F238E27FC236}">
+                <a16:creationId xmlns:a16="http://schemas.microsoft.com/office/drawing/2014/main" id="{DC96588B-C193-4E55-BDC5-D3A27B95E01F}"/>
+              </a:ext>
+            </a:extLst>
+          </p:cNvPr>
+          <p:cNvSpPr/>
+          <p:nvPr/>
+        </p:nvSpPr>
+        <p:spPr>
+          <a:xfrm>
+            <a:off x="5665695" y="2716305"/>
+            <a:ext cx="1954306" cy="419769"/>
+          </a:xfrm>
+          <a:prstGeom prst="roundRect">
+            <a:avLst/>
+          </a:prstGeom>
+          <a:solidFill>
+            <a:schemeClr val="accent2">
+              <a:lumMod val="75000"/>
+            </a:schemeClr>
+          </a:solidFill>
+          <a:ln>
+            <a:solidFill>
+              <a:schemeClr val="accent2">
+                <a:lumMod val="75000"/>
+              </a:schemeClr>
+            </a:solidFill>
+          </a:ln>
+        </p:spPr>
+        <p:style>
+          <a:lnRef idx="2">
+            <a:schemeClr val="accent1">
+              <a:shade val="50000"/>
+            </a:schemeClr>
+          </a:lnRef>
+          <a:fillRef idx="1">
+            <a:schemeClr val="accent1"/>
+          </a:fillRef>
+          <a:effectRef idx="0">
+            <a:schemeClr val="accent1"/>
+          </a:effectRef>
+          <a:fontRef idx="minor">
+            <a:schemeClr val="lt1"/>
+          </a:fontRef>
+        </p:style>
+        <p:txBody>
+          <a:bodyPr rtlCol="0" anchor="ctr"/>
+          <a:lstStyle/>
+          <a:p>
+            <a:pPr algn="ctr"/>
+            <a:r>
+              <a:rPr lang="en-US" altLang="ko-KR" dirty="0" err="1"/>
+              <a:t>ArrayList</a:t>
+            </a:r>
+            <a:endParaRPr lang="ko-KR" altLang="en-US" dirty="0"/>
+          </a:p>
+        </p:txBody>
+      </p:sp>
+      <p:sp>
+        <p:nvSpPr>
+          <p:cNvPr id="13" name="화살표: 오른쪽 12">
+            <a:extLst>
+              <a:ext uri="{FF2B5EF4-FFF2-40B4-BE49-F238E27FC236}">
+                <a16:creationId xmlns:a16="http://schemas.microsoft.com/office/drawing/2014/main" id="{68F71945-5359-4782-AC74-588A902FC768}"/>
+              </a:ext>
+            </a:extLst>
+          </p:cNvPr>
+          <p:cNvSpPr/>
+          <p:nvPr/>
+        </p:nvSpPr>
+        <p:spPr>
+          <a:xfrm>
+            <a:off x="2613212" y="2859741"/>
+            <a:ext cx="403411" cy="116541"/>
+          </a:xfrm>
+          <a:prstGeom prst="rightArrow">
+            <a:avLst/>
+          </a:prstGeom>
+        </p:spPr>
+        <p:style>
+          <a:lnRef idx="2">
+            <a:schemeClr val="accent1">
+              <a:shade val="50000"/>
+            </a:schemeClr>
+          </a:lnRef>
+          <a:fillRef idx="1">
+            <a:schemeClr val="accent1"/>
+          </a:fillRef>
+          <a:effectRef idx="0">
+            <a:schemeClr val="accent1"/>
+          </a:effectRef>
+          <a:fontRef idx="minor">
+            <a:schemeClr val="lt1"/>
+          </a:fontRef>
+        </p:style>
+        <p:txBody>
+          <a:bodyPr rtlCol="0" anchor="ctr"/>
+          <a:lstStyle/>
+          <a:p>
+            <a:pPr algn="ctr"/>
+            <a:endParaRPr lang="ko-KR" altLang="en-US"/>
+          </a:p>
+        </p:txBody>
+      </p:sp>
+      <p:sp>
+        <p:nvSpPr>
+          <p:cNvPr id="14" name="화살표: 오른쪽 13">
+            <a:extLst>
+              <a:ext uri="{FF2B5EF4-FFF2-40B4-BE49-F238E27FC236}">
+                <a16:creationId xmlns:a16="http://schemas.microsoft.com/office/drawing/2014/main" id="{259E7DB5-0D38-40C0-A0EA-F75E58CB56D3}"/>
+              </a:ext>
+            </a:extLst>
+          </p:cNvPr>
+          <p:cNvSpPr/>
+          <p:nvPr/>
+        </p:nvSpPr>
+        <p:spPr>
+          <a:xfrm>
+            <a:off x="5177119" y="2859741"/>
+            <a:ext cx="403411" cy="116541"/>
+          </a:xfrm>
+          <a:prstGeom prst="rightArrow">
+            <a:avLst/>
+          </a:prstGeom>
+        </p:spPr>
+        <p:style>
+          <a:lnRef idx="2">
+            <a:schemeClr val="accent1">
+              <a:shade val="50000"/>
+            </a:schemeClr>
+          </a:lnRef>
+          <a:fillRef idx="1">
+            <a:schemeClr val="accent1"/>
+          </a:fillRef>
+          <a:effectRef idx="0">
+            <a:schemeClr val="accent1"/>
+          </a:effectRef>
+          <a:fontRef idx="minor">
+            <a:schemeClr val="lt1"/>
+          </a:fontRef>
+        </p:style>
+        <p:txBody>
+          <a:bodyPr rtlCol="0" anchor="ctr"/>
+          <a:lstStyle/>
+          <a:p>
+            <a:pPr algn="ctr"/>
+            <a:endParaRPr lang="ko-KR" altLang="en-US"/>
+          </a:p>
+        </p:txBody>
+      </p:sp>
+      <p:sp>
+        <p:nvSpPr>
+          <p:cNvPr id="15" name="사각형: 둥근 모서리 14">
+            <a:extLst>
+              <a:ext uri="{FF2B5EF4-FFF2-40B4-BE49-F238E27FC236}">
+                <a16:creationId xmlns:a16="http://schemas.microsoft.com/office/drawing/2014/main" id="{E58CC361-D64B-4E98-A8C5-5C5DD178059A}"/>
+              </a:ext>
+            </a:extLst>
+          </p:cNvPr>
+          <p:cNvSpPr/>
+          <p:nvPr/>
+        </p:nvSpPr>
+        <p:spPr>
+          <a:xfrm>
+            <a:off x="573741" y="4051743"/>
+            <a:ext cx="1954306" cy="419769"/>
+          </a:xfrm>
+          <a:prstGeom prst="roundRect">
+            <a:avLst/>
+          </a:prstGeom>
+          <a:solidFill>
+            <a:schemeClr val="accent2">
+              <a:lumMod val="75000"/>
+            </a:schemeClr>
+          </a:solidFill>
+          <a:ln>
+            <a:solidFill>
+              <a:schemeClr val="accent2">
+                <a:lumMod val="75000"/>
+              </a:schemeClr>
+            </a:solidFill>
+          </a:ln>
+        </p:spPr>
+        <p:style>
+          <a:lnRef idx="2">
+            <a:schemeClr val="accent1">
+              <a:shade val="50000"/>
+            </a:schemeClr>
+          </a:lnRef>
+          <a:fillRef idx="1">
+            <a:schemeClr val="accent1"/>
+          </a:fillRef>
+          <a:effectRef idx="0">
+            <a:schemeClr val="accent1"/>
+          </a:effectRef>
+          <a:fontRef idx="minor">
+            <a:schemeClr val="lt1"/>
+          </a:fontRef>
+        </p:style>
+        <p:txBody>
+          <a:bodyPr rtlCol="0" anchor="ctr"/>
+          <a:lstStyle/>
+          <a:p>
+            <a:pPr algn="ctr"/>
+            <a:r>
+              <a:rPr lang="en-US" altLang="ko-KR" dirty="0" err="1"/>
+              <a:t>ArrayList</a:t>
+            </a:r>
+            <a:endParaRPr lang="ko-KR" altLang="en-US" dirty="0"/>
+          </a:p>
+        </p:txBody>
+      </p:sp>
+      <p:sp>
+        <p:nvSpPr>
+          <p:cNvPr id="16" name="화살표: 오른쪽 15">
+            <a:extLst>
+              <a:ext uri="{FF2B5EF4-FFF2-40B4-BE49-F238E27FC236}">
+                <a16:creationId xmlns:a16="http://schemas.microsoft.com/office/drawing/2014/main" id="{EBA37EBD-83AD-47A5-A236-3FF15C2AC19D}"/>
+              </a:ext>
+            </a:extLst>
+          </p:cNvPr>
+          <p:cNvSpPr/>
+          <p:nvPr/>
+        </p:nvSpPr>
+        <p:spPr>
+          <a:xfrm>
+            <a:off x="2649070" y="4203356"/>
+            <a:ext cx="403411" cy="116541"/>
+          </a:xfrm>
+          <a:prstGeom prst="rightArrow">
+            <a:avLst/>
+          </a:prstGeom>
+        </p:spPr>
+        <p:style>
+          <a:lnRef idx="2">
+            <a:schemeClr val="accent1">
+              <a:shade val="50000"/>
+            </a:schemeClr>
+          </a:lnRef>
+          <a:fillRef idx="1">
+            <a:schemeClr val="accent1"/>
+          </a:fillRef>
+          <a:effectRef idx="0">
+            <a:schemeClr val="accent1"/>
+          </a:effectRef>
+          <a:fontRef idx="minor">
+            <a:schemeClr val="lt1"/>
+          </a:fontRef>
+        </p:style>
+        <p:txBody>
+          <a:bodyPr rtlCol="0" anchor="ctr"/>
+          <a:lstStyle/>
+          <a:p>
+            <a:pPr algn="ctr"/>
+            <a:endParaRPr lang="ko-KR" altLang="en-US"/>
+          </a:p>
+        </p:txBody>
+      </p:sp>
+      <p:sp>
+        <p:nvSpPr>
+          <p:cNvPr id="17" name="사각형: 둥근 모서리 16">
+            <a:extLst>
+              <a:ext uri="{FF2B5EF4-FFF2-40B4-BE49-F238E27FC236}">
+                <a16:creationId xmlns:a16="http://schemas.microsoft.com/office/drawing/2014/main" id="{A44B1FF1-0EE4-44FC-B8C7-A7A5585FCC0F}"/>
+              </a:ext>
+            </a:extLst>
+          </p:cNvPr>
+          <p:cNvSpPr/>
+          <p:nvPr/>
+        </p:nvSpPr>
+        <p:spPr>
+          <a:xfrm>
+            <a:off x="3119718" y="4051743"/>
+            <a:ext cx="1954306" cy="419769"/>
+          </a:xfrm>
+          <a:prstGeom prst="roundRect">
+            <a:avLst/>
+          </a:prstGeom>
+          <a:solidFill>
+            <a:schemeClr val="accent2">
+              <a:lumMod val="75000"/>
+            </a:schemeClr>
+          </a:solidFill>
+          <a:ln>
+            <a:solidFill>
+              <a:schemeClr val="accent2">
+                <a:lumMod val="75000"/>
+              </a:schemeClr>
+            </a:solidFill>
+          </a:ln>
+        </p:spPr>
+        <p:style>
+          <a:lnRef idx="2">
+            <a:schemeClr val="accent1">
+              <a:shade val="50000"/>
+            </a:schemeClr>
+          </a:lnRef>
+          <a:fillRef idx="1">
+            <a:schemeClr val="accent1"/>
+          </a:fillRef>
+          <a:effectRef idx="0">
+            <a:schemeClr val="accent1"/>
+          </a:effectRef>
+          <a:fontRef idx="minor">
+            <a:schemeClr val="lt1"/>
+          </a:fontRef>
+        </p:style>
+        <p:txBody>
+          <a:bodyPr rtlCol="0" anchor="ctr"/>
+          <a:lstStyle/>
+          <a:p>
+            <a:pPr algn="ctr"/>
+            <a:r>
+              <a:rPr lang="en-US" altLang="ko-KR" dirty="0" err="1"/>
+              <a:t>ArrayList</a:t>
+            </a:r>
+            <a:endParaRPr lang="ko-KR" altLang="en-US" dirty="0"/>
+          </a:p>
+        </p:txBody>
+      </p:sp>
+      <p:sp>
+        <p:nvSpPr>
+          <p:cNvPr id="18" name="TextBox 17">
+            <a:extLst>
+              <a:ext uri="{FF2B5EF4-FFF2-40B4-BE49-F238E27FC236}">
+                <a16:creationId xmlns:a16="http://schemas.microsoft.com/office/drawing/2014/main" id="{BDCCD2B6-7FC2-46AF-9920-CC322131263B}"/>
+              </a:ext>
+            </a:extLst>
+          </p:cNvPr>
+          <p:cNvSpPr txBox="1"/>
+          <p:nvPr/>
+        </p:nvSpPr>
+        <p:spPr>
+          <a:xfrm>
+            <a:off x="2097380" y="3183237"/>
+            <a:ext cx="1435073" cy="276999"/>
+          </a:xfrm>
+          <a:prstGeom prst="rect">
+            <a:avLst/>
+          </a:prstGeom>
+          <a:noFill/>
+        </p:spPr>
+        <p:txBody>
+          <a:bodyPr wrap="none" rtlCol="0">
+            <a:spAutoFit/>
+          </a:bodyPr>
+          <a:lstStyle/>
+          <a:p>
+            <a:r>
+              <a:rPr lang="en-US" altLang="ko-KR" sz="1200" dirty="0"/>
+              <a:t>Interpreter</a:t>
+            </a:r>
+            <a:r>
+              <a:rPr lang="ko-KR" altLang="en-US" sz="1200" dirty="0"/>
+              <a:t>로 변환</a:t>
+            </a:r>
+          </a:p>
+        </p:txBody>
+      </p:sp>
+      <p:sp>
+        <p:nvSpPr>
+          <p:cNvPr id="19" name="TextBox 18">
+            <a:extLst>
+              <a:ext uri="{FF2B5EF4-FFF2-40B4-BE49-F238E27FC236}">
+                <a16:creationId xmlns:a16="http://schemas.microsoft.com/office/drawing/2014/main" id="{3780DAF3-5479-43AB-8815-2651130282EE}"/>
+              </a:ext>
+            </a:extLst>
+          </p:cNvPr>
+          <p:cNvSpPr txBox="1"/>
+          <p:nvPr/>
+        </p:nvSpPr>
+        <p:spPr>
+          <a:xfrm>
+            <a:off x="5132602" y="3183237"/>
+            <a:ext cx="492443" cy="276999"/>
+          </a:xfrm>
+          <a:prstGeom prst="rect">
+            <a:avLst/>
+          </a:prstGeom>
+          <a:noFill/>
+        </p:spPr>
+        <p:txBody>
+          <a:bodyPr wrap="none" rtlCol="0">
+            <a:spAutoFit/>
+          </a:bodyPr>
+          <a:lstStyle/>
+          <a:p>
+            <a:r>
+              <a:rPr lang="ko-KR" altLang="en-US" sz="1200" dirty="0"/>
+              <a:t>저장</a:t>
+            </a:r>
+          </a:p>
+        </p:txBody>
+      </p:sp>
+      <p:sp>
+        <p:nvSpPr>
+          <p:cNvPr id="20" name="TextBox 19">
+            <a:extLst>
+              <a:ext uri="{FF2B5EF4-FFF2-40B4-BE49-F238E27FC236}">
+                <a16:creationId xmlns:a16="http://schemas.microsoft.com/office/drawing/2014/main" id="{370A3FAD-67A8-48BB-B337-02E35FA0D378}"/>
+              </a:ext>
+            </a:extLst>
+          </p:cNvPr>
+          <p:cNvSpPr txBox="1"/>
+          <p:nvPr/>
+        </p:nvSpPr>
+        <p:spPr>
+          <a:xfrm>
+            <a:off x="2528047" y="4619648"/>
+            <a:ext cx="492443" cy="276999"/>
+          </a:xfrm>
+          <a:prstGeom prst="rect">
+            <a:avLst/>
+          </a:prstGeom>
+          <a:noFill/>
+        </p:spPr>
+        <p:txBody>
+          <a:bodyPr wrap="none" rtlCol="0">
+            <a:spAutoFit/>
+          </a:bodyPr>
+          <a:lstStyle/>
+          <a:p>
+            <a:r>
+              <a:rPr lang="ko-KR" altLang="en-US" sz="1200" dirty="0" err="1"/>
+              <a:t>셔플</a:t>
+            </a:r>
+            <a:endParaRPr lang="ko-KR" altLang="en-US" sz="1200" dirty="0"/>
+          </a:p>
+        </p:txBody>
+      </p:sp>
+      <p:sp>
+        <p:nvSpPr>
+          <p:cNvPr id="21" name="사각형: 둥근 모서리 20">
+            <a:extLst>
+              <a:ext uri="{FF2B5EF4-FFF2-40B4-BE49-F238E27FC236}">
+                <a16:creationId xmlns:a16="http://schemas.microsoft.com/office/drawing/2014/main" id="{940CBBDB-75AD-41CB-BE06-33EEA4A11ACA}"/>
+              </a:ext>
+            </a:extLst>
+          </p:cNvPr>
+          <p:cNvSpPr/>
+          <p:nvPr/>
+        </p:nvSpPr>
+        <p:spPr>
+          <a:xfrm>
+            <a:off x="5665695" y="4051743"/>
+            <a:ext cx="1954306" cy="419769"/>
+          </a:xfrm>
+          <a:prstGeom prst="roundRect">
+            <a:avLst/>
+          </a:prstGeom>
+          <a:solidFill>
+            <a:schemeClr val="accent2">
+              <a:lumMod val="75000"/>
+            </a:schemeClr>
+          </a:solidFill>
+          <a:ln>
+            <a:solidFill>
+              <a:schemeClr val="accent2">
+                <a:lumMod val="75000"/>
+              </a:schemeClr>
+            </a:solidFill>
+          </a:ln>
+        </p:spPr>
+        <p:style>
+          <a:lnRef idx="2">
+            <a:schemeClr val="accent1">
+              <a:shade val="50000"/>
+            </a:schemeClr>
+          </a:lnRef>
+          <a:fillRef idx="1">
+            <a:schemeClr val="accent1"/>
+          </a:fillRef>
+          <a:effectRef idx="0">
+            <a:schemeClr val="accent1"/>
+          </a:effectRef>
+          <a:fontRef idx="minor">
+            <a:schemeClr val="lt1"/>
+          </a:fontRef>
+        </p:style>
+        <p:txBody>
+          <a:bodyPr rtlCol="0" anchor="ctr"/>
+          <a:lstStyle/>
+          <a:p>
+            <a:pPr algn="ctr"/>
+            <a:r>
+              <a:rPr lang="en-US" altLang="ko-KR" dirty="0" err="1"/>
+              <a:t>ArrayList</a:t>
+            </a:r>
+            <a:r>
+              <a:rPr lang="en-US" altLang="ko-KR" dirty="0"/>
+              <a:t>(</a:t>
+            </a:r>
+            <a:r>
+              <a:rPr lang="ko-KR" altLang="en-US" dirty="0"/>
+              <a:t>크기 </a:t>
+            </a:r>
+            <a:r>
+              <a:rPr lang="en-US" altLang="ko-KR" dirty="0"/>
+              <a:t>n)</a:t>
+            </a:r>
+            <a:endParaRPr lang="ko-KR" altLang="en-US" dirty="0"/>
+          </a:p>
+        </p:txBody>
+      </p:sp>
+      <p:sp>
+        <p:nvSpPr>
+          <p:cNvPr id="22" name="화살표: 오른쪽 21">
+            <a:extLst>
+              <a:ext uri="{FF2B5EF4-FFF2-40B4-BE49-F238E27FC236}">
+                <a16:creationId xmlns:a16="http://schemas.microsoft.com/office/drawing/2014/main" id="{04F496C8-A736-4F11-8D83-7B5CC6AC2616}"/>
+              </a:ext>
+            </a:extLst>
+          </p:cNvPr>
+          <p:cNvSpPr/>
+          <p:nvPr/>
+        </p:nvSpPr>
+        <p:spPr>
+          <a:xfrm>
+            <a:off x="5168154" y="4203356"/>
+            <a:ext cx="403411" cy="116541"/>
+          </a:xfrm>
+          <a:prstGeom prst="rightArrow">
+            <a:avLst/>
+          </a:prstGeom>
+        </p:spPr>
+        <p:style>
+          <a:lnRef idx="2">
+            <a:schemeClr val="accent1">
+              <a:shade val="50000"/>
+            </a:schemeClr>
+          </a:lnRef>
+          <a:fillRef idx="1">
+            <a:schemeClr val="accent1"/>
+          </a:fillRef>
+          <a:effectRef idx="0">
+            <a:schemeClr val="accent1"/>
+          </a:effectRef>
+          <a:fontRef idx="minor">
+            <a:schemeClr val="lt1"/>
+          </a:fontRef>
+        </p:style>
+        <p:txBody>
+          <a:bodyPr rtlCol="0" anchor="ctr"/>
+          <a:lstStyle/>
+          <a:p>
+            <a:pPr algn="ctr"/>
+            <a:endParaRPr lang="ko-KR" altLang="en-US"/>
+          </a:p>
+        </p:txBody>
+      </p:sp>
+      <p:sp>
+        <p:nvSpPr>
+          <p:cNvPr id="23" name="TextBox 22">
+            <a:extLst>
+              <a:ext uri="{FF2B5EF4-FFF2-40B4-BE49-F238E27FC236}">
+                <a16:creationId xmlns:a16="http://schemas.microsoft.com/office/drawing/2014/main" id="{8A7217A6-5A9B-45A5-A53B-75CA9C183CBB}"/>
+              </a:ext>
+            </a:extLst>
+          </p:cNvPr>
+          <p:cNvSpPr txBox="1"/>
+          <p:nvPr/>
+        </p:nvSpPr>
+        <p:spPr>
+          <a:xfrm>
+            <a:off x="4410301" y="4615640"/>
+            <a:ext cx="2063385" cy="276999"/>
+          </a:xfrm>
+          <a:prstGeom prst="rect">
+            <a:avLst/>
+          </a:prstGeom>
+          <a:noFill/>
+        </p:spPr>
+        <p:txBody>
+          <a:bodyPr wrap="none" rtlCol="0">
+            <a:spAutoFit/>
+          </a:bodyPr>
+          <a:lstStyle/>
+          <a:p>
+            <a:r>
+              <a:rPr lang="en-US" altLang="ko-KR" sz="1200" dirty="0"/>
+              <a:t>*</a:t>
+            </a:r>
+            <a:r>
+              <a:rPr lang="ko-KR" altLang="en-US" sz="1200" dirty="0"/>
+              <a:t>배치 사이즈 </a:t>
+            </a:r>
+            <a:r>
+              <a:rPr lang="en-US" altLang="ko-KR" sz="1200" dirty="0"/>
+              <a:t>n</a:t>
+            </a:r>
+            <a:r>
+              <a:rPr lang="ko-KR" altLang="en-US" sz="1200" dirty="0"/>
+              <a:t>만큼 </a:t>
+            </a:r>
+            <a:r>
+              <a:rPr lang="en-US" altLang="ko-KR" sz="1200" dirty="0" err="1"/>
+              <a:t>subList</a:t>
+            </a:r>
+            <a:endParaRPr lang="ko-KR" altLang="en-US" sz="1200" dirty="0"/>
+          </a:p>
+        </p:txBody>
+      </p:sp>
+      <p:sp>
+        <p:nvSpPr>
+          <p:cNvPr id="24" name="사각형: 둥근 모서리 23">
+            <a:extLst>
+              <a:ext uri="{FF2B5EF4-FFF2-40B4-BE49-F238E27FC236}">
+                <a16:creationId xmlns:a16="http://schemas.microsoft.com/office/drawing/2014/main" id="{C56DFB7E-569C-4D0D-B906-2D4DBAD30121}"/>
+              </a:ext>
+            </a:extLst>
+          </p:cNvPr>
+          <p:cNvSpPr/>
+          <p:nvPr/>
+        </p:nvSpPr>
+        <p:spPr>
+          <a:xfrm>
+            <a:off x="8211672" y="4051743"/>
+            <a:ext cx="1954306" cy="419769"/>
+          </a:xfrm>
+          <a:prstGeom prst="roundRect">
+            <a:avLst/>
+          </a:prstGeom>
+          <a:solidFill>
+            <a:schemeClr val="accent2">
+              <a:lumMod val="75000"/>
+            </a:schemeClr>
+          </a:solidFill>
+          <a:ln>
+            <a:solidFill>
+              <a:schemeClr val="accent2">
+                <a:lumMod val="75000"/>
+              </a:schemeClr>
+            </a:solidFill>
+          </a:ln>
+        </p:spPr>
+        <p:style>
+          <a:lnRef idx="2">
+            <a:schemeClr val="accent1">
+              <a:shade val="50000"/>
+            </a:schemeClr>
+          </a:lnRef>
+          <a:fillRef idx="1">
+            <a:schemeClr val="accent1"/>
+          </a:fillRef>
+          <a:effectRef idx="0">
+            <a:schemeClr val="accent1"/>
+          </a:effectRef>
+          <a:fontRef idx="minor">
+            <a:schemeClr val="lt1"/>
+          </a:fontRef>
+        </p:style>
+        <p:txBody>
+          <a:bodyPr rtlCol="0" anchor="ctr"/>
+          <a:lstStyle/>
+          <a:p>
+            <a:pPr algn="ctr"/>
+            <a:r>
+              <a:rPr lang="en-US" altLang="ko-KR" dirty="0"/>
+              <a:t>Loss </a:t>
+            </a:r>
+            <a:r>
+              <a:rPr lang="ko-KR" altLang="en-US" dirty="0"/>
+              <a:t>반환</a:t>
+            </a:r>
+          </a:p>
+        </p:txBody>
+      </p:sp>
+      <p:sp>
+        <p:nvSpPr>
+          <p:cNvPr id="25" name="화살표: 오른쪽 24">
+            <a:extLst>
+              <a:ext uri="{FF2B5EF4-FFF2-40B4-BE49-F238E27FC236}">
+                <a16:creationId xmlns:a16="http://schemas.microsoft.com/office/drawing/2014/main" id="{2C9BA664-F857-45B5-B0E6-417EDF6D91C1}"/>
+              </a:ext>
+            </a:extLst>
+          </p:cNvPr>
+          <p:cNvSpPr/>
+          <p:nvPr/>
+        </p:nvSpPr>
+        <p:spPr>
+          <a:xfrm>
+            <a:off x="7714131" y="4203356"/>
+            <a:ext cx="403411" cy="116541"/>
+          </a:xfrm>
+          <a:prstGeom prst="rightArrow">
+            <a:avLst/>
+          </a:prstGeom>
+        </p:spPr>
+        <p:style>
+          <a:lnRef idx="2">
+            <a:schemeClr val="accent1">
+              <a:shade val="50000"/>
+            </a:schemeClr>
+          </a:lnRef>
+          <a:fillRef idx="1">
+            <a:schemeClr val="accent1"/>
+          </a:fillRef>
+          <a:effectRef idx="0">
+            <a:schemeClr val="accent1"/>
+          </a:effectRef>
+          <a:fontRef idx="minor">
+            <a:schemeClr val="lt1"/>
+          </a:fontRef>
+        </p:style>
+        <p:txBody>
+          <a:bodyPr rtlCol="0" anchor="ctr"/>
+          <a:lstStyle/>
+          <a:p>
+            <a:pPr algn="ctr"/>
+            <a:endParaRPr lang="ko-KR" altLang="en-US"/>
+          </a:p>
+        </p:txBody>
+      </p:sp>
+      <p:sp>
+        <p:nvSpPr>
+          <p:cNvPr id="26" name="TextBox 25">
+            <a:extLst>
+              <a:ext uri="{FF2B5EF4-FFF2-40B4-BE49-F238E27FC236}">
+                <a16:creationId xmlns:a16="http://schemas.microsoft.com/office/drawing/2014/main" id="{ADB46D9D-E060-46EB-BE17-8ACE7FEAFC4A}"/>
+              </a:ext>
+            </a:extLst>
+          </p:cNvPr>
+          <p:cNvSpPr txBox="1"/>
+          <p:nvPr/>
+        </p:nvSpPr>
+        <p:spPr>
+          <a:xfrm>
+            <a:off x="7400005" y="4615639"/>
+            <a:ext cx="1489575" cy="276999"/>
+          </a:xfrm>
+          <a:prstGeom prst="rect">
+            <a:avLst/>
+          </a:prstGeom>
+          <a:noFill/>
+        </p:spPr>
+        <p:txBody>
+          <a:bodyPr wrap="none" rtlCol="0">
+            <a:spAutoFit/>
+          </a:bodyPr>
+          <a:lstStyle/>
+          <a:p>
+            <a:r>
+              <a:rPr lang="en-US" altLang="ko-KR" sz="1200" dirty="0"/>
+              <a:t>Interpreter </a:t>
+            </a:r>
+            <a:r>
+              <a:rPr lang="ko-KR" altLang="en-US" sz="1200" dirty="0"/>
+              <a:t>로 학습</a:t>
+            </a:r>
+          </a:p>
+        </p:txBody>
+      </p:sp>
+      <p:sp>
+        <p:nvSpPr>
+          <p:cNvPr id="27" name="TextBox 26">
+            <a:extLst>
+              <a:ext uri="{FF2B5EF4-FFF2-40B4-BE49-F238E27FC236}">
+                <a16:creationId xmlns:a16="http://schemas.microsoft.com/office/drawing/2014/main" id="{E0190AF9-1E7D-481A-B592-8219D8F544B5}"/>
+              </a:ext>
+            </a:extLst>
+          </p:cNvPr>
+          <p:cNvSpPr txBox="1"/>
+          <p:nvPr/>
+        </p:nvSpPr>
+        <p:spPr>
+          <a:xfrm>
+            <a:off x="101455" y="6129362"/>
+            <a:ext cx="4713150" cy="276999"/>
+          </a:xfrm>
+          <a:prstGeom prst="rect">
+            <a:avLst/>
+          </a:prstGeom>
+          <a:noFill/>
+        </p:spPr>
+        <p:txBody>
+          <a:bodyPr wrap="none" rtlCol="0">
+            <a:spAutoFit/>
+          </a:bodyPr>
+          <a:lstStyle/>
+          <a:p>
+            <a:r>
+              <a:rPr lang="en-US" altLang="ko-KR" sz="1200" dirty="0">
+                <a:solidFill>
+                  <a:schemeClr val="bg1">
+                    <a:lumMod val="50000"/>
+                  </a:schemeClr>
+                </a:solidFill>
+              </a:rPr>
+              <a:t>*</a:t>
+            </a:r>
+            <a:r>
+              <a:rPr lang="ko-KR" altLang="en-US" sz="1200" dirty="0">
+                <a:solidFill>
+                  <a:schemeClr val="bg1">
+                    <a:lumMod val="50000"/>
+                  </a:schemeClr>
+                </a:solidFill>
+              </a:rPr>
+              <a:t>배치 사이즈</a:t>
+            </a:r>
+            <a:r>
+              <a:rPr lang="en-US" altLang="ko-KR" sz="1200" dirty="0">
+                <a:solidFill>
+                  <a:schemeClr val="bg1">
+                    <a:lumMod val="50000"/>
+                  </a:schemeClr>
+                </a:solidFill>
+              </a:rPr>
+              <a:t>: </a:t>
+            </a:r>
+            <a:r>
+              <a:rPr lang="ko-KR" altLang="en-US" sz="1200" dirty="0">
+                <a:solidFill>
+                  <a:schemeClr val="bg1">
+                    <a:lumMod val="50000"/>
+                  </a:schemeClr>
+                </a:solidFill>
+              </a:rPr>
+              <a:t>샘플 수가 </a:t>
+            </a:r>
+            <a:r>
+              <a:rPr lang="en-US" altLang="ko-KR" sz="1200" dirty="0">
+                <a:solidFill>
+                  <a:schemeClr val="bg1">
+                    <a:lumMod val="50000"/>
+                  </a:schemeClr>
+                </a:solidFill>
+              </a:rPr>
+              <a:t>20 </a:t>
+            </a:r>
+            <a:r>
+              <a:rPr lang="ko-KR" altLang="en-US" sz="1200" dirty="0">
+                <a:solidFill>
+                  <a:schemeClr val="bg1">
+                    <a:lumMod val="50000"/>
+                  </a:schemeClr>
+                </a:solidFill>
+              </a:rPr>
+              <a:t>이하일 때는 샘플 수</a:t>
+            </a:r>
+            <a:r>
+              <a:rPr lang="en-US" altLang="ko-KR" sz="1200" dirty="0">
+                <a:solidFill>
+                  <a:schemeClr val="bg1">
+                    <a:lumMod val="50000"/>
+                  </a:schemeClr>
+                </a:solidFill>
+              </a:rPr>
+              <a:t>, 20 </a:t>
+            </a:r>
+            <a:r>
+              <a:rPr lang="ko-KR" altLang="en-US" sz="1200" dirty="0">
+                <a:solidFill>
+                  <a:schemeClr val="bg1">
+                    <a:lumMod val="50000"/>
+                  </a:schemeClr>
+                </a:solidFill>
+              </a:rPr>
+              <a:t>이상이면 </a:t>
+            </a:r>
+            <a:r>
+              <a:rPr lang="en-US" altLang="ko-KR" sz="1200" dirty="0">
+                <a:solidFill>
+                  <a:schemeClr val="bg1">
+                    <a:lumMod val="50000"/>
+                  </a:schemeClr>
+                </a:solidFill>
+              </a:rPr>
+              <a:t>20 </a:t>
+            </a:r>
+            <a:endParaRPr lang="ko-KR" altLang="en-US" sz="1200" dirty="0">
+              <a:solidFill>
+                <a:schemeClr val="bg1">
+                  <a:lumMod val="50000"/>
+                </a:schemeClr>
+              </a:solidFill>
+            </a:endParaRPr>
+          </a:p>
+        </p:txBody>
+      </p:sp>
+      <p:sp>
+        <p:nvSpPr>
+          <p:cNvPr id="28" name="TextBox 27">
+            <a:extLst>
+              <a:ext uri="{FF2B5EF4-FFF2-40B4-BE49-F238E27FC236}">
+                <a16:creationId xmlns:a16="http://schemas.microsoft.com/office/drawing/2014/main" id="{C23F620E-BD9E-44F0-9793-2BB441DC685A}"/>
+              </a:ext>
+            </a:extLst>
+          </p:cNvPr>
+          <p:cNvSpPr txBox="1"/>
+          <p:nvPr/>
+        </p:nvSpPr>
+        <p:spPr>
+          <a:xfrm>
+            <a:off x="6400801" y="1884311"/>
+            <a:ext cx="4823012" cy="646331"/>
+          </a:xfrm>
+          <a:prstGeom prst="rect">
+            <a:avLst/>
+          </a:prstGeom>
+          <a:noFill/>
+        </p:spPr>
+        <p:txBody>
+          <a:bodyPr wrap="square" rtlCol="0">
+            <a:spAutoFit/>
+          </a:bodyPr>
+          <a:lstStyle/>
+          <a:p>
+            <a:r>
+              <a:rPr lang="ko-KR" altLang="en-US" dirty="0">
+                <a:solidFill>
+                  <a:srgbClr val="FF0000"/>
+                </a:solidFill>
+              </a:rPr>
+              <a:t>해당 </a:t>
+            </a:r>
+            <a:r>
+              <a:rPr lang="en-US" altLang="ko-KR" dirty="0" err="1">
+                <a:solidFill>
+                  <a:srgbClr val="FF0000"/>
+                </a:solidFill>
+              </a:rPr>
+              <a:t>ArrayList</a:t>
+            </a:r>
+            <a:r>
+              <a:rPr lang="ko-KR" altLang="en-US" dirty="0">
+                <a:solidFill>
+                  <a:srgbClr val="FF0000"/>
+                </a:solidFill>
+              </a:rPr>
+              <a:t>에 데이터</a:t>
+            </a:r>
+            <a:r>
+              <a:rPr lang="en-US" altLang="ko-KR" dirty="0">
+                <a:solidFill>
+                  <a:srgbClr val="FF0000"/>
+                </a:solidFill>
+              </a:rPr>
+              <a:t> </a:t>
+            </a:r>
+            <a:r>
+              <a:rPr lang="ko-KR" altLang="en-US" dirty="0">
+                <a:solidFill>
+                  <a:srgbClr val="FF0000"/>
+                </a:solidFill>
+              </a:rPr>
+              <a:t>크기가 커짐에 따라 메모리 부족 현상 발생 </a:t>
+            </a:r>
+          </a:p>
+        </p:txBody>
+      </p:sp>
+    </p:spTree>
+    <p:extLst>
+      <p:ext uri="{BB962C8B-B14F-4D97-AF65-F5344CB8AC3E}">
+        <p14:creationId xmlns:p14="http://schemas.microsoft.com/office/powerpoint/2010/main" val="2408762043"/>
+      </p:ext>
+    </p:extLst>
+  </p:cSld>
+  <p:clrMapOvr>
+    <a:masterClrMapping/>
+  </p:clrMapOvr>
+</p:sld>
+</file>
+
+<file path=ppt/slides/slide17.xml><?xml version="1.0" encoding="utf-8"?>
+<p:sld xmlns:a="http://schemas.openxmlformats.org/drawingml/2006/main" xmlns:r="http://schemas.openxmlformats.org/officeDocument/2006/relationships" xmlns:p="http://schemas.openxmlformats.org/presentationml/2006/main">
+  <p:cSld>
+    <p:spTree>
+      <p:nvGrpSpPr>
+        <p:cNvPr id="1" name=""/>
+        <p:cNvGrpSpPr/>
+        <p:nvPr/>
+      </p:nvGrpSpPr>
+      <p:grpSpPr>
+        <a:xfrm>
+          <a:off x="0" y="0"/>
+          <a:ext cx="0" cy="0"/>
+          <a:chOff x="0" y="0"/>
+          <a:chExt cx="0" cy="0"/>
+        </a:xfrm>
+      </p:grpSpPr>
+      <p:sp>
+        <p:nvSpPr>
+          <p:cNvPr id="2" name="제목 1">
+            <a:extLst>
+              <a:ext uri="{FF2B5EF4-FFF2-40B4-BE49-F238E27FC236}">
+                <a16:creationId xmlns:a16="http://schemas.microsoft.com/office/drawing/2014/main" id="{85EFD466-74D6-4A3A-A289-B9AE116A94DE}"/>
+              </a:ext>
+            </a:extLst>
+          </p:cNvPr>
+          <p:cNvSpPr>
+            <a:spLocks noGrp="1"/>
+          </p:cNvSpPr>
+          <p:nvPr>
+            <p:ph type="title"/>
+          </p:nvPr>
+        </p:nvSpPr>
+        <p:spPr/>
+        <p:txBody>
+          <a:bodyPr/>
+          <a:lstStyle/>
+          <a:p>
+            <a:r>
+              <a:rPr lang="ko-KR" altLang="en-US" dirty="0"/>
+              <a:t>어플리케이션 개선</a:t>
+            </a:r>
+          </a:p>
+        </p:txBody>
+      </p:sp>
+      <p:sp>
+        <p:nvSpPr>
+          <p:cNvPr id="3" name="내용 개체 틀 2">
+            <a:extLst>
+              <a:ext uri="{FF2B5EF4-FFF2-40B4-BE49-F238E27FC236}">
+                <a16:creationId xmlns:a16="http://schemas.microsoft.com/office/drawing/2014/main" id="{6BE999B2-4311-492C-97FD-416241592C0D}"/>
+              </a:ext>
+            </a:extLst>
+          </p:cNvPr>
+          <p:cNvSpPr>
+            <a:spLocks noGrp="1"/>
+          </p:cNvSpPr>
+          <p:nvPr>
+            <p:ph idx="1"/>
+          </p:nvPr>
+        </p:nvSpPr>
+        <p:spPr/>
+        <p:txBody>
+          <a:bodyPr/>
+          <a:lstStyle/>
+          <a:p>
+            <a:r>
+              <a:rPr lang="ko-KR" altLang="en-US" dirty="0"/>
+              <a:t>개선된 학습 과정 </a:t>
+            </a:r>
+            <a:endParaRPr lang="en-US" altLang="ko-KR" dirty="0"/>
+          </a:p>
+          <a:p>
+            <a:pPr lvl="1"/>
+            <a:r>
+              <a:rPr lang="ko-KR" altLang="en-US" dirty="0"/>
+              <a:t>데이터 추가</a:t>
+            </a:r>
+            <a:endParaRPr lang="en-US" altLang="ko-KR" dirty="0"/>
+          </a:p>
+          <a:p>
+            <a:pPr lvl="1"/>
+            <a:endParaRPr lang="en-US" altLang="ko-KR" dirty="0"/>
+          </a:p>
+          <a:p>
+            <a:pPr lvl="1"/>
+            <a:endParaRPr lang="en-US" altLang="ko-KR" dirty="0"/>
+          </a:p>
+          <a:p>
+            <a:pPr lvl="1"/>
+            <a:r>
+              <a:rPr lang="ko-KR" altLang="en-US" dirty="0"/>
+              <a:t>학습</a:t>
+            </a:r>
+          </a:p>
+        </p:txBody>
+      </p:sp>
+      <p:sp>
+        <p:nvSpPr>
+          <p:cNvPr id="4" name="날짜 개체 틀 3">
+            <a:extLst>
+              <a:ext uri="{FF2B5EF4-FFF2-40B4-BE49-F238E27FC236}">
+                <a16:creationId xmlns:a16="http://schemas.microsoft.com/office/drawing/2014/main" id="{FB6AE2C3-E711-475D-9B93-38136C8F55D4}"/>
+              </a:ext>
+            </a:extLst>
+          </p:cNvPr>
+          <p:cNvSpPr>
+            <a:spLocks noGrp="1"/>
+          </p:cNvSpPr>
+          <p:nvPr>
+            <p:ph type="dt" sz="half" idx="10"/>
+          </p:nvPr>
+        </p:nvSpPr>
+        <p:spPr/>
+        <p:txBody>
+          <a:bodyPr/>
+          <a:lstStyle/>
+          <a:p>
+            <a:r>
+              <a:rPr lang="ko-KR" altLang="en-US"/>
+              <a:t>권철현</a:t>
+            </a:r>
+            <a:r>
+              <a:rPr lang="en-US" altLang="ko-KR"/>
+              <a:t>, </a:t>
+            </a:r>
+            <a:r>
+              <a:rPr lang="ko-KR" altLang="en-US"/>
+              <a:t>신재하</a:t>
+            </a:r>
+          </a:p>
+        </p:txBody>
+      </p:sp>
+      <p:sp>
+        <p:nvSpPr>
+          <p:cNvPr id="5" name="슬라이드 번호 개체 틀 4">
+            <a:extLst>
+              <a:ext uri="{FF2B5EF4-FFF2-40B4-BE49-F238E27FC236}">
+                <a16:creationId xmlns:a16="http://schemas.microsoft.com/office/drawing/2014/main" id="{AA4AB112-FFD7-4660-9238-651D462036FE}"/>
+              </a:ext>
+            </a:extLst>
+          </p:cNvPr>
+          <p:cNvSpPr>
+            <a:spLocks noGrp="1"/>
+          </p:cNvSpPr>
+          <p:nvPr>
+            <p:ph type="sldNum" sz="quarter" idx="12"/>
+          </p:nvPr>
+        </p:nvSpPr>
+        <p:spPr/>
+        <p:txBody>
+          <a:bodyPr/>
+          <a:lstStyle/>
+          <a:p>
+            <a:fld id="{5FF72CB3-86FB-4DBB-A7AC-E8F6F3DA156B}" type="slidenum">
+              <a:rPr lang="ko-KR" altLang="en-US" smtClean="0"/>
+              <a:pPr/>
+              <a:t>17</a:t>
+            </a:fld>
+            <a:endParaRPr lang="ko-KR" altLang="en-US"/>
+          </a:p>
+        </p:txBody>
+      </p:sp>
+      <p:sp>
+        <p:nvSpPr>
+          <p:cNvPr id="6" name="사각형: 둥근 모서리 5">
+            <a:extLst>
+              <a:ext uri="{FF2B5EF4-FFF2-40B4-BE49-F238E27FC236}">
+                <a16:creationId xmlns:a16="http://schemas.microsoft.com/office/drawing/2014/main" id="{80C3DF61-84F1-4FE6-9913-6877CECD8820}"/>
+              </a:ext>
+            </a:extLst>
+          </p:cNvPr>
+          <p:cNvSpPr/>
+          <p:nvPr/>
+        </p:nvSpPr>
+        <p:spPr>
+          <a:xfrm>
+            <a:off x="573741" y="2716306"/>
+            <a:ext cx="1954306" cy="419769"/>
+          </a:xfrm>
+          <a:prstGeom prst="roundRect">
+            <a:avLst/>
+          </a:prstGeom>
+          <a:solidFill>
+            <a:schemeClr val="accent5">
+              <a:lumMod val="75000"/>
+            </a:schemeClr>
+          </a:solidFill>
+          <a:ln>
+            <a:solidFill>
+              <a:schemeClr val="accent5">
+                <a:lumMod val="75000"/>
+              </a:schemeClr>
+            </a:solidFill>
+          </a:ln>
+        </p:spPr>
+        <p:style>
+          <a:lnRef idx="2">
+            <a:schemeClr val="accent1">
+              <a:shade val="50000"/>
+            </a:schemeClr>
+          </a:lnRef>
+          <a:fillRef idx="1">
+            <a:schemeClr val="accent1"/>
+          </a:fillRef>
+          <a:effectRef idx="0">
+            <a:schemeClr val="accent1"/>
+          </a:effectRef>
+          <a:fontRef idx="minor">
+            <a:schemeClr val="lt1"/>
+          </a:fontRef>
+        </p:style>
+        <p:txBody>
+          <a:bodyPr rtlCol="0" anchor="ctr"/>
+          <a:lstStyle/>
+          <a:p>
+            <a:pPr algn="ctr"/>
+            <a:r>
+              <a:rPr lang="ko-KR" altLang="en-US" dirty="0"/>
+              <a:t>비트맵 이미지</a:t>
+            </a:r>
+          </a:p>
+        </p:txBody>
+      </p:sp>
+      <p:sp>
+        <p:nvSpPr>
+          <p:cNvPr id="8" name="사각형: 둥근 모서리 7">
+            <a:extLst>
+              <a:ext uri="{FF2B5EF4-FFF2-40B4-BE49-F238E27FC236}">
+                <a16:creationId xmlns:a16="http://schemas.microsoft.com/office/drawing/2014/main" id="{5B299B18-DC2B-4528-8A04-D03402ADE440}"/>
+              </a:ext>
+            </a:extLst>
+          </p:cNvPr>
+          <p:cNvSpPr/>
+          <p:nvPr/>
+        </p:nvSpPr>
+        <p:spPr>
+          <a:xfrm>
+            <a:off x="3119718" y="2716305"/>
+            <a:ext cx="1954306" cy="419769"/>
+          </a:xfrm>
+          <a:prstGeom prst="roundRect">
+            <a:avLst/>
+          </a:prstGeom>
+          <a:solidFill>
+            <a:schemeClr val="accent5">
+              <a:lumMod val="75000"/>
+            </a:schemeClr>
+          </a:solidFill>
+          <a:ln>
+            <a:solidFill>
+              <a:schemeClr val="accent5">
+                <a:lumMod val="75000"/>
+              </a:schemeClr>
+            </a:solidFill>
+          </a:ln>
+        </p:spPr>
+        <p:style>
+          <a:lnRef idx="2">
+            <a:schemeClr val="accent1">
+              <a:shade val="50000"/>
+            </a:schemeClr>
+          </a:lnRef>
+          <a:fillRef idx="1">
+            <a:schemeClr val="accent1"/>
+          </a:fillRef>
+          <a:effectRef idx="0">
+            <a:schemeClr val="accent1"/>
+          </a:effectRef>
+          <a:fontRef idx="minor">
+            <a:schemeClr val="lt1"/>
+          </a:fontRef>
+        </p:style>
+        <p:txBody>
+          <a:bodyPr rtlCol="0" anchor="ctr"/>
+          <a:lstStyle/>
+          <a:p>
+            <a:pPr algn="ctr"/>
+            <a:r>
+              <a:rPr lang="en-US" altLang="ko-KR" dirty="0"/>
+              <a:t>float[62720]</a:t>
+            </a:r>
+            <a:endParaRPr lang="ko-KR" altLang="en-US" dirty="0"/>
+          </a:p>
+        </p:txBody>
+      </p:sp>
+      <p:sp>
+        <p:nvSpPr>
+          <p:cNvPr id="11" name="사각형: 둥근 모서리 10">
+            <a:extLst>
+              <a:ext uri="{FF2B5EF4-FFF2-40B4-BE49-F238E27FC236}">
+                <a16:creationId xmlns:a16="http://schemas.microsoft.com/office/drawing/2014/main" id="{DC96588B-C193-4E55-BDC5-D3A27B95E01F}"/>
+              </a:ext>
+            </a:extLst>
+          </p:cNvPr>
+          <p:cNvSpPr/>
+          <p:nvPr/>
+        </p:nvSpPr>
+        <p:spPr>
+          <a:xfrm>
+            <a:off x="5665695" y="2716305"/>
+            <a:ext cx="1954306" cy="419769"/>
+          </a:xfrm>
+          <a:prstGeom prst="roundRect">
+            <a:avLst/>
+          </a:prstGeom>
+          <a:solidFill>
+            <a:schemeClr val="accent5">
+              <a:lumMod val="75000"/>
+            </a:schemeClr>
+          </a:solidFill>
+          <a:ln>
+            <a:solidFill>
+              <a:schemeClr val="accent5">
+                <a:lumMod val="75000"/>
+              </a:schemeClr>
+            </a:solidFill>
+          </a:ln>
+        </p:spPr>
+        <p:style>
+          <a:lnRef idx="2">
+            <a:schemeClr val="accent1">
+              <a:shade val="50000"/>
+            </a:schemeClr>
+          </a:lnRef>
+          <a:fillRef idx="1">
+            <a:schemeClr val="accent1"/>
+          </a:fillRef>
+          <a:effectRef idx="0">
+            <a:schemeClr val="accent1"/>
+          </a:effectRef>
+          <a:fontRef idx="minor">
+            <a:schemeClr val="lt1"/>
+          </a:fontRef>
+        </p:style>
+        <p:txBody>
+          <a:bodyPr rtlCol="0" anchor="ctr"/>
+          <a:lstStyle/>
+          <a:p>
+            <a:pPr algn="ctr"/>
+            <a:r>
+              <a:rPr lang="en-US" altLang="ko-KR" dirty="0"/>
+              <a:t>String</a:t>
+            </a:r>
+            <a:endParaRPr lang="ko-KR" altLang="en-US" dirty="0"/>
+          </a:p>
+        </p:txBody>
+      </p:sp>
+      <p:sp>
+        <p:nvSpPr>
+          <p:cNvPr id="13" name="화살표: 오른쪽 12">
+            <a:extLst>
+              <a:ext uri="{FF2B5EF4-FFF2-40B4-BE49-F238E27FC236}">
+                <a16:creationId xmlns:a16="http://schemas.microsoft.com/office/drawing/2014/main" id="{68F71945-5359-4782-AC74-588A902FC768}"/>
+              </a:ext>
+            </a:extLst>
+          </p:cNvPr>
+          <p:cNvSpPr/>
+          <p:nvPr/>
+        </p:nvSpPr>
+        <p:spPr>
+          <a:xfrm>
+            <a:off x="2613212" y="2859741"/>
+            <a:ext cx="403411" cy="116541"/>
+          </a:xfrm>
+          <a:prstGeom prst="rightArrow">
+            <a:avLst/>
+          </a:prstGeom>
+        </p:spPr>
+        <p:style>
+          <a:lnRef idx="2">
+            <a:schemeClr val="accent1">
+              <a:shade val="50000"/>
+            </a:schemeClr>
+          </a:lnRef>
+          <a:fillRef idx="1">
+            <a:schemeClr val="accent1"/>
+          </a:fillRef>
+          <a:effectRef idx="0">
+            <a:schemeClr val="accent1"/>
+          </a:effectRef>
+          <a:fontRef idx="minor">
+            <a:schemeClr val="lt1"/>
+          </a:fontRef>
+        </p:style>
+        <p:txBody>
+          <a:bodyPr rtlCol="0" anchor="ctr"/>
+          <a:lstStyle/>
+          <a:p>
+            <a:pPr algn="ctr"/>
+            <a:endParaRPr lang="ko-KR" altLang="en-US"/>
+          </a:p>
+        </p:txBody>
+      </p:sp>
+      <p:sp>
+        <p:nvSpPr>
+          <p:cNvPr id="14" name="화살표: 오른쪽 13">
+            <a:extLst>
+              <a:ext uri="{FF2B5EF4-FFF2-40B4-BE49-F238E27FC236}">
+                <a16:creationId xmlns:a16="http://schemas.microsoft.com/office/drawing/2014/main" id="{259E7DB5-0D38-40C0-A0EA-F75E58CB56D3}"/>
+              </a:ext>
+            </a:extLst>
+          </p:cNvPr>
+          <p:cNvSpPr/>
+          <p:nvPr/>
+        </p:nvSpPr>
+        <p:spPr>
+          <a:xfrm>
+            <a:off x="5177119" y="2859741"/>
+            <a:ext cx="403411" cy="116541"/>
+          </a:xfrm>
+          <a:prstGeom prst="rightArrow">
+            <a:avLst/>
+          </a:prstGeom>
+        </p:spPr>
+        <p:style>
+          <a:lnRef idx="2">
+            <a:schemeClr val="accent1">
+              <a:shade val="50000"/>
+            </a:schemeClr>
+          </a:lnRef>
+          <a:fillRef idx="1">
+            <a:schemeClr val="accent1"/>
+          </a:fillRef>
+          <a:effectRef idx="0">
+            <a:schemeClr val="accent1"/>
+          </a:effectRef>
+          <a:fontRef idx="minor">
+            <a:schemeClr val="lt1"/>
+          </a:fontRef>
+        </p:style>
+        <p:txBody>
+          <a:bodyPr rtlCol="0" anchor="ctr"/>
+          <a:lstStyle/>
+          <a:p>
+            <a:pPr algn="ctr"/>
+            <a:endParaRPr lang="ko-KR" altLang="en-US"/>
+          </a:p>
+        </p:txBody>
+      </p:sp>
+      <p:sp>
+        <p:nvSpPr>
+          <p:cNvPr id="15" name="사각형: 둥근 모서리 14">
+            <a:extLst>
+              <a:ext uri="{FF2B5EF4-FFF2-40B4-BE49-F238E27FC236}">
+                <a16:creationId xmlns:a16="http://schemas.microsoft.com/office/drawing/2014/main" id="{E58CC361-D64B-4E98-A8C5-5C5DD178059A}"/>
+              </a:ext>
+            </a:extLst>
+          </p:cNvPr>
+          <p:cNvSpPr/>
+          <p:nvPr/>
+        </p:nvSpPr>
+        <p:spPr>
+          <a:xfrm>
+            <a:off x="573741" y="4051743"/>
+            <a:ext cx="1954306" cy="419769"/>
+          </a:xfrm>
+          <a:prstGeom prst="roundRect">
+            <a:avLst/>
+          </a:prstGeom>
+          <a:solidFill>
+            <a:schemeClr val="accent5">
+              <a:lumMod val="75000"/>
+            </a:schemeClr>
+          </a:solidFill>
+          <a:ln>
+            <a:solidFill>
+              <a:schemeClr val="accent5">
+                <a:lumMod val="75000"/>
+              </a:schemeClr>
+            </a:solidFill>
+          </a:ln>
+        </p:spPr>
+        <p:style>
+          <a:lnRef idx="2">
+            <a:schemeClr val="accent1">
+              <a:shade val="50000"/>
+            </a:schemeClr>
+          </a:lnRef>
+          <a:fillRef idx="1">
+            <a:schemeClr val="accent1"/>
+          </a:fillRef>
+          <a:effectRef idx="0">
+            <a:schemeClr val="accent1"/>
+          </a:effectRef>
+          <a:fontRef idx="minor">
+            <a:schemeClr val="lt1"/>
+          </a:fontRef>
+        </p:style>
+        <p:txBody>
+          <a:bodyPr rtlCol="0" anchor="ctr"/>
+          <a:lstStyle/>
+          <a:p>
+            <a:pPr algn="ctr"/>
+            <a:r>
+              <a:rPr lang="en-US" altLang="ko-KR" dirty="0"/>
+              <a:t>sample.txt</a:t>
+            </a:r>
+            <a:endParaRPr lang="ko-KR" altLang="en-US" dirty="0"/>
+          </a:p>
+        </p:txBody>
+      </p:sp>
+      <p:sp>
+        <p:nvSpPr>
+          <p:cNvPr id="16" name="화살표: 오른쪽 15">
+            <a:extLst>
+              <a:ext uri="{FF2B5EF4-FFF2-40B4-BE49-F238E27FC236}">
+                <a16:creationId xmlns:a16="http://schemas.microsoft.com/office/drawing/2014/main" id="{EBA37EBD-83AD-47A5-A236-3FF15C2AC19D}"/>
+              </a:ext>
+            </a:extLst>
+          </p:cNvPr>
+          <p:cNvSpPr/>
+          <p:nvPr/>
+        </p:nvSpPr>
+        <p:spPr>
+          <a:xfrm>
+            <a:off x="2649070" y="4203356"/>
+            <a:ext cx="403411" cy="116541"/>
+          </a:xfrm>
+          <a:prstGeom prst="rightArrow">
+            <a:avLst/>
+          </a:prstGeom>
+        </p:spPr>
+        <p:style>
+          <a:lnRef idx="2">
+            <a:schemeClr val="accent1">
+              <a:shade val="50000"/>
+            </a:schemeClr>
+          </a:lnRef>
+          <a:fillRef idx="1">
+            <a:schemeClr val="accent1"/>
+          </a:fillRef>
+          <a:effectRef idx="0">
+            <a:schemeClr val="accent1"/>
+          </a:effectRef>
+          <a:fontRef idx="minor">
+            <a:schemeClr val="lt1"/>
+          </a:fontRef>
+        </p:style>
+        <p:txBody>
+          <a:bodyPr rtlCol="0" anchor="ctr"/>
+          <a:lstStyle/>
+          <a:p>
+            <a:pPr algn="ctr"/>
+            <a:endParaRPr lang="ko-KR" altLang="en-US"/>
+          </a:p>
+        </p:txBody>
+      </p:sp>
+      <p:sp>
+        <p:nvSpPr>
+          <p:cNvPr id="17" name="사각형: 둥근 모서리 16">
+            <a:extLst>
+              <a:ext uri="{FF2B5EF4-FFF2-40B4-BE49-F238E27FC236}">
+                <a16:creationId xmlns:a16="http://schemas.microsoft.com/office/drawing/2014/main" id="{A44B1FF1-0EE4-44FC-B8C7-A7A5585FCC0F}"/>
+              </a:ext>
+            </a:extLst>
+          </p:cNvPr>
+          <p:cNvSpPr/>
+          <p:nvPr/>
+        </p:nvSpPr>
+        <p:spPr>
+          <a:xfrm>
+            <a:off x="3119718" y="4051743"/>
+            <a:ext cx="1954306" cy="419769"/>
+          </a:xfrm>
+          <a:prstGeom prst="roundRect">
+            <a:avLst/>
+          </a:prstGeom>
+          <a:solidFill>
+            <a:schemeClr val="accent5">
+              <a:lumMod val="75000"/>
+            </a:schemeClr>
+          </a:solidFill>
+          <a:ln>
+            <a:solidFill>
+              <a:schemeClr val="accent5">
+                <a:lumMod val="75000"/>
+              </a:schemeClr>
+            </a:solidFill>
+          </a:ln>
+        </p:spPr>
+        <p:style>
+          <a:lnRef idx="2">
+            <a:schemeClr val="accent1">
+              <a:shade val="50000"/>
+            </a:schemeClr>
+          </a:lnRef>
+          <a:fillRef idx="1">
+            <a:schemeClr val="accent1"/>
+          </a:fillRef>
+          <a:effectRef idx="0">
+            <a:schemeClr val="accent1"/>
+          </a:effectRef>
+          <a:fontRef idx="minor">
+            <a:schemeClr val="lt1"/>
+          </a:fontRef>
+        </p:style>
+        <p:txBody>
+          <a:bodyPr rtlCol="0" anchor="ctr"/>
+          <a:lstStyle/>
+          <a:p>
+            <a:pPr algn="ctr"/>
+            <a:r>
+              <a:rPr lang="en-US" altLang="ko-KR" dirty="0"/>
+              <a:t>String</a:t>
+            </a:r>
+            <a:endParaRPr lang="ko-KR" altLang="en-US" dirty="0"/>
+          </a:p>
+        </p:txBody>
+      </p:sp>
+      <p:sp>
+        <p:nvSpPr>
+          <p:cNvPr id="18" name="TextBox 17">
+            <a:extLst>
+              <a:ext uri="{FF2B5EF4-FFF2-40B4-BE49-F238E27FC236}">
+                <a16:creationId xmlns:a16="http://schemas.microsoft.com/office/drawing/2014/main" id="{BDCCD2B6-7FC2-46AF-9920-CC322131263B}"/>
+              </a:ext>
+            </a:extLst>
+          </p:cNvPr>
+          <p:cNvSpPr txBox="1"/>
+          <p:nvPr/>
+        </p:nvSpPr>
+        <p:spPr>
+          <a:xfrm>
+            <a:off x="2097380" y="3183237"/>
+            <a:ext cx="1435073" cy="276999"/>
+          </a:xfrm>
+          <a:prstGeom prst="rect">
+            <a:avLst/>
+          </a:prstGeom>
+          <a:noFill/>
+        </p:spPr>
+        <p:txBody>
+          <a:bodyPr wrap="none" rtlCol="0">
+            <a:spAutoFit/>
+          </a:bodyPr>
+          <a:lstStyle/>
+          <a:p>
+            <a:r>
+              <a:rPr lang="en-US" altLang="ko-KR" sz="1200" dirty="0"/>
+              <a:t>Interpreter</a:t>
+            </a:r>
+            <a:r>
+              <a:rPr lang="ko-KR" altLang="en-US" sz="1200" dirty="0"/>
+              <a:t>로 변환</a:t>
+            </a:r>
+          </a:p>
+        </p:txBody>
+      </p:sp>
+      <p:sp>
+        <p:nvSpPr>
+          <p:cNvPr id="19" name="TextBox 18">
+            <a:extLst>
+              <a:ext uri="{FF2B5EF4-FFF2-40B4-BE49-F238E27FC236}">
+                <a16:creationId xmlns:a16="http://schemas.microsoft.com/office/drawing/2014/main" id="{3780DAF3-5479-43AB-8815-2651130282EE}"/>
+              </a:ext>
+            </a:extLst>
+          </p:cNvPr>
+          <p:cNvSpPr txBox="1"/>
+          <p:nvPr/>
+        </p:nvSpPr>
+        <p:spPr>
+          <a:xfrm>
+            <a:off x="4783017" y="3183237"/>
+            <a:ext cx="1261371" cy="276999"/>
+          </a:xfrm>
+          <a:prstGeom prst="rect">
+            <a:avLst/>
+          </a:prstGeom>
+          <a:noFill/>
+        </p:spPr>
+        <p:txBody>
+          <a:bodyPr wrap="none" rtlCol="0">
+            <a:spAutoFit/>
+          </a:bodyPr>
+          <a:lstStyle/>
+          <a:p>
+            <a:r>
+              <a:rPr lang="en-US" altLang="ko-KR" sz="1200" dirty="0"/>
+              <a:t>String</a:t>
+            </a:r>
+            <a:r>
+              <a:rPr lang="ko-KR" altLang="en-US" sz="1200" dirty="0"/>
+              <a:t>으로 변환</a:t>
+            </a:r>
+          </a:p>
+        </p:txBody>
+      </p:sp>
+      <p:sp>
+        <p:nvSpPr>
+          <p:cNvPr id="20" name="TextBox 19">
+            <a:extLst>
+              <a:ext uri="{FF2B5EF4-FFF2-40B4-BE49-F238E27FC236}">
+                <a16:creationId xmlns:a16="http://schemas.microsoft.com/office/drawing/2014/main" id="{370A3FAD-67A8-48BB-B337-02E35FA0D378}"/>
+              </a:ext>
+            </a:extLst>
+          </p:cNvPr>
+          <p:cNvSpPr txBox="1"/>
+          <p:nvPr/>
+        </p:nvSpPr>
+        <p:spPr>
+          <a:xfrm>
+            <a:off x="1901845" y="4574924"/>
+            <a:ext cx="1672253" cy="276999"/>
+          </a:xfrm>
+          <a:prstGeom prst="rect">
+            <a:avLst/>
+          </a:prstGeom>
+          <a:noFill/>
+        </p:spPr>
+        <p:txBody>
+          <a:bodyPr wrap="none" rtlCol="0">
+            <a:spAutoFit/>
+          </a:bodyPr>
+          <a:lstStyle/>
+          <a:p>
+            <a:r>
+              <a:rPr lang="ko-KR" altLang="en-US" sz="1200" dirty="0"/>
+              <a:t>파일 읽기</a:t>
+            </a:r>
+            <a:r>
+              <a:rPr lang="en-US" altLang="ko-KR" sz="1200" dirty="0"/>
+              <a:t> (</a:t>
+            </a:r>
+            <a:r>
+              <a:rPr lang="ko-KR" altLang="en-US" sz="1200" dirty="0"/>
+              <a:t>필요 라인</a:t>
+            </a:r>
+            <a:r>
+              <a:rPr lang="en-US" altLang="ko-KR" sz="1200" dirty="0"/>
+              <a:t>)</a:t>
+            </a:r>
+            <a:endParaRPr lang="ko-KR" altLang="en-US" sz="1200" dirty="0"/>
+          </a:p>
+        </p:txBody>
+      </p:sp>
+      <p:sp>
+        <p:nvSpPr>
+          <p:cNvPr id="21" name="사각형: 둥근 모서리 20">
+            <a:extLst>
+              <a:ext uri="{FF2B5EF4-FFF2-40B4-BE49-F238E27FC236}">
+                <a16:creationId xmlns:a16="http://schemas.microsoft.com/office/drawing/2014/main" id="{940CBBDB-75AD-41CB-BE06-33EEA4A11ACA}"/>
+              </a:ext>
+            </a:extLst>
+          </p:cNvPr>
+          <p:cNvSpPr/>
+          <p:nvPr/>
+        </p:nvSpPr>
+        <p:spPr>
+          <a:xfrm>
+            <a:off x="5665695" y="4051743"/>
+            <a:ext cx="1954306" cy="419769"/>
+          </a:xfrm>
+          <a:prstGeom prst="roundRect">
+            <a:avLst/>
+          </a:prstGeom>
+          <a:solidFill>
+            <a:schemeClr val="accent5">
+              <a:lumMod val="75000"/>
+            </a:schemeClr>
+          </a:solidFill>
+          <a:ln>
+            <a:solidFill>
+              <a:schemeClr val="accent5">
+                <a:lumMod val="75000"/>
+              </a:schemeClr>
+            </a:solidFill>
+          </a:ln>
+        </p:spPr>
+        <p:style>
+          <a:lnRef idx="2">
+            <a:schemeClr val="accent1">
+              <a:shade val="50000"/>
+            </a:schemeClr>
+          </a:lnRef>
+          <a:fillRef idx="1">
+            <a:schemeClr val="accent1"/>
+          </a:fillRef>
+          <a:effectRef idx="0">
+            <a:schemeClr val="accent1"/>
+          </a:effectRef>
+          <a:fontRef idx="minor">
+            <a:schemeClr val="lt1"/>
+          </a:fontRef>
+        </p:style>
+        <p:txBody>
+          <a:bodyPr rtlCol="0" anchor="ctr"/>
+          <a:lstStyle/>
+          <a:p>
+            <a:pPr algn="ctr"/>
+            <a:r>
+              <a:rPr lang="en-US" altLang="ko-KR" dirty="0"/>
+              <a:t>float[62720]</a:t>
+            </a:r>
+            <a:endParaRPr lang="ko-KR" altLang="en-US" dirty="0"/>
+          </a:p>
+        </p:txBody>
+      </p:sp>
+      <p:sp>
+        <p:nvSpPr>
+          <p:cNvPr id="22" name="화살표: 오른쪽 21">
+            <a:extLst>
+              <a:ext uri="{FF2B5EF4-FFF2-40B4-BE49-F238E27FC236}">
+                <a16:creationId xmlns:a16="http://schemas.microsoft.com/office/drawing/2014/main" id="{04F496C8-A736-4F11-8D83-7B5CC6AC2616}"/>
+              </a:ext>
+            </a:extLst>
+          </p:cNvPr>
+          <p:cNvSpPr/>
+          <p:nvPr/>
+        </p:nvSpPr>
+        <p:spPr>
+          <a:xfrm>
+            <a:off x="5168154" y="4203356"/>
+            <a:ext cx="403411" cy="116541"/>
+          </a:xfrm>
+          <a:prstGeom prst="rightArrow">
+            <a:avLst/>
+          </a:prstGeom>
+        </p:spPr>
+        <p:style>
+          <a:lnRef idx="2">
+            <a:schemeClr val="accent1">
+              <a:shade val="50000"/>
+            </a:schemeClr>
+          </a:lnRef>
+          <a:fillRef idx="1">
+            <a:schemeClr val="accent1"/>
+          </a:fillRef>
+          <a:effectRef idx="0">
+            <a:schemeClr val="accent1"/>
+          </a:effectRef>
+          <a:fontRef idx="minor">
+            <a:schemeClr val="lt1"/>
+          </a:fontRef>
+        </p:style>
+        <p:txBody>
+          <a:bodyPr rtlCol="0" anchor="ctr"/>
+          <a:lstStyle/>
+          <a:p>
+            <a:pPr algn="ctr"/>
+            <a:endParaRPr lang="ko-KR" altLang="en-US"/>
+          </a:p>
+        </p:txBody>
+      </p:sp>
+      <p:sp>
+        <p:nvSpPr>
+          <p:cNvPr id="23" name="TextBox 22">
+            <a:extLst>
+              <a:ext uri="{FF2B5EF4-FFF2-40B4-BE49-F238E27FC236}">
+                <a16:creationId xmlns:a16="http://schemas.microsoft.com/office/drawing/2014/main" id="{8A7217A6-5A9B-45A5-A53B-75CA9C183CBB}"/>
+              </a:ext>
+            </a:extLst>
+          </p:cNvPr>
+          <p:cNvSpPr txBox="1"/>
+          <p:nvPr/>
+        </p:nvSpPr>
+        <p:spPr>
+          <a:xfrm>
+            <a:off x="4400731" y="4539687"/>
+            <a:ext cx="2025939" cy="276999"/>
+          </a:xfrm>
+          <a:prstGeom prst="rect">
+            <a:avLst/>
+          </a:prstGeom>
+          <a:noFill/>
+        </p:spPr>
+        <p:txBody>
+          <a:bodyPr wrap="none" rtlCol="0">
+            <a:spAutoFit/>
+          </a:bodyPr>
+          <a:lstStyle/>
+          <a:p>
+            <a:r>
+              <a:rPr lang="en-US" altLang="ko-KR" sz="1200" dirty="0"/>
+              <a:t>split</a:t>
+            </a:r>
+            <a:r>
+              <a:rPr lang="ko-KR" altLang="en-US" sz="1200" dirty="0"/>
+              <a:t>으로 </a:t>
+            </a:r>
+            <a:r>
+              <a:rPr lang="en-US" altLang="ko-KR" sz="1200" dirty="0"/>
+              <a:t>float </a:t>
+            </a:r>
+            <a:r>
+              <a:rPr lang="ko-KR" altLang="en-US" sz="1200" dirty="0"/>
+              <a:t>배열로 변환</a:t>
+            </a:r>
+          </a:p>
+        </p:txBody>
+      </p:sp>
+      <p:sp>
+        <p:nvSpPr>
+          <p:cNvPr id="24" name="사각형: 둥근 모서리 23">
+            <a:extLst>
+              <a:ext uri="{FF2B5EF4-FFF2-40B4-BE49-F238E27FC236}">
+                <a16:creationId xmlns:a16="http://schemas.microsoft.com/office/drawing/2014/main" id="{C56DFB7E-569C-4D0D-B906-2D4DBAD30121}"/>
+              </a:ext>
+            </a:extLst>
+          </p:cNvPr>
+          <p:cNvSpPr/>
+          <p:nvPr/>
+        </p:nvSpPr>
+        <p:spPr>
+          <a:xfrm>
+            <a:off x="8211672" y="4051743"/>
+            <a:ext cx="1954306" cy="419769"/>
+          </a:xfrm>
+          <a:prstGeom prst="roundRect">
+            <a:avLst/>
+          </a:prstGeom>
+          <a:solidFill>
+            <a:schemeClr val="accent5">
+              <a:lumMod val="75000"/>
+            </a:schemeClr>
+          </a:solidFill>
+          <a:ln>
+            <a:solidFill>
+              <a:schemeClr val="accent5">
+                <a:lumMod val="75000"/>
+              </a:schemeClr>
+            </a:solidFill>
+          </a:ln>
+        </p:spPr>
+        <p:style>
+          <a:lnRef idx="2">
+            <a:schemeClr val="accent1">
+              <a:shade val="50000"/>
+            </a:schemeClr>
+          </a:lnRef>
+          <a:fillRef idx="1">
+            <a:schemeClr val="accent1"/>
+          </a:fillRef>
+          <a:effectRef idx="0">
+            <a:schemeClr val="accent1"/>
+          </a:effectRef>
+          <a:fontRef idx="minor">
+            <a:schemeClr val="lt1"/>
+          </a:fontRef>
+        </p:style>
+        <p:txBody>
+          <a:bodyPr rtlCol="0" anchor="ctr"/>
+          <a:lstStyle/>
+          <a:p>
+            <a:pPr algn="ctr"/>
+            <a:r>
+              <a:rPr lang="en-US" altLang="ko-KR" dirty="0" err="1"/>
+              <a:t>ArrayList</a:t>
+            </a:r>
+            <a:r>
+              <a:rPr lang="en-US" altLang="ko-KR" dirty="0"/>
+              <a:t>(</a:t>
+            </a:r>
+            <a:r>
+              <a:rPr lang="ko-KR" altLang="en-US" dirty="0"/>
+              <a:t>크기 </a:t>
+            </a:r>
+            <a:r>
+              <a:rPr lang="en-US" altLang="ko-KR" dirty="0"/>
+              <a:t>n)</a:t>
+            </a:r>
+            <a:endParaRPr lang="ko-KR" altLang="en-US" dirty="0"/>
+          </a:p>
+        </p:txBody>
+      </p:sp>
+      <p:sp>
+        <p:nvSpPr>
+          <p:cNvPr id="25" name="화살표: 오른쪽 24">
+            <a:extLst>
+              <a:ext uri="{FF2B5EF4-FFF2-40B4-BE49-F238E27FC236}">
+                <a16:creationId xmlns:a16="http://schemas.microsoft.com/office/drawing/2014/main" id="{2C9BA664-F857-45B5-B0E6-417EDF6D91C1}"/>
+              </a:ext>
+            </a:extLst>
+          </p:cNvPr>
+          <p:cNvSpPr/>
+          <p:nvPr/>
+        </p:nvSpPr>
+        <p:spPr>
+          <a:xfrm>
+            <a:off x="7714131" y="4203356"/>
+            <a:ext cx="403411" cy="116541"/>
+          </a:xfrm>
+          <a:prstGeom prst="rightArrow">
+            <a:avLst/>
+          </a:prstGeom>
+        </p:spPr>
+        <p:style>
+          <a:lnRef idx="2">
+            <a:schemeClr val="accent1">
+              <a:shade val="50000"/>
+            </a:schemeClr>
+          </a:lnRef>
+          <a:fillRef idx="1">
+            <a:schemeClr val="accent1"/>
+          </a:fillRef>
+          <a:effectRef idx="0">
+            <a:schemeClr val="accent1"/>
+          </a:effectRef>
+          <a:fontRef idx="minor">
+            <a:schemeClr val="lt1"/>
+          </a:fontRef>
+        </p:style>
+        <p:txBody>
+          <a:bodyPr rtlCol="0" anchor="ctr"/>
+          <a:lstStyle/>
+          <a:p>
+            <a:pPr algn="ctr"/>
+            <a:endParaRPr lang="ko-KR" altLang="en-US"/>
+          </a:p>
+        </p:txBody>
+      </p:sp>
+      <p:sp>
+        <p:nvSpPr>
+          <p:cNvPr id="26" name="TextBox 25">
+            <a:extLst>
+              <a:ext uri="{FF2B5EF4-FFF2-40B4-BE49-F238E27FC236}">
+                <a16:creationId xmlns:a16="http://schemas.microsoft.com/office/drawing/2014/main" id="{ADB46D9D-E060-46EB-BE17-8ACE7FEAFC4A}"/>
+              </a:ext>
+            </a:extLst>
+          </p:cNvPr>
+          <p:cNvSpPr txBox="1"/>
+          <p:nvPr/>
+        </p:nvSpPr>
+        <p:spPr>
+          <a:xfrm>
+            <a:off x="6699078" y="4544180"/>
+            <a:ext cx="3025187" cy="276999"/>
+          </a:xfrm>
+          <a:prstGeom prst="rect">
+            <a:avLst/>
+          </a:prstGeom>
+          <a:noFill/>
+        </p:spPr>
+        <p:txBody>
+          <a:bodyPr wrap="none" rtlCol="0">
+            <a:spAutoFit/>
+          </a:bodyPr>
+          <a:lstStyle/>
+          <a:p>
+            <a:r>
+              <a:rPr lang="en-US" altLang="ko-KR" sz="1200" dirty="0" err="1"/>
+              <a:t>ArrayList</a:t>
+            </a:r>
+            <a:r>
+              <a:rPr lang="ko-KR" altLang="en-US" sz="1200" dirty="0"/>
+              <a:t>에 추가</a:t>
+            </a:r>
+            <a:r>
+              <a:rPr lang="en-US" altLang="ko-KR" sz="1200" dirty="0"/>
+              <a:t>, </a:t>
+            </a:r>
+            <a:r>
+              <a:rPr lang="ko-KR" altLang="en-US" sz="1200" dirty="0"/>
+              <a:t>배치 사이즈 </a:t>
+            </a:r>
+            <a:r>
+              <a:rPr lang="en-US" altLang="ko-KR" sz="1200" dirty="0"/>
+              <a:t>n</a:t>
+            </a:r>
+            <a:r>
+              <a:rPr lang="ko-KR" altLang="en-US" sz="1200" dirty="0"/>
+              <a:t>만큼 반복</a:t>
+            </a:r>
+          </a:p>
+        </p:txBody>
+      </p:sp>
+      <p:sp>
+        <p:nvSpPr>
+          <p:cNvPr id="27" name="TextBox 26">
+            <a:extLst>
+              <a:ext uri="{FF2B5EF4-FFF2-40B4-BE49-F238E27FC236}">
+                <a16:creationId xmlns:a16="http://schemas.microsoft.com/office/drawing/2014/main" id="{E0190AF9-1E7D-481A-B592-8219D8F544B5}"/>
+              </a:ext>
+            </a:extLst>
+          </p:cNvPr>
+          <p:cNvSpPr txBox="1"/>
+          <p:nvPr/>
+        </p:nvSpPr>
+        <p:spPr>
+          <a:xfrm>
+            <a:off x="101455" y="6129362"/>
+            <a:ext cx="4713150" cy="276999"/>
+          </a:xfrm>
+          <a:prstGeom prst="rect">
+            <a:avLst/>
+          </a:prstGeom>
+          <a:noFill/>
+        </p:spPr>
+        <p:txBody>
+          <a:bodyPr wrap="none" rtlCol="0">
+            <a:spAutoFit/>
+          </a:bodyPr>
+          <a:lstStyle/>
+          <a:p>
+            <a:r>
+              <a:rPr lang="en-US" altLang="ko-KR" sz="1200" dirty="0">
+                <a:solidFill>
+                  <a:schemeClr val="bg1">
+                    <a:lumMod val="50000"/>
+                  </a:schemeClr>
+                </a:solidFill>
+              </a:rPr>
+              <a:t>*</a:t>
+            </a:r>
+            <a:r>
+              <a:rPr lang="ko-KR" altLang="en-US" sz="1200" dirty="0">
+                <a:solidFill>
+                  <a:schemeClr val="bg1">
+                    <a:lumMod val="50000"/>
+                  </a:schemeClr>
+                </a:solidFill>
+              </a:rPr>
+              <a:t>배치 사이즈</a:t>
+            </a:r>
+            <a:r>
+              <a:rPr lang="en-US" altLang="ko-KR" sz="1200" dirty="0">
+                <a:solidFill>
+                  <a:schemeClr val="bg1">
+                    <a:lumMod val="50000"/>
+                  </a:schemeClr>
+                </a:solidFill>
+              </a:rPr>
+              <a:t>: </a:t>
+            </a:r>
+            <a:r>
+              <a:rPr lang="ko-KR" altLang="en-US" sz="1200" dirty="0">
+                <a:solidFill>
+                  <a:schemeClr val="bg1">
+                    <a:lumMod val="50000"/>
+                  </a:schemeClr>
+                </a:solidFill>
+              </a:rPr>
+              <a:t>샘플 수가 </a:t>
+            </a:r>
+            <a:r>
+              <a:rPr lang="en-US" altLang="ko-KR" sz="1200" dirty="0">
+                <a:solidFill>
+                  <a:schemeClr val="bg1">
+                    <a:lumMod val="50000"/>
+                  </a:schemeClr>
+                </a:solidFill>
+              </a:rPr>
+              <a:t>20 </a:t>
+            </a:r>
+            <a:r>
+              <a:rPr lang="ko-KR" altLang="en-US" sz="1200" dirty="0">
+                <a:solidFill>
+                  <a:schemeClr val="bg1">
+                    <a:lumMod val="50000"/>
+                  </a:schemeClr>
+                </a:solidFill>
+              </a:rPr>
+              <a:t>이하일 때는 샘플 수</a:t>
+            </a:r>
+            <a:r>
+              <a:rPr lang="en-US" altLang="ko-KR" sz="1200" dirty="0">
+                <a:solidFill>
+                  <a:schemeClr val="bg1">
+                    <a:lumMod val="50000"/>
+                  </a:schemeClr>
+                </a:solidFill>
+              </a:rPr>
+              <a:t>, 20 </a:t>
+            </a:r>
+            <a:r>
+              <a:rPr lang="ko-KR" altLang="en-US" sz="1200" dirty="0">
+                <a:solidFill>
+                  <a:schemeClr val="bg1">
+                    <a:lumMod val="50000"/>
+                  </a:schemeClr>
+                </a:solidFill>
+              </a:rPr>
+              <a:t>이상이면 </a:t>
+            </a:r>
+            <a:r>
+              <a:rPr lang="en-US" altLang="ko-KR" sz="1200" dirty="0">
+                <a:solidFill>
+                  <a:schemeClr val="bg1">
+                    <a:lumMod val="50000"/>
+                  </a:schemeClr>
+                </a:solidFill>
+              </a:rPr>
+              <a:t>20 </a:t>
+            </a:r>
+            <a:endParaRPr lang="ko-KR" altLang="en-US" sz="1200" dirty="0">
+              <a:solidFill>
+                <a:schemeClr val="bg1">
+                  <a:lumMod val="50000"/>
+                </a:schemeClr>
+              </a:solidFill>
+            </a:endParaRPr>
+          </a:p>
+        </p:txBody>
+      </p:sp>
+      <p:sp>
+        <p:nvSpPr>
+          <p:cNvPr id="28" name="사각형: 둥근 모서리 27">
+            <a:extLst>
+              <a:ext uri="{FF2B5EF4-FFF2-40B4-BE49-F238E27FC236}">
+                <a16:creationId xmlns:a16="http://schemas.microsoft.com/office/drawing/2014/main" id="{7EC391E9-1BFA-4EAB-95E7-38470809BF7E}"/>
+              </a:ext>
+            </a:extLst>
+          </p:cNvPr>
+          <p:cNvSpPr/>
+          <p:nvPr/>
+        </p:nvSpPr>
+        <p:spPr>
+          <a:xfrm>
+            <a:off x="8211672" y="2716305"/>
+            <a:ext cx="1954306" cy="419769"/>
+          </a:xfrm>
+          <a:prstGeom prst="roundRect">
+            <a:avLst/>
+          </a:prstGeom>
+          <a:solidFill>
+            <a:schemeClr val="accent5">
+              <a:lumMod val="75000"/>
+            </a:schemeClr>
+          </a:solidFill>
+          <a:ln>
+            <a:solidFill>
+              <a:schemeClr val="accent5">
+                <a:lumMod val="75000"/>
+              </a:schemeClr>
+            </a:solidFill>
+          </a:ln>
+        </p:spPr>
+        <p:style>
+          <a:lnRef idx="2">
+            <a:schemeClr val="accent1">
+              <a:shade val="50000"/>
+            </a:schemeClr>
+          </a:lnRef>
+          <a:fillRef idx="1">
+            <a:schemeClr val="accent1"/>
+          </a:fillRef>
+          <a:effectRef idx="0">
+            <a:schemeClr val="accent1"/>
+          </a:effectRef>
+          <a:fontRef idx="minor">
+            <a:schemeClr val="lt1"/>
+          </a:fontRef>
+        </p:style>
+        <p:txBody>
+          <a:bodyPr rtlCol="0" anchor="ctr"/>
+          <a:lstStyle/>
+          <a:p>
+            <a:pPr algn="ctr"/>
+            <a:r>
+              <a:rPr lang="en-US" altLang="ko-KR" dirty="0"/>
+              <a:t>sample.txt</a:t>
+            </a:r>
+            <a:endParaRPr lang="ko-KR" altLang="en-US" dirty="0"/>
+          </a:p>
+        </p:txBody>
+      </p:sp>
+      <p:sp>
+        <p:nvSpPr>
+          <p:cNvPr id="31" name="화살표: 오른쪽 30">
+            <a:extLst>
+              <a:ext uri="{FF2B5EF4-FFF2-40B4-BE49-F238E27FC236}">
+                <a16:creationId xmlns:a16="http://schemas.microsoft.com/office/drawing/2014/main" id="{AB91C179-852B-476F-9288-8EA6590352FD}"/>
+              </a:ext>
+            </a:extLst>
+          </p:cNvPr>
+          <p:cNvSpPr/>
+          <p:nvPr/>
+        </p:nvSpPr>
+        <p:spPr>
+          <a:xfrm>
+            <a:off x="7714131" y="2859741"/>
+            <a:ext cx="403411" cy="116541"/>
+          </a:xfrm>
+          <a:prstGeom prst="rightArrow">
+            <a:avLst/>
+          </a:prstGeom>
+        </p:spPr>
+        <p:style>
+          <a:lnRef idx="2">
+            <a:schemeClr val="accent1">
+              <a:shade val="50000"/>
+            </a:schemeClr>
+          </a:lnRef>
+          <a:fillRef idx="1">
+            <a:schemeClr val="accent1"/>
+          </a:fillRef>
+          <a:effectRef idx="0">
+            <a:schemeClr val="accent1"/>
+          </a:effectRef>
+          <a:fontRef idx="minor">
+            <a:schemeClr val="lt1"/>
+          </a:fontRef>
+        </p:style>
+        <p:txBody>
+          <a:bodyPr rtlCol="0" anchor="ctr"/>
+          <a:lstStyle/>
+          <a:p>
+            <a:pPr algn="ctr"/>
+            <a:endParaRPr lang="ko-KR" altLang="en-US"/>
+          </a:p>
+        </p:txBody>
+      </p:sp>
+      <p:sp>
+        <p:nvSpPr>
+          <p:cNvPr id="32" name="TextBox 31">
+            <a:extLst>
+              <a:ext uri="{FF2B5EF4-FFF2-40B4-BE49-F238E27FC236}">
+                <a16:creationId xmlns:a16="http://schemas.microsoft.com/office/drawing/2014/main" id="{EF8495FF-6B92-427A-8297-1D13B77FD088}"/>
+              </a:ext>
+            </a:extLst>
+          </p:cNvPr>
+          <p:cNvSpPr txBox="1"/>
+          <p:nvPr/>
+        </p:nvSpPr>
+        <p:spPr>
+          <a:xfrm>
+            <a:off x="7294952" y="3183237"/>
+            <a:ext cx="1243354" cy="276999"/>
+          </a:xfrm>
+          <a:prstGeom prst="rect">
+            <a:avLst/>
+          </a:prstGeom>
+          <a:noFill/>
+        </p:spPr>
+        <p:txBody>
+          <a:bodyPr wrap="none" rtlCol="0">
+            <a:spAutoFit/>
+          </a:bodyPr>
+          <a:lstStyle/>
+          <a:p>
+            <a:r>
+              <a:rPr lang="en-US" altLang="ko-KR" sz="1200" dirty="0"/>
+              <a:t>txt </a:t>
+            </a:r>
+            <a:r>
+              <a:rPr lang="ko-KR" altLang="en-US" sz="1200" dirty="0"/>
+              <a:t>파일에 저장</a:t>
+            </a:r>
+          </a:p>
+        </p:txBody>
+      </p:sp>
+      <p:sp>
+        <p:nvSpPr>
+          <p:cNvPr id="35" name="사각형: 둥근 모서리 34">
+            <a:extLst>
+              <a:ext uri="{FF2B5EF4-FFF2-40B4-BE49-F238E27FC236}">
+                <a16:creationId xmlns:a16="http://schemas.microsoft.com/office/drawing/2014/main" id="{B08C95C5-3B56-46AD-B6D3-920C61260EF8}"/>
+              </a:ext>
+            </a:extLst>
+          </p:cNvPr>
+          <p:cNvSpPr/>
+          <p:nvPr/>
+        </p:nvSpPr>
+        <p:spPr>
+          <a:xfrm>
+            <a:off x="1091556" y="5010246"/>
+            <a:ext cx="1954306" cy="419769"/>
+          </a:xfrm>
+          <a:prstGeom prst="roundRect">
+            <a:avLst/>
+          </a:prstGeom>
+          <a:solidFill>
+            <a:schemeClr val="accent5">
+              <a:lumMod val="75000"/>
+            </a:schemeClr>
+          </a:solidFill>
+          <a:ln>
+            <a:solidFill>
+              <a:schemeClr val="accent5">
+                <a:lumMod val="75000"/>
+              </a:schemeClr>
+            </a:solidFill>
+          </a:ln>
+        </p:spPr>
+        <p:style>
+          <a:lnRef idx="2">
+            <a:schemeClr val="accent1">
+              <a:shade val="50000"/>
+            </a:schemeClr>
+          </a:lnRef>
+          <a:fillRef idx="1">
+            <a:schemeClr val="accent1"/>
+          </a:fillRef>
+          <a:effectRef idx="0">
+            <a:schemeClr val="accent1"/>
+          </a:effectRef>
+          <a:fontRef idx="minor">
+            <a:schemeClr val="lt1"/>
+          </a:fontRef>
+        </p:style>
+        <p:txBody>
+          <a:bodyPr rtlCol="0" anchor="ctr"/>
+          <a:lstStyle/>
+          <a:p>
+            <a:pPr algn="ctr"/>
+            <a:r>
+              <a:rPr lang="en-US" altLang="ko-KR" dirty="0" err="1"/>
+              <a:t>ArrayList</a:t>
+            </a:r>
+            <a:r>
+              <a:rPr lang="en-US" altLang="ko-KR" dirty="0"/>
+              <a:t>(</a:t>
+            </a:r>
+            <a:r>
+              <a:rPr lang="ko-KR" altLang="en-US" dirty="0"/>
+              <a:t>크기 </a:t>
+            </a:r>
+            <a:r>
+              <a:rPr lang="en-US" altLang="ko-KR" dirty="0"/>
+              <a:t>n)</a:t>
+            </a:r>
+            <a:endParaRPr lang="ko-KR" altLang="en-US" dirty="0"/>
+          </a:p>
+        </p:txBody>
+      </p:sp>
+      <p:sp>
+        <p:nvSpPr>
+          <p:cNvPr id="36" name="화살표: 오른쪽 35">
+            <a:extLst>
+              <a:ext uri="{FF2B5EF4-FFF2-40B4-BE49-F238E27FC236}">
+                <a16:creationId xmlns:a16="http://schemas.microsoft.com/office/drawing/2014/main" id="{187C6707-ABAD-4181-A472-13242214D0C2}"/>
+              </a:ext>
+            </a:extLst>
+          </p:cNvPr>
+          <p:cNvSpPr/>
+          <p:nvPr/>
+        </p:nvSpPr>
+        <p:spPr>
+          <a:xfrm>
+            <a:off x="3137646" y="5161859"/>
+            <a:ext cx="403411" cy="116541"/>
+          </a:xfrm>
+          <a:prstGeom prst="rightArrow">
+            <a:avLst/>
+          </a:prstGeom>
+        </p:spPr>
+        <p:style>
+          <a:lnRef idx="2">
+            <a:schemeClr val="accent1">
+              <a:shade val="50000"/>
+            </a:schemeClr>
+          </a:lnRef>
+          <a:fillRef idx="1">
+            <a:schemeClr val="accent1"/>
+          </a:fillRef>
+          <a:effectRef idx="0">
+            <a:schemeClr val="accent1"/>
+          </a:effectRef>
+          <a:fontRef idx="minor">
+            <a:schemeClr val="lt1"/>
+          </a:fontRef>
+        </p:style>
+        <p:txBody>
+          <a:bodyPr rtlCol="0" anchor="ctr"/>
+          <a:lstStyle/>
+          <a:p>
+            <a:pPr algn="ctr"/>
+            <a:endParaRPr lang="ko-KR" altLang="en-US"/>
+          </a:p>
+        </p:txBody>
+      </p:sp>
+      <p:sp>
+        <p:nvSpPr>
+          <p:cNvPr id="38" name="화살표: 오른쪽 37">
+            <a:extLst>
+              <a:ext uri="{FF2B5EF4-FFF2-40B4-BE49-F238E27FC236}">
+                <a16:creationId xmlns:a16="http://schemas.microsoft.com/office/drawing/2014/main" id="{1228C676-0C67-4B91-B485-B6E4B2D84CDD}"/>
+              </a:ext>
+            </a:extLst>
+          </p:cNvPr>
+          <p:cNvSpPr/>
+          <p:nvPr/>
+        </p:nvSpPr>
+        <p:spPr>
+          <a:xfrm>
+            <a:off x="596362" y="5161859"/>
+            <a:ext cx="403411" cy="116541"/>
+          </a:xfrm>
+          <a:prstGeom prst="rightArrow">
+            <a:avLst/>
+          </a:prstGeom>
+        </p:spPr>
+        <p:style>
+          <a:lnRef idx="2">
+            <a:schemeClr val="accent1">
+              <a:shade val="50000"/>
+            </a:schemeClr>
+          </a:lnRef>
+          <a:fillRef idx="1">
+            <a:schemeClr val="accent1"/>
+          </a:fillRef>
+          <a:effectRef idx="0">
+            <a:schemeClr val="accent1"/>
+          </a:effectRef>
+          <a:fontRef idx="minor">
+            <a:schemeClr val="lt1"/>
+          </a:fontRef>
+        </p:style>
+        <p:txBody>
+          <a:bodyPr rtlCol="0" anchor="ctr"/>
+          <a:lstStyle/>
+          <a:p>
+            <a:pPr algn="ctr"/>
+            <a:endParaRPr lang="ko-KR" altLang="en-US"/>
+          </a:p>
+        </p:txBody>
+      </p:sp>
+      <p:sp>
+        <p:nvSpPr>
+          <p:cNvPr id="39" name="사각형: 둥근 모서리 38">
+            <a:extLst>
+              <a:ext uri="{FF2B5EF4-FFF2-40B4-BE49-F238E27FC236}">
+                <a16:creationId xmlns:a16="http://schemas.microsoft.com/office/drawing/2014/main" id="{B5DD50DC-EC50-4E04-85FA-7AF3E2E30B67}"/>
+              </a:ext>
+            </a:extLst>
+          </p:cNvPr>
+          <p:cNvSpPr/>
+          <p:nvPr/>
+        </p:nvSpPr>
+        <p:spPr>
+          <a:xfrm>
+            <a:off x="3632841" y="5010246"/>
+            <a:ext cx="1954306" cy="419769"/>
+          </a:xfrm>
+          <a:prstGeom prst="roundRect">
+            <a:avLst/>
+          </a:prstGeom>
+          <a:solidFill>
+            <a:schemeClr val="accent5">
+              <a:lumMod val="75000"/>
+            </a:schemeClr>
+          </a:solidFill>
+          <a:ln>
+            <a:solidFill>
+              <a:schemeClr val="accent5">
+                <a:lumMod val="75000"/>
+              </a:schemeClr>
+            </a:solidFill>
+          </a:ln>
+        </p:spPr>
+        <p:style>
+          <a:lnRef idx="2">
+            <a:schemeClr val="accent1">
+              <a:shade val="50000"/>
+            </a:schemeClr>
+          </a:lnRef>
+          <a:fillRef idx="1">
+            <a:schemeClr val="accent1"/>
+          </a:fillRef>
+          <a:effectRef idx="0">
+            <a:schemeClr val="accent1"/>
+          </a:effectRef>
+          <a:fontRef idx="minor">
+            <a:schemeClr val="lt1"/>
+          </a:fontRef>
+        </p:style>
+        <p:txBody>
+          <a:bodyPr rtlCol="0" anchor="ctr"/>
+          <a:lstStyle/>
+          <a:p>
+            <a:pPr algn="ctr"/>
+            <a:r>
+              <a:rPr lang="en-US" altLang="ko-KR" dirty="0"/>
+              <a:t>Loss </a:t>
+            </a:r>
+            <a:r>
+              <a:rPr lang="ko-KR" altLang="en-US" dirty="0"/>
+              <a:t>반환</a:t>
+            </a:r>
+          </a:p>
+        </p:txBody>
+      </p:sp>
+      <p:sp>
+        <p:nvSpPr>
+          <p:cNvPr id="40" name="TextBox 39">
+            <a:extLst>
+              <a:ext uri="{FF2B5EF4-FFF2-40B4-BE49-F238E27FC236}">
+                <a16:creationId xmlns:a16="http://schemas.microsoft.com/office/drawing/2014/main" id="{2F608886-F75D-4103-B996-07D972A9E4DD}"/>
+              </a:ext>
+            </a:extLst>
+          </p:cNvPr>
+          <p:cNvSpPr txBox="1"/>
+          <p:nvPr/>
+        </p:nvSpPr>
+        <p:spPr>
+          <a:xfrm>
+            <a:off x="573741" y="5543614"/>
+            <a:ext cx="492443" cy="276999"/>
+          </a:xfrm>
+          <a:prstGeom prst="rect">
+            <a:avLst/>
+          </a:prstGeom>
+          <a:noFill/>
+        </p:spPr>
+        <p:txBody>
+          <a:bodyPr wrap="none" rtlCol="0">
+            <a:spAutoFit/>
+          </a:bodyPr>
+          <a:lstStyle/>
+          <a:p>
+            <a:r>
+              <a:rPr lang="ko-KR" altLang="en-US" sz="1200" dirty="0" err="1"/>
+              <a:t>셔플</a:t>
+            </a:r>
+            <a:endParaRPr lang="ko-KR" altLang="en-US" sz="1200" dirty="0"/>
+          </a:p>
+        </p:txBody>
+      </p:sp>
+      <p:sp>
+        <p:nvSpPr>
+          <p:cNvPr id="41" name="TextBox 40">
+            <a:extLst>
+              <a:ext uri="{FF2B5EF4-FFF2-40B4-BE49-F238E27FC236}">
+                <a16:creationId xmlns:a16="http://schemas.microsoft.com/office/drawing/2014/main" id="{BD2789EA-EE02-4658-A301-61A94F7CD65B}"/>
+              </a:ext>
+            </a:extLst>
+          </p:cNvPr>
+          <p:cNvSpPr txBox="1"/>
+          <p:nvPr/>
+        </p:nvSpPr>
+        <p:spPr>
+          <a:xfrm>
+            <a:off x="2514598" y="5542427"/>
+            <a:ext cx="1489575" cy="276999"/>
+          </a:xfrm>
+          <a:prstGeom prst="rect">
+            <a:avLst/>
+          </a:prstGeom>
+          <a:noFill/>
+        </p:spPr>
+        <p:txBody>
+          <a:bodyPr wrap="none" rtlCol="0">
+            <a:spAutoFit/>
+          </a:bodyPr>
+          <a:lstStyle/>
+          <a:p>
+            <a:r>
+              <a:rPr lang="en-US" altLang="ko-KR" sz="1200" dirty="0"/>
+              <a:t>Interpreter </a:t>
+            </a:r>
+            <a:r>
+              <a:rPr lang="ko-KR" altLang="en-US" sz="1200" dirty="0"/>
+              <a:t>로 학습</a:t>
+            </a:r>
+          </a:p>
+        </p:txBody>
+      </p:sp>
+      <p:sp>
+        <p:nvSpPr>
+          <p:cNvPr id="42" name="TextBox 41">
+            <a:extLst>
+              <a:ext uri="{FF2B5EF4-FFF2-40B4-BE49-F238E27FC236}">
+                <a16:creationId xmlns:a16="http://schemas.microsoft.com/office/drawing/2014/main" id="{38184578-AA05-4C27-9615-54A108239F9D}"/>
+              </a:ext>
+            </a:extLst>
+          </p:cNvPr>
+          <p:cNvSpPr txBox="1"/>
+          <p:nvPr/>
+        </p:nvSpPr>
+        <p:spPr>
+          <a:xfrm>
+            <a:off x="6964522" y="1840323"/>
+            <a:ext cx="5153730" cy="369332"/>
+          </a:xfrm>
+          <a:prstGeom prst="rect">
+            <a:avLst/>
+          </a:prstGeom>
+          <a:noFill/>
+        </p:spPr>
+        <p:txBody>
+          <a:bodyPr wrap="square" rtlCol="0">
+            <a:spAutoFit/>
+          </a:bodyPr>
+          <a:lstStyle/>
+          <a:p>
+            <a:r>
+              <a:rPr lang="ko-KR" altLang="en-US" dirty="0">
+                <a:solidFill>
+                  <a:srgbClr val="FF0000"/>
+                </a:solidFill>
+              </a:rPr>
+              <a:t>메모리가 아니라 파일 입출력으로 데이터 저장 </a:t>
+            </a:r>
+          </a:p>
+        </p:txBody>
+      </p:sp>
+    </p:spTree>
+    <p:extLst>
+      <p:ext uri="{BB962C8B-B14F-4D97-AF65-F5344CB8AC3E}">
+        <p14:creationId xmlns:p14="http://schemas.microsoft.com/office/powerpoint/2010/main" val="3569451324"/>
+      </p:ext>
+    </p:extLst>
+  </p:cSld>
+  <p:clrMapOvr>
+    <a:masterClrMapping/>
+  </p:clrMapOvr>
+</p:sld>
+</file>
+
+<file path=ppt/slides/slide18.xml><?xml version="1.0" encoding="utf-8"?>
+<p:sld xmlns:a="http://schemas.openxmlformats.org/drawingml/2006/main" xmlns:r="http://schemas.openxmlformats.org/officeDocument/2006/relationships" xmlns:p="http://schemas.openxmlformats.org/presentationml/2006/main">
+  <p:cSld>
+    <p:spTree>
+      <p:nvGrpSpPr>
+        <p:cNvPr id="1" name=""/>
+        <p:cNvGrpSpPr/>
+        <p:nvPr/>
+      </p:nvGrpSpPr>
+      <p:grpSpPr>
+        <a:xfrm>
+          <a:off x="0" y="0"/>
+          <a:ext cx="0" cy="0"/>
+          <a:chOff x="0" y="0"/>
+          <a:chExt cx="0" cy="0"/>
+        </a:xfrm>
+      </p:grpSpPr>
+      <p:sp>
+        <p:nvSpPr>
+          <p:cNvPr id="8" name="제목 7">
+            <a:extLst>
+              <a:ext uri="{FF2B5EF4-FFF2-40B4-BE49-F238E27FC236}">
+                <a16:creationId xmlns:a16="http://schemas.microsoft.com/office/drawing/2014/main" id="{69B292E9-37A2-4AD7-84B5-A8BE80BDBEC1}"/>
+              </a:ext>
+            </a:extLst>
+          </p:cNvPr>
+          <p:cNvSpPr>
+            <a:spLocks noGrp="1"/>
+          </p:cNvSpPr>
+          <p:nvPr>
+            <p:ph type="ctrTitle"/>
+          </p:nvPr>
+        </p:nvSpPr>
+        <p:spPr>
+          <a:xfrm>
+            <a:off x="1524000" y="2219105"/>
+            <a:ext cx="9144000" cy="1209895"/>
+          </a:xfrm>
+        </p:spPr>
+        <p:txBody>
+          <a:bodyPr/>
+          <a:lstStyle/>
+          <a:p>
+            <a:r>
+              <a:rPr lang="en-US" altLang="ko-KR"/>
+              <a:t>Q n A</a:t>
+            </a:r>
+            <a:endParaRPr lang="ko-KR" altLang="en-US"/>
+          </a:p>
+        </p:txBody>
+      </p:sp>
+      <p:sp>
+        <p:nvSpPr>
+          <p:cNvPr id="9" name="부제목 8">
+            <a:extLst>
+              <a:ext uri="{FF2B5EF4-FFF2-40B4-BE49-F238E27FC236}">
+                <a16:creationId xmlns:a16="http://schemas.microsoft.com/office/drawing/2014/main" id="{CACC263A-2C04-4ACE-A4A4-242F76AFCBA9}"/>
+              </a:ext>
+            </a:extLst>
+          </p:cNvPr>
+          <p:cNvSpPr>
+            <a:spLocks noGrp="1"/>
+          </p:cNvSpPr>
+          <p:nvPr>
+            <p:ph type="subTitle" idx="1"/>
+          </p:nvPr>
+        </p:nvSpPr>
+        <p:spPr/>
+        <p:txBody>
+          <a:bodyPr/>
+          <a:lstStyle/>
+          <a:p>
+            <a:r>
+              <a:rPr lang="ko-KR" altLang="en-US"/>
+              <a:t>감사합니다</a:t>
+            </a:r>
+            <a:r>
+              <a:rPr lang="en-US" altLang="ko-KR"/>
+              <a:t>.</a:t>
+            </a:r>
+            <a:endParaRPr lang="ko-KR" altLang="en-US"/>
+          </a:p>
+        </p:txBody>
+      </p:sp>
+    </p:spTree>
+    <p:extLst>
+      <p:ext uri="{BB962C8B-B14F-4D97-AF65-F5344CB8AC3E}">
+        <p14:creationId xmlns:p14="http://schemas.microsoft.com/office/powerpoint/2010/main" val="3743477804"/>
+      </p:ext>
+    </p:extLst>
+  </p:cSld>
+  <p:clrMapOvr>
+    <a:masterClrMapping/>
+  </p:clrMapOvr>
+</p:sld>
+</file>
+
 <file path=ppt/slides/slide2.xml><?xml version="1.0" encoding="utf-8"?>
 <p:sld xmlns:a="http://schemas.openxmlformats.org/drawingml/2006/main" xmlns:r="http://schemas.openxmlformats.org/officeDocument/2006/relationships" xmlns:p="http://schemas.openxmlformats.org/presentationml/2006/main">
   <p:cSld>
@@ -3091,7 +7699,7 @@
           <p:cNvPr id="2" name="제목 1">
             <a:extLst>
               <a:ext uri="{FF2B5EF4-FFF2-40B4-BE49-F238E27FC236}">
-                <a16:creationId xmlns:a16="http://schemas.microsoft.com/office/drawing/2014/main" id="{411A31A2-6DB3-4686-81EE-5C6D474EC1A2}"/>
+                <a16:creationId xmlns:a16="http://schemas.microsoft.com/office/drawing/2014/main" id="{EB9B442A-B5B8-4436-8492-096359ABBDC8}"/>
               </a:ext>
             </a:extLst>
           </p:cNvPr>
@@ -3108,9 +7716,10 @@
           <a:lstStyle/>
           <a:p>
             <a:r>
-              <a:rPr lang="ko-KR" altLang="en-US" dirty="0"/>
-              <a:t>파일 입출력 오버헤드 확인</a:t>
-            </a:r>
+              <a:rPr lang="en-US" altLang="ko-KR" dirty="0"/>
+              <a:t>Contents</a:t>
+            </a:r>
+            <a:endParaRPr lang="ko-KR" altLang="en-US" dirty="0"/>
           </a:p>
         </p:txBody>
       </p:sp>
@@ -3119,7 +7728,7 @@
           <p:cNvPr id="3" name="내용 개체 틀 2">
             <a:extLst>
               <a:ext uri="{FF2B5EF4-FFF2-40B4-BE49-F238E27FC236}">
-                <a16:creationId xmlns:a16="http://schemas.microsoft.com/office/drawing/2014/main" id="{000A7715-1525-42B2-810D-0B4D1A1CC6C5}"/>
+                <a16:creationId xmlns:a16="http://schemas.microsoft.com/office/drawing/2014/main" id="{53A5689C-6B3A-4C9D-A89E-C4D84A909B98}"/>
               </a:ext>
             </a:extLst>
           </p:cNvPr>
@@ -3137,54 +7746,47 @@
           <a:p>
             <a:r>
               <a:rPr lang="ko-KR" altLang="en-US" dirty="0"/>
-              <a:t>파일 입출력의 오버헤드를 확인하기 위해 실험 진행</a:t>
+              <a:t>파일 입출력 오버헤드 확인 실험</a:t>
             </a:r>
             <a:endParaRPr lang="en-US" altLang="ko-KR" dirty="0"/>
           </a:p>
           <a:p>
             <a:r>
-              <a:rPr lang="en-US" altLang="ko-KR" dirty="0" err="1"/>
-              <a:t>Calendar.getInstance</a:t>
-            </a:r>
-            <a:r>
-              <a:rPr lang="en-US" altLang="ko-KR" dirty="0"/>
-              <a:t>() </a:t>
-            </a:r>
-            <a:r>
-              <a:rPr lang="ko-KR" altLang="en-US" dirty="0"/>
-              <a:t>메소드를 통해 실험 시작 시간</a:t>
-            </a:r>
-            <a:r>
-              <a:rPr lang="en-US" altLang="ko-KR" dirty="0"/>
-              <a:t>, </a:t>
-            </a:r>
-            <a:r>
-              <a:rPr lang="ko-KR" altLang="en-US" dirty="0"/>
-              <a:t>종료 시간 측정</a:t>
-            </a:r>
-            <a:endParaRPr lang="en-US" altLang="ko-KR" dirty="0"/>
-          </a:p>
-          <a:p>
-            <a:r>
-              <a:rPr lang="ko-KR" altLang="en-US" dirty="0"/>
-              <a:t>시작 시간 </a:t>
-            </a:r>
-            <a:r>
-              <a:rPr lang="en-US" altLang="ko-KR" dirty="0"/>
-              <a:t>- </a:t>
-            </a:r>
-            <a:r>
-              <a:rPr lang="ko-KR" altLang="en-US" dirty="0"/>
-              <a:t>종료 시간 </a:t>
-            </a:r>
-            <a:r>
-              <a:rPr lang="en-US" altLang="ko-KR" dirty="0"/>
-              <a:t>= </a:t>
-            </a:r>
-            <a:r>
-              <a:rPr lang="ko-KR" altLang="en-US" dirty="0"/>
-              <a:t>작업 시간</a:t>
-            </a:r>
+              <a:rPr lang="ko-KR" altLang="en-US" dirty="0">
+                <a:solidFill>
+                  <a:schemeClr val="bg1">
+                    <a:lumMod val="65000"/>
+                  </a:schemeClr>
+                </a:solidFill>
+              </a:rPr>
+              <a:t>오류 발생 및 해결</a:t>
+            </a:r>
+            <a:endParaRPr lang="en-US" altLang="ko-KR" dirty="0">
+              <a:solidFill>
+                <a:schemeClr val="bg1">
+                  <a:lumMod val="65000"/>
+                </a:schemeClr>
+              </a:solidFill>
+            </a:endParaRPr>
+          </a:p>
+          <a:p>
+            <a:r>
+              <a:rPr lang="ko-KR" altLang="en-US" dirty="0">
+                <a:solidFill>
+                  <a:schemeClr val="bg1">
+                    <a:lumMod val="65000"/>
+                  </a:schemeClr>
+                </a:solidFill>
+              </a:rPr>
+              <a:t>어플리케이션 개선 및 결과</a:t>
+            </a:r>
+            <a:endParaRPr lang="en-US" altLang="ko-KR" dirty="0">
+              <a:solidFill>
+                <a:schemeClr val="bg1">
+                  <a:lumMod val="65000"/>
+                </a:schemeClr>
+              </a:solidFill>
+            </a:endParaRPr>
           </a:p>
         </p:txBody>
       </p:sp>
@@ -3193,7 +7795,7 @@
           <p:cNvPr id="4" name="날짜 개체 틀 3">
             <a:extLst>
               <a:ext uri="{FF2B5EF4-FFF2-40B4-BE49-F238E27FC236}">
-                <a16:creationId xmlns:a16="http://schemas.microsoft.com/office/drawing/2014/main" id="{23963E9D-54DC-458C-8BE7-252A12436C59}"/>
+                <a16:creationId xmlns:a16="http://schemas.microsoft.com/office/drawing/2014/main" id="{5C3C7D6E-F35B-4CF0-8AD1-B44818B01CD4}"/>
               </a:ext>
             </a:extLst>
           </p:cNvPr>
@@ -3229,7 +7831,7 @@
           <p:cNvPr id="5" name="슬라이드 번호 개체 틀 4">
             <a:extLst>
               <a:ext uri="{FF2B5EF4-FFF2-40B4-BE49-F238E27FC236}">
-                <a16:creationId xmlns:a16="http://schemas.microsoft.com/office/drawing/2014/main" id="{5A42D99E-C13B-4CED-ACDB-E1D5D4C489B7}"/>
+                <a16:creationId xmlns:a16="http://schemas.microsoft.com/office/drawing/2014/main" id="{7AE133D7-A263-4A3F-9448-1F5B9804315D}"/>
               </a:ext>
             </a:extLst>
           </p:cNvPr>
@@ -3257,7 +7859,7 @@
     </p:spTree>
     <p:extLst>
       <p:ext uri="{BB962C8B-B14F-4D97-AF65-F5344CB8AC3E}">
-        <p14:creationId xmlns:p14="http://schemas.microsoft.com/office/powerpoint/2010/main" val="1021864278"/>
+        <p14:creationId xmlns:p14="http://schemas.microsoft.com/office/powerpoint/2010/main" val="2308551844"/>
       </p:ext>
     </p:extLst>
   </p:cSld>
@@ -3286,10 +7888,38 @@
       </p:grpSpPr>
       <p:sp>
         <p:nvSpPr>
+          <p:cNvPr id="2" name="제목 1">
+            <a:extLst>
+              <a:ext uri="{FF2B5EF4-FFF2-40B4-BE49-F238E27FC236}">
+                <a16:creationId xmlns:a16="http://schemas.microsoft.com/office/drawing/2014/main" id="{411A31A2-6DB3-4686-81EE-5C6D474EC1A2}"/>
+              </a:ext>
+            </a:extLst>
+          </p:cNvPr>
+          <p:cNvSpPr>
+            <a:spLocks noGrp="1"/>
+          </p:cNvSpPr>
+          <p:nvPr>
+            <p:ph type="title"/>
+          </p:nvPr>
+        </p:nvSpPr>
+        <p:spPr/>
+        <p:txBody>
+          <a:bodyPr/>
+          <a:lstStyle/>
+          <a:p>
+            <a:r>
+              <a:rPr lang="ko-KR" altLang="en-US" dirty="0"/>
+              <a:t>파일 입출력 오버헤드 확인</a:t>
+            </a:r>
+          </a:p>
+        </p:txBody>
+      </p:sp>
+      <p:sp>
+        <p:nvSpPr>
           <p:cNvPr id="3" name="내용 개체 틀 2">
             <a:extLst>
               <a:ext uri="{FF2B5EF4-FFF2-40B4-BE49-F238E27FC236}">
-                <a16:creationId xmlns:a16="http://schemas.microsoft.com/office/drawing/2014/main" id="{1E987F31-A740-40E7-9224-6E9FC1CE0527}"/>
+                <a16:creationId xmlns:a16="http://schemas.microsoft.com/office/drawing/2014/main" id="{000A7715-1525-42B2-810D-0B4D1A1CC6C5}"/>
               </a:ext>
             </a:extLst>
           </p:cNvPr>
@@ -3306,16 +7936,70 @@
           <a:lstStyle/>
           <a:p>
             <a:r>
+              <a:rPr lang="ko-KR" altLang="en-US" dirty="0"/>
+              <a:t>파일 입출력의 오버헤드를 확인하기 위해 실험 진행</a:t>
+            </a:r>
+            <a:endParaRPr lang="en-US" altLang="ko-KR" dirty="0"/>
+          </a:p>
+          <a:p>
+            <a:r>
+              <a:rPr lang="ko-KR" altLang="en-US" dirty="0"/>
+              <a:t>하나의 샘플을 추가하는 시간을 측정</a:t>
+            </a:r>
+            <a:endParaRPr lang="en-US" altLang="ko-KR" dirty="0"/>
+          </a:p>
+          <a:p>
+            <a:pPr lvl="1"/>
+            <a:r>
               <a:rPr lang="en-US" altLang="ko-KR" dirty="0" err="1"/>
               <a:t>Calendar.getInstance</a:t>
             </a:r>
             <a:r>
               <a:rPr lang="en-US" altLang="ko-KR" dirty="0"/>
-              <a:t>()</a:t>
+              <a:t>() </a:t>
             </a:r>
             <a:r>
               <a:rPr lang="ko-KR" altLang="en-US" dirty="0"/>
-              <a:t>를 사용하여 현재 시간 측정</a:t>
+              <a:t>메소드를 통해 실험 시작 시간</a:t>
+            </a:r>
+            <a:r>
+              <a:rPr lang="en-US" altLang="ko-KR" dirty="0"/>
+              <a:t>, </a:t>
+            </a:r>
+            <a:r>
+              <a:rPr lang="ko-KR" altLang="en-US" dirty="0"/>
+              <a:t>종료 시간 측정</a:t>
+            </a:r>
+            <a:endParaRPr lang="en-US" altLang="ko-KR" dirty="0"/>
+          </a:p>
+          <a:p>
+            <a:pPr lvl="1"/>
+            <a:r>
+              <a:rPr lang="ko-KR" altLang="en-US" dirty="0"/>
+              <a:t>시작 시간 </a:t>
+            </a:r>
+            <a:r>
+              <a:rPr lang="en-US" altLang="ko-KR" dirty="0"/>
+              <a:t>- </a:t>
+            </a:r>
+            <a:r>
+              <a:rPr lang="ko-KR" altLang="en-US" dirty="0"/>
+              <a:t>종료 시간 </a:t>
+            </a:r>
+            <a:r>
+              <a:rPr lang="en-US" altLang="ko-KR" dirty="0"/>
+              <a:t>= </a:t>
+            </a:r>
+            <a:r>
+              <a:rPr lang="ko-KR" altLang="en-US" dirty="0"/>
+              <a:t>작업 시간</a:t>
+            </a:r>
+            <a:endParaRPr lang="en-US" altLang="ko-KR" dirty="0"/>
+          </a:p>
+          <a:p>
+            <a:r>
+              <a:rPr lang="ko-KR" altLang="en-US" dirty="0"/>
+              <a:t>기존에 샘플을 추가하는 작업에 파일 입출력 과정을 추가하여 실험</a:t>
             </a:r>
           </a:p>
         </p:txBody>
@@ -3325,7 +8009,7 @@
           <p:cNvPr id="4" name="날짜 개체 틀 3">
             <a:extLst>
               <a:ext uri="{FF2B5EF4-FFF2-40B4-BE49-F238E27FC236}">
-                <a16:creationId xmlns:a16="http://schemas.microsoft.com/office/drawing/2014/main" id="{9E041F3C-770B-4872-927C-AE77D243CB90}"/>
+                <a16:creationId xmlns:a16="http://schemas.microsoft.com/office/drawing/2014/main" id="{23963E9D-54DC-458C-8BE7-252A12436C59}"/>
               </a:ext>
             </a:extLst>
           </p:cNvPr>
@@ -3336,6 +8020,952 @@
             <p:ph type="dt" sz="half" idx="10"/>
           </p:nvPr>
         </p:nvSpPr>
+        <p:spPr/>
+        <p:txBody>
+          <a:bodyPr/>
+          <a:lstStyle/>
+          <a:p>
+            <a:r>
+              <a:rPr lang="ko-KR" altLang="en-US"/>
+              <a:t>권철현</a:t>
+            </a:r>
+            <a:r>
+              <a:rPr lang="en-US" altLang="ko-KR"/>
+              <a:t>, </a:t>
+            </a:r>
+            <a:r>
+              <a:rPr lang="ko-KR" altLang="en-US"/>
+              <a:t>신재하</a:t>
+            </a:r>
+          </a:p>
+        </p:txBody>
+      </p:sp>
+      <p:sp>
+        <p:nvSpPr>
+          <p:cNvPr id="5" name="슬라이드 번호 개체 틀 4">
+            <a:extLst>
+              <a:ext uri="{FF2B5EF4-FFF2-40B4-BE49-F238E27FC236}">
+                <a16:creationId xmlns:a16="http://schemas.microsoft.com/office/drawing/2014/main" id="{5A42D99E-C13B-4CED-ACDB-E1D5D4C489B7}"/>
+              </a:ext>
+            </a:extLst>
+          </p:cNvPr>
+          <p:cNvSpPr>
+            <a:spLocks noGrp="1"/>
+          </p:cNvSpPr>
+          <p:nvPr>
+            <p:ph type="sldNum" sz="quarter" idx="12"/>
+          </p:nvPr>
+        </p:nvSpPr>
+        <p:spPr/>
+        <p:txBody>
+          <a:bodyPr/>
+          <a:lstStyle/>
+          <a:p>
+            <a:fld id="{5FF72CB3-86FB-4DBB-A7AC-E8F6F3DA156B}" type="slidenum">
+              <a:rPr lang="ko-KR" altLang="en-US" smtClean="0"/>
+              <a:pPr/>
+              <a:t>3</a:t>
+            </a:fld>
+            <a:endParaRPr lang="ko-KR" altLang="en-US"/>
+          </a:p>
+        </p:txBody>
+      </p:sp>
+    </p:spTree>
+    <p:extLst>
+      <p:ext uri="{BB962C8B-B14F-4D97-AF65-F5344CB8AC3E}">
+        <p14:creationId xmlns:p14="http://schemas.microsoft.com/office/powerpoint/2010/main" val="1021864278"/>
+      </p:ext>
+    </p:extLst>
+  </p:cSld>
+  <p:clrMapOvr>
+    <a:masterClrMapping/>
+  </p:clrMapOvr>
+</p:sld>
+</file>
+
+<file path=ppt/slides/slide4.xml><?xml version="1.0" encoding="utf-8"?>
+<p:sld xmlns:a="http://schemas.openxmlformats.org/drawingml/2006/main" xmlns:r="http://schemas.openxmlformats.org/officeDocument/2006/relationships" xmlns:p="http://schemas.openxmlformats.org/presentationml/2006/main">
+  <p:cSld>
+    <p:spTree>
+      <p:nvGrpSpPr>
+        <p:cNvPr id="1" name=""/>
+        <p:cNvGrpSpPr/>
+        <p:nvPr/>
+      </p:nvGrpSpPr>
+      <p:grpSpPr>
+        <a:xfrm>
+          <a:off x="0" y="0"/>
+          <a:ext cx="0" cy="0"/>
+          <a:chOff x="0" y="0"/>
+          <a:chExt cx="0" cy="0"/>
+        </a:xfrm>
+      </p:grpSpPr>
+      <p:sp>
+        <p:nvSpPr>
+          <p:cNvPr id="2" name="제목 1">
+            <a:extLst>
+              <a:ext uri="{FF2B5EF4-FFF2-40B4-BE49-F238E27FC236}">
+                <a16:creationId xmlns:a16="http://schemas.microsoft.com/office/drawing/2014/main" id="{50A73C56-2851-4479-AE71-00DEF9B0BA55}"/>
+              </a:ext>
+            </a:extLst>
+          </p:cNvPr>
+          <p:cNvSpPr>
+            <a:spLocks noGrp="1"/>
+          </p:cNvSpPr>
+          <p:nvPr>
+            <p:ph type="title"/>
+          </p:nvPr>
+        </p:nvSpPr>
+        <p:spPr/>
+        <p:txBody>
+          <a:bodyPr/>
+          <a:lstStyle/>
+          <a:p>
+            <a:r>
+              <a:rPr lang="ko-KR" altLang="en-US" dirty="0"/>
+              <a:t>실험 개요</a:t>
+            </a:r>
+          </a:p>
+        </p:txBody>
+      </p:sp>
+      <p:sp>
+        <p:nvSpPr>
+          <p:cNvPr id="3" name="내용 개체 틀 2">
+            <a:extLst>
+              <a:ext uri="{FF2B5EF4-FFF2-40B4-BE49-F238E27FC236}">
+                <a16:creationId xmlns:a16="http://schemas.microsoft.com/office/drawing/2014/main" id="{40DEC88D-45EB-48C4-AA64-6F14BFB25186}"/>
+              </a:ext>
+            </a:extLst>
+          </p:cNvPr>
+          <p:cNvSpPr>
+            <a:spLocks noGrp="1"/>
+          </p:cNvSpPr>
+          <p:nvPr>
+            <p:ph idx="1"/>
+          </p:nvPr>
+        </p:nvSpPr>
+        <p:spPr/>
+        <p:txBody>
+          <a:bodyPr/>
+          <a:lstStyle/>
+          <a:p>
+            <a:r>
+              <a:rPr lang="ko-KR" altLang="en-US" dirty="0"/>
+              <a:t>기존의 방식</a:t>
+            </a:r>
+            <a:endParaRPr lang="en-US" altLang="ko-KR" dirty="0"/>
+          </a:p>
+          <a:p>
+            <a:endParaRPr lang="en-US" altLang="ko-KR" dirty="0"/>
+          </a:p>
+          <a:p>
+            <a:endParaRPr lang="en-US" altLang="ko-KR" dirty="0"/>
+          </a:p>
+          <a:p>
+            <a:r>
+              <a:rPr lang="ko-KR" altLang="en-US" dirty="0"/>
+              <a:t>파일 입출력을 추가한 방식</a:t>
+            </a:r>
+            <a:endParaRPr lang="en-US" altLang="ko-KR" dirty="0"/>
+          </a:p>
+          <a:p>
+            <a:pPr marL="311400" lvl="1" indent="0">
+              <a:buNone/>
+            </a:pPr>
+            <a:r>
+              <a:rPr lang="en-US" altLang="ko-KR" dirty="0"/>
+              <a:t>	</a:t>
+            </a:r>
+          </a:p>
+          <a:p>
+            <a:pPr marL="311400" lvl="1" indent="0">
+              <a:buNone/>
+            </a:pPr>
+            <a:endParaRPr lang="en-US" altLang="ko-KR" dirty="0"/>
+          </a:p>
+          <a:p>
+            <a:pPr lvl="1"/>
+            <a:r>
+              <a:rPr lang="ko-KR" altLang="en-US" dirty="0"/>
+              <a:t>학습을 위해 파일에 쓴 데이터를 읽어와야 하기 때문에 오버헤드를 확인하기 위해 다음과 같이 실험 구성</a:t>
+            </a:r>
+          </a:p>
+        </p:txBody>
+      </p:sp>
+      <p:sp>
+        <p:nvSpPr>
+          <p:cNvPr id="4" name="날짜 개체 틀 3">
+            <a:extLst>
+              <a:ext uri="{FF2B5EF4-FFF2-40B4-BE49-F238E27FC236}">
+                <a16:creationId xmlns:a16="http://schemas.microsoft.com/office/drawing/2014/main" id="{FFC0A284-5DBA-4966-9E9E-22720EF7AC22}"/>
+              </a:ext>
+            </a:extLst>
+          </p:cNvPr>
+          <p:cNvSpPr>
+            <a:spLocks noGrp="1"/>
+          </p:cNvSpPr>
+          <p:nvPr>
+            <p:ph type="dt" sz="half" idx="10"/>
+          </p:nvPr>
+        </p:nvSpPr>
+        <p:spPr/>
+        <p:txBody>
+          <a:bodyPr/>
+          <a:lstStyle/>
+          <a:p>
+            <a:r>
+              <a:rPr lang="ko-KR" altLang="en-US"/>
+              <a:t>권철현</a:t>
+            </a:r>
+            <a:r>
+              <a:rPr lang="en-US" altLang="ko-KR"/>
+              <a:t>, </a:t>
+            </a:r>
+            <a:r>
+              <a:rPr lang="ko-KR" altLang="en-US"/>
+              <a:t>신재하</a:t>
+            </a:r>
+          </a:p>
+        </p:txBody>
+      </p:sp>
+      <p:sp>
+        <p:nvSpPr>
+          <p:cNvPr id="5" name="슬라이드 번호 개체 틀 4">
+            <a:extLst>
+              <a:ext uri="{FF2B5EF4-FFF2-40B4-BE49-F238E27FC236}">
+                <a16:creationId xmlns:a16="http://schemas.microsoft.com/office/drawing/2014/main" id="{21936D85-CB5E-44DA-83FE-06E1ACF1604E}"/>
+              </a:ext>
+            </a:extLst>
+          </p:cNvPr>
+          <p:cNvSpPr>
+            <a:spLocks noGrp="1"/>
+          </p:cNvSpPr>
+          <p:nvPr>
+            <p:ph type="sldNum" sz="quarter" idx="12"/>
+          </p:nvPr>
+        </p:nvSpPr>
+        <p:spPr/>
+        <p:txBody>
+          <a:bodyPr/>
+          <a:lstStyle/>
+          <a:p>
+            <a:fld id="{5FF72CB3-86FB-4DBB-A7AC-E8F6F3DA156B}" type="slidenum">
+              <a:rPr lang="ko-KR" altLang="en-US" smtClean="0"/>
+              <a:pPr/>
+              <a:t>4</a:t>
+            </a:fld>
+            <a:endParaRPr lang="ko-KR" altLang="en-US" dirty="0"/>
+          </a:p>
+        </p:txBody>
+      </p:sp>
+      <p:sp>
+        <p:nvSpPr>
+          <p:cNvPr id="13" name="화살표: 오른쪽 12">
+            <a:extLst>
+              <a:ext uri="{FF2B5EF4-FFF2-40B4-BE49-F238E27FC236}">
+                <a16:creationId xmlns:a16="http://schemas.microsoft.com/office/drawing/2014/main" id="{4E28200E-76DE-4C2B-80B9-A04D23A39984}"/>
+              </a:ext>
+            </a:extLst>
+          </p:cNvPr>
+          <p:cNvSpPr/>
+          <p:nvPr/>
+        </p:nvSpPr>
+        <p:spPr>
+          <a:xfrm>
+            <a:off x="2467661" y="4500283"/>
+            <a:ext cx="233082" cy="98611"/>
+          </a:xfrm>
+          <a:prstGeom prst="rightArrow">
+            <a:avLst/>
+          </a:prstGeom>
+          <a:solidFill>
+            <a:schemeClr val="accent4">
+              <a:lumMod val="50000"/>
+            </a:schemeClr>
+          </a:solidFill>
+          <a:ln>
+            <a:solidFill>
+              <a:schemeClr val="accent4">
+                <a:lumMod val="50000"/>
+              </a:schemeClr>
+            </a:solidFill>
+          </a:ln>
+        </p:spPr>
+        <p:style>
+          <a:lnRef idx="2">
+            <a:schemeClr val="dk1">
+              <a:shade val="50000"/>
+            </a:schemeClr>
+          </a:lnRef>
+          <a:fillRef idx="1">
+            <a:schemeClr val="dk1"/>
+          </a:fillRef>
+          <a:effectRef idx="0">
+            <a:schemeClr val="dk1"/>
+          </a:effectRef>
+          <a:fontRef idx="minor">
+            <a:schemeClr val="lt1"/>
+          </a:fontRef>
+        </p:style>
+        <p:txBody>
+          <a:bodyPr rtlCol="0" anchor="ctr"/>
+          <a:lstStyle/>
+          <a:p>
+            <a:pPr algn="ctr"/>
+            <a:endParaRPr lang="ko-KR" altLang="en-US"/>
+          </a:p>
+        </p:txBody>
+      </p:sp>
+      <p:sp>
+        <p:nvSpPr>
+          <p:cNvPr id="14" name="화살표: 오른쪽 13">
+            <a:extLst>
+              <a:ext uri="{FF2B5EF4-FFF2-40B4-BE49-F238E27FC236}">
+                <a16:creationId xmlns:a16="http://schemas.microsoft.com/office/drawing/2014/main" id="{5DC22D0C-41A0-4DC0-9AD4-DBA663F70E4F}"/>
+              </a:ext>
+            </a:extLst>
+          </p:cNvPr>
+          <p:cNvSpPr/>
+          <p:nvPr/>
+        </p:nvSpPr>
+        <p:spPr>
+          <a:xfrm>
+            <a:off x="4692780" y="4500283"/>
+            <a:ext cx="233082" cy="98611"/>
+          </a:xfrm>
+          <a:prstGeom prst="rightArrow">
+            <a:avLst/>
+          </a:prstGeom>
+          <a:solidFill>
+            <a:schemeClr val="accent4">
+              <a:lumMod val="50000"/>
+            </a:schemeClr>
+          </a:solidFill>
+          <a:ln>
+            <a:solidFill>
+              <a:schemeClr val="accent4">
+                <a:lumMod val="50000"/>
+              </a:schemeClr>
+            </a:solidFill>
+          </a:ln>
+        </p:spPr>
+        <p:style>
+          <a:lnRef idx="2">
+            <a:schemeClr val="dk1">
+              <a:shade val="50000"/>
+            </a:schemeClr>
+          </a:lnRef>
+          <a:fillRef idx="1">
+            <a:schemeClr val="dk1"/>
+          </a:fillRef>
+          <a:effectRef idx="0">
+            <a:schemeClr val="dk1"/>
+          </a:effectRef>
+          <a:fontRef idx="minor">
+            <a:schemeClr val="lt1"/>
+          </a:fontRef>
+        </p:style>
+        <p:txBody>
+          <a:bodyPr rtlCol="0" anchor="ctr"/>
+          <a:lstStyle/>
+          <a:p>
+            <a:pPr algn="ctr"/>
+            <a:endParaRPr lang="ko-KR" altLang="en-US"/>
+          </a:p>
+        </p:txBody>
+      </p:sp>
+      <p:sp>
+        <p:nvSpPr>
+          <p:cNvPr id="15" name="화살표: 오른쪽 14">
+            <a:extLst>
+              <a:ext uri="{FF2B5EF4-FFF2-40B4-BE49-F238E27FC236}">
+                <a16:creationId xmlns:a16="http://schemas.microsoft.com/office/drawing/2014/main" id="{BAABD7CD-0880-4494-8592-B2FEC597E2C8}"/>
+              </a:ext>
+            </a:extLst>
+          </p:cNvPr>
+          <p:cNvSpPr/>
+          <p:nvPr/>
+        </p:nvSpPr>
+        <p:spPr>
+          <a:xfrm>
+            <a:off x="6905925" y="4500283"/>
+            <a:ext cx="233082" cy="98611"/>
+          </a:xfrm>
+          <a:prstGeom prst="rightArrow">
+            <a:avLst/>
+          </a:prstGeom>
+          <a:solidFill>
+            <a:schemeClr val="accent4">
+              <a:lumMod val="50000"/>
+            </a:schemeClr>
+          </a:solidFill>
+          <a:ln>
+            <a:solidFill>
+              <a:schemeClr val="accent4">
+                <a:lumMod val="50000"/>
+              </a:schemeClr>
+            </a:solidFill>
+          </a:ln>
+        </p:spPr>
+        <p:style>
+          <a:lnRef idx="2">
+            <a:schemeClr val="dk1">
+              <a:shade val="50000"/>
+            </a:schemeClr>
+          </a:lnRef>
+          <a:fillRef idx="1">
+            <a:schemeClr val="dk1"/>
+          </a:fillRef>
+          <a:effectRef idx="0">
+            <a:schemeClr val="dk1"/>
+          </a:effectRef>
+          <a:fontRef idx="minor">
+            <a:schemeClr val="lt1"/>
+          </a:fontRef>
+        </p:style>
+        <p:txBody>
+          <a:bodyPr rtlCol="0" anchor="ctr"/>
+          <a:lstStyle/>
+          <a:p>
+            <a:pPr algn="ctr"/>
+            <a:endParaRPr lang="ko-KR" altLang="en-US"/>
+          </a:p>
+        </p:txBody>
+      </p:sp>
+      <p:sp>
+        <p:nvSpPr>
+          <p:cNvPr id="16" name="화살표: 오른쪽 15">
+            <a:extLst>
+              <a:ext uri="{FF2B5EF4-FFF2-40B4-BE49-F238E27FC236}">
+                <a16:creationId xmlns:a16="http://schemas.microsoft.com/office/drawing/2014/main" id="{B5ED99FA-09FF-4FBE-8443-333B90C2C4A8}"/>
+              </a:ext>
+            </a:extLst>
+          </p:cNvPr>
+          <p:cNvSpPr/>
+          <p:nvPr/>
+        </p:nvSpPr>
+        <p:spPr>
+          <a:xfrm>
+            <a:off x="9372444" y="4500283"/>
+            <a:ext cx="233082" cy="98611"/>
+          </a:xfrm>
+          <a:prstGeom prst="rightArrow">
+            <a:avLst/>
+          </a:prstGeom>
+          <a:solidFill>
+            <a:schemeClr val="accent4">
+              <a:lumMod val="50000"/>
+            </a:schemeClr>
+          </a:solidFill>
+          <a:ln>
+            <a:solidFill>
+              <a:schemeClr val="accent4">
+                <a:lumMod val="50000"/>
+              </a:schemeClr>
+            </a:solidFill>
+          </a:ln>
+        </p:spPr>
+        <p:style>
+          <a:lnRef idx="2">
+            <a:schemeClr val="dk1">
+              <a:shade val="50000"/>
+            </a:schemeClr>
+          </a:lnRef>
+          <a:fillRef idx="1">
+            <a:schemeClr val="dk1"/>
+          </a:fillRef>
+          <a:effectRef idx="0">
+            <a:schemeClr val="dk1"/>
+          </a:effectRef>
+          <a:fontRef idx="minor">
+            <a:schemeClr val="lt1"/>
+          </a:fontRef>
+        </p:style>
+        <p:txBody>
+          <a:bodyPr rtlCol="0" anchor="ctr"/>
+          <a:lstStyle/>
+          <a:p>
+            <a:pPr algn="ctr"/>
+            <a:endParaRPr lang="ko-KR" altLang="en-US"/>
+          </a:p>
+        </p:txBody>
+      </p:sp>
+      <p:sp>
+        <p:nvSpPr>
+          <p:cNvPr id="17" name="사각형: 둥근 모서리 16">
+            <a:extLst>
+              <a:ext uri="{FF2B5EF4-FFF2-40B4-BE49-F238E27FC236}">
+                <a16:creationId xmlns:a16="http://schemas.microsoft.com/office/drawing/2014/main" id="{AD41DBA3-660A-4854-A3CE-E9C0CAA5D0F4}"/>
+              </a:ext>
+            </a:extLst>
+          </p:cNvPr>
+          <p:cNvSpPr/>
+          <p:nvPr/>
+        </p:nvSpPr>
+        <p:spPr>
+          <a:xfrm>
+            <a:off x="466002" y="2301589"/>
+            <a:ext cx="1937354" cy="777938"/>
+          </a:xfrm>
+          <a:prstGeom prst="roundRect">
+            <a:avLst/>
+          </a:prstGeom>
+          <a:solidFill>
+            <a:schemeClr val="accent2"/>
+          </a:solidFill>
+          <a:ln>
+            <a:solidFill>
+              <a:schemeClr val="accent2"/>
+            </a:solidFill>
+          </a:ln>
+        </p:spPr>
+        <p:style>
+          <a:lnRef idx="2">
+            <a:schemeClr val="accent1">
+              <a:shade val="50000"/>
+            </a:schemeClr>
+          </a:lnRef>
+          <a:fillRef idx="1">
+            <a:schemeClr val="accent1"/>
+          </a:fillRef>
+          <a:effectRef idx="0">
+            <a:schemeClr val="accent1"/>
+          </a:effectRef>
+          <a:fontRef idx="minor">
+            <a:schemeClr val="lt1"/>
+          </a:fontRef>
+        </p:style>
+        <p:txBody>
+          <a:bodyPr rtlCol="0" anchor="ctr"/>
+          <a:lstStyle/>
+          <a:p>
+            <a:pPr algn="ctr"/>
+            <a:r>
+              <a:rPr lang="en-US" altLang="ko-KR" dirty="0" err="1"/>
+              <a:t>ArrayList</a:t>
+            </a:r>
+            <a:r>
+              <a:rPr lang="ko-KR" altLang="en-US" dirty="0"/>
+              <a:t>에 </a:t>
+            </a:r>
+            <a:endParaRPr lang="en-US" altLang="ko-KR" dirty="0"/>
+          </a:p>
+          <a:p>
+            <a:pPr algn="ctr"/>
+            <a:r>
+              <a:rPr lang="en-US" altLang="ko-KR" dirty="0"/>
+              <a:t>float </a:t>
+            </a:r>
+            <a:r>
+              <a:rPr lang="ko-KR" altLang="en-US" dirty="0"/>
+              <a:t>배열 추가 </a:t>
+            </a:r>
+          </a:p>
+        </p:txBody>
+      </p:sp>
+      <p:sp>
+        <p:nvSpPr>
+          <p:cNvPr id="18" name="사각형: 둥근 모서리 17">
+            <a:extLst>
+              <a:ext uri="{FF2B5EF4-FFF2-40B4-BE49-F238E27FC236}">
+                <a16:creationId xmlns:a16="http://schemas.microsoft.com/office/drawing/2014/main" id="{514D66B6-8DD2-4AE5-8338-5E614D735016}"/>
+              </a:ext>
+            </a:extLst>
+          </p:cNvPr>
+          <p:cNvSpPr/>
+          <p:nvPr/>
+        </p:nvSpPr>
+        <p:spPr>
+          <a:xfrm>
+            <a:off x="466002" y="4160619"/>
+            <a:ext cx="1937354" cy="777938"/>
+          </a:xfrm>
+          <a:prstGeom prst="roundRect">
+            <a:avLst/>
+          </a:prstGeom>
+          <a:solidFill>
+            <a:schemeClr val="accent2"/>
+          </a:solidFill>
+          <a:ln>
+            <a:solidFill>
+              <a:schemeClr val="accent2"/>
+            </a:solidFill>
+          </a:ln>
+        </p:spPr>
+        <p:style>
+          <a:lnRef idx="2">
+            <a:schemeClr val="accent1">
+              <a:shade val="50000"/>
+            </a:schemeClr>
+          </a:lnRef>
+          <a:fillRef idx="1">
+            <a:schemeClr val="accent1"/>
+          </a:fillRef>
+          <a:effectRef idx="0">
+            <a:schemeClr val="accent1"/>
+          </a:effectRef>
+          <a:fontRef idx="minor">
+            <a:schemeClr val="lt1"/>
+          </a:fontRef>
+        </p:style>
+        <p:txBody>
+          <a:bodyPr rtlCol="0" anchor="ctr"/>
+          <a:lstStyle/>
+          <a:p>
+            <a:pPr algn="ctr"/>
+            <a:r>
+              <a:rPr lang="en-US" altLang="ko-KR" dirty="0"/>
+              <a:t>float </a:t>
+            </a:r>
+            <a:r>
+              <a:rPr lang="ko-KR" altLang="en-US" dirty="0"/>
+              <a:t>배열 </a:t>
+            </a:r>
+            <a:endParaRPr lang="en-US" altLang="ko-KR" dirty="0"/>
+          </a:p>
+          <a:p>
+            <a:pPr algn="ctr"/>
+            <a:r>
+              <a:rPr lang="en-US" altLang="ko-KR" dirty="0"/>
+              <a:t>String</a:t>
+            </a:r>
+            <a:r>
+              <a:rPr lang="ko-KR" altLang="en-US" dirty="0"/>
+              <a:t>으로 변환</a:t>
+            </a:r>
+          </a:p>
+        </p:txBody>
+      </p:sp>
+      <p:sp>
+        <p:nvSpPr>
+          <p:cNvPr id="19" name="사각형: 둥근 모서리 18">
+            <a:extLst>
+              <a:ext uri="{FF2B5EF4-FFF2-40B4-BE49-F238E27FC236}">
+                <a16:creationId xmlns:a16="http://schemas.microsoft.com/office/drawing/2014/main" id="{E974C377-F11F-4B8E-A515-F01511A4CE92}"/>
+              </a:ext>
+            </a:extLst>
+          </p:cNvPr>
+          <p:cNvSpPr/>
+          <p:nvPr/>
+        </p:nvSpPr>
+        <p:spPr>
+          <a:xfrm>
+            <a:off x="2751677" y="4160619"/>
+            <a:ext cx="1852759" cy="777938"/>
+          </a:xfrm>
+          <a:prstGeom prst="roundRect">
+            <a:avLst/>
+          </a:prstGeom>
+          <a:solidFill>
+            <a:schemeClr val="accent2"/>
+          </a:solidFill>
+          <a:ln>
+            <a:solidFill>
+              <a:schemeClr val="accent2"/>
+            </a:solidFill>
+          </a:ln>
+        </p:spPr>
+        <p:style>
+          <a:lnRef idx="2">
+            <a:schemeClr val="accent1">
+              <a:shade val="50000"/>
+            </a:schemeClr>
+          </a:lnRef>
+          <a:fillRef idx="1">
+            <a:schemeClr val="accent1"/>
+          </a:fillRef>
+          <a:effectRef idx="0">
+            <a:schemeClr val="accent1"/>
+          </a:effectRef>
+          <a:fontRef idx="minor">
+            <a:schemeClr val="lt1"/>
+          </a:fontRef>
+        </p:style>
+        <p:txBody>
+          <a:bodyPr rtlCol="0" anchor="ctr"/>
+          <a:lstStyle/>
+          <a:p>
+            <a:pPr algn="ctr"/>
+            <a:r>
+              <a:rPr lang="ko-KR" altLang="en-US" dirty="0"/>
+              <a:t>파일에 쓰기 </a:t>
+            </a:r>
+          </a:p>
+        </p:txBody>
+      </p:sp>
+      <p:sp>
+        <p:nvSpPr>
+          <p:cNvPr id="20" name="사각형: 둥근 모서리 19">
+            <a:extLst>
+              <a:ext uri="{FF2B5EF4-FFF2-40B4-BE49-F238E27FC236}">
+                <a16:creationId xmlns:a16="http://schemas.microsoft.com/office/drawing/2014/main" id="{7206161C-8F9F-4E7E-A090-CDD6387A69F9}"/>
+              </a:ext>
+            </a:extLst>
+          </p:cNvPr>
+          <p:cNvSpPr/>
+          <p:nvPr/>
+        </p:nvSpPr>
+        <p:spPr>
+          <a:xfrm>
+            <a:off x="4977536" y="4160619"/>
+            <a:ext cx="1852759" cy="777938"/>
+          </a:xfrm>
+          <a:prstGeom prst="roundRect">
+            <a:avLst/>
+          </a:prstGeom>
+          <a:solidFill>
+            <a:schemeClr val="accent2"/>
+          </a:solidFill>
+          <a:ln>
+            <a:solidFill>
+              <a:schemeClr val="accent2"/>
+            </a:solidFill>
+          </a:ln>
+        </p:spPr>
+        <p:style>
+          <a:lnRef idx="2">
+            <a:schemeClr val="accent1">
+              <a:shade val="50000"/>
+            </a:schemeClr>
+          </a:lnRef>
+          <a:fillRef idx="1">
+            <a:schemeClr val="accent1"/>
+          </a:fillRef>
+          <a:effectRef idx="0">
+            <a:schemeClr val="accent1"/>
+          </a:effectRef>
+          <a:fontRef idx="minor">
+            <a:schemeClr val="lt1"/>
+          </a:fontRef>
+        </p:style>
+        <p:txBody>
+          <a:bodyPr rtlCol="0" anchor="ctr"/>
+          <a:lstStyle/>
+          <a:p>
+            <a:pPr algn="ctr"/>
+            <a:r>
+              <a:rPr lang="ko-KR" altLang="en-US" dirty="0"/>
+              <a:t>파일 읽기</a:t>
+            </a:r>
+          </a:p>
+        </p:txBody>
+      </p:sp>
+      <p:sp>
+        <p:nvSpPr>
+          <p:cNvPr id="21" name="사각형: 둥근 모서리 20">
+            <a:extLst>
+              <a:ext uri="{FF2B5EF4-FFF2-40B4-BE49-F238E27FC236}">
+                <a16:creationId xmlns:a16="http://schemas.microsoft.com/office/drawing/2014/main" id="{7765AB2E-83DB-448B-BCDE-E40C2B9FA9B5}"/>
+              </a:ext>
+            </a:extLst>
+          </p:cNvPr>
+          <p:cNvSpPr/>
+          <p:nvPr/>
+        </p:nvSpPr>
+        <p:spPr>
+          <a:xfrm>
+            <a:off x="7172751" y="4160619"/>
+            <a:ext cx="2139794" cy="777938"/>
+          </a:xfrm>
+          <a:prstGeom prst="roundRect">
+            <a:avLst/>
+          </a:prstGeom>
+          <a:solidFill>
+            <a:schemeClr val="accent2"/>
+          </a:solidFill>
+          <a:ln>
+            <a:solidFill>
+              <a:schemeClr val="accent2"/>
+            </a:solidFill>
+          </a:ln>
+        </p:spPr>
+        <p:style>
+          <a:lnRef idx="2">
+            <a:schemeClr val="accent1">
+              <a:shade val="50000"/>
+            </a:schemeClr>
+          </a:lnRef>
+          <a:fillRef idx="1">
+            <a:schemeClr val="accent1"/>
+          </a:fillRef>
+          <a:effectRef idx="0">
+            <a:schemeClr val="accent1"/>
+          </a:effectRef>
+          <a:fontRef idx="minor">
+            <a:schemeClr val="lt1"/>
+          </a:fontRef>
+        </p:style>
+        <p:txBody>
+          <a:bodyPr rtlCol="0" anchor="ctr"/>
+          <a:lstStyle/>
+          <a:p>
+            <a:pPr algn="ctr"/>
+            <a:r>
+              <a:rPr lang="en-US" altLang="ko-KR" dirty="0"/>
+              <a:t>String </a:t>
+            </a:r>
+            <a:r>
+              <a:rPr lang="ko-KR" altLang="en-US" dirty="0"/>
+              <a:t>데이터</a:t>
+            </a:r>
+            <a:endParaRPr lang="en-US" altLang="ko-KR" dirty="0"/>
+          </a:p>
+          <a:p>
+            <a:pPr algn="ctr"/>
+            <a:r>
+              <a:rPr lang="en-US" altLang="ko-KR" dirty="0"/>
+              <a:t>float </a:t>
+            </a:r>
+            <a:r>
+              <a:rPr lang="ko-KR" altLang="en-US" dirty="0"/>
+              <a:t>배열로 변환</a:t>
+            </a:r>
+          </a:p>
+        </p:txBody>
+      </p:sp>
+      <p:sp>
+        <p:nvSpPr>
+          <p:cNvPr id="22" name="사각형: 둥근 모서리 21">
+            <a:extLst>
+              <a:ext uri="{FF2B5EF4-FFF2-40B4-BE49-F238E27FC236}">
+                <a16:creationId xmlns:a16="http://schemas.microsoft.com/office/drawing/2014/main" id="{9E14E8EC-2BF7-4D5E-873D-99EB1B877C8D}"/>
+              </a:ext>
+            </a:extLst>
+          </p:cNvPr>
+          <p:cNvSpPr/>
+          <p:nvPr/>
+        </p:nvSpPr>
+        <p:spPr>
+          <a:xfrm>
+            <a:off x="9665425" y="4160619"/>
+            <a:ext cx="2139794" cy="777938"/>
+          </a:xfrm>
+          <a:prstGeom prst="roundRect">
+            <a:avLst/>
+          </a:prstGeom>
+          <a:solidFill>
+            <a:schemeClr val="accent2"/>
+          </a:solidFill>
+          <a:ln>
+            <a:solidFill>
+              <a:schemeClr val="accent2"/>
+            </a:solidFill>
+          </a:ln>
+        </p:spPr>
+        <p:style>
+          <a:lnRef idx="2">
+            <a:schemeClr val="accent1">
+              <a:shade val="50000"/>
+            </a:schemeClr>
+          </a:lnRef>
+          <a:fillRef idx="1">
+            <a:schemeClr val="accent1"/>
+          </a:fillRef>
+          <a:effectRef idx="0">
+            <a:schemeClr val="accent1"/>
+          </a:effectRef>
+          <a:fontRef idx="minor">
+            <a:schemeClr val="lt1"/>
+          </a:fontRef>
+        </p:style>
+        <p:txBody>
+          <a:bodyPr rtlCol="0" anchor="ctr"/>
+          <a:lstStyle/>
+          <a:p>
+            <a:pPr algn="ctr"/>
+            <a:r>
+              <a:rPr lang="en-US" altLang="ko-KR" dirty="0" err="1"/>
+              <a:t>ArrayList</a:t>
+            </a:r>
+            <a:r>
+              <a:rPr lang="ko-KR" altLang="en-US" dirty="0"/>
+              <a:t>에 추가 </a:t>
+            </a:r>
+          </a:p>
+        </p:txBody>
+      </p:sp>
+    </p:spTree>
+    <p:extLst>
+      <p:ext uri="{BB962C8B-B14F-4D97-AF65-F5344CB8AC3E}">
+        <p14:creationId xmlns:p14="http://schemas.microsoft.com/office/powerpoint/2010/main" val="1261614917"/>
+      </p:ext>
+    </p:extLst>
+  </p:cSld>
+  <p:clrMapOvr>
+    <a:masterClrMapping/>
+  </p:clrMapOvr>
+</p:sld>
+</file>
+
+<file path=ppt/slides/slide5.xml><?xml version="1.0" encoding="utf-8"?>
+<p:sld xmlns:a="http://schemas.openxmlformats.org/drawingml/2006/main" xmlns:r="http://schemas.openxmlformats.org/officeDocument/2006/relationships" xmlns:p="http://schemas.openxmlformats.org/presentationml/2006/main">
+  <p:cSld>
+    <p:spTree>
+      <p:nvGrpSpPr>
+        <p:cNvPr id="1" name=""/>
+        <p:cNvGrpSpPr/>
+        <p:nvPr/>
+      </p:nvGrpSpPr>
+      <p:grpSpPr>
+        <a:xfrm>
+          <a:off x="0" y="0"/>
+          <a:ext cx="0" cy="0"/>
+          <a:chOff x="0" y="0"/>
+          <a:chExt cx="0" cy="0"/>
+        </a:xfrm>
+      </p:grpSpPr>
+      <p:sp>
+        <p:nvSpPr>
+          <p:cNvPr id="3" name="내용 개체 틀 2">
+            <a:extLst>
+              <a:ext uri="{FF2B5EF4-FFF2-40B4-BE49-F238E27FC236}">
+                <a16:creationId xmlns:a16="http://schemas.microsoft.com/office/drawing/2014/main" id="{1E987F31-A740-40E7-9224-6E9FC1CE0527}"/>
+              </a:ext>
+            </a:extLst>
+          </p:cNvPr>
+          <p:cNvSpPr>
+            <a:spLocks noGrp="1"/>
+          </p:cNvSpPr>
+          <p:nvPr>
+            <p:ph idx="1"/>
+          </p:nvPr>
+        </p:nvSpPr>
+        <p:spPr/>
+        <p:txBody>
+          <a:bodyPr/>
+          <a:lstStyle/>
+          <a:p>
+            <a:r>
+              <a:rPr lang="en-US" altLang="ko-KR" dirty="0" err="1"/>
+              <a:t>Calendar.getInstance</a:t>
+            </a:r>
+            <a:r>
+              <a:rPr lang="en-US" altLang="ko-KR" dirty="0"/>
+              <a:t>()</a:t>
+            </a:r>
+            <a:r>
+              <a:rPr lang="ko-KR" altLang="en-US" dirty="0"/>
+              <a:t>를 사용하여 현재 시간 측정</a:t>
+            </a:r>
+          </a:p>
+        </p:txBody>
+      </p:sp>
+      <p:sp>
+        <p:nvSpPr>
+          <p:cNvPr id="4" name="날짜 개체 틀 3">
+            <a:extLst>
+              <a:ext uri="{FF2B5EF4-FFF2-40B4-BE49-F238E27FC236}">
+                <a16:creationId xmlns:a16="http://schemas.microsoft.com/office/drawing/2014/main" id="{9E041F3C-770B-4872-927C-AE77D243CB90}"/>
+              </a:ext>
+            </a:extLst>
+          </p:cNvPr>
+          <p:cNvSpPr>
+            <a:spLocks noGrp="1"/>
+          </p:cNvSpPr>
+          <p:nvPr>
+            <p:ph type="dt" sz="half" idx="10"/>
+          </p:nvPr>
+        </p:nvSpPr>
         <p:spPr>
           <a:xfrm>
             <a:off x="0" y="6470805"/>
@@ -3385,7 +9015,7 @@
             <a:fld id="{5FF72CB3-86FB-4DBB-A7AC-E8F6F3DA156B}" type="slidenum">
               <a:rPr lang="ko-KR" altLang="en-US" smtClean="0"/>
               <a:pPr/>
-              <a:t>3</a:t>
+              <a:t>5</a:t>
             </a:fld>
             <a:endParaRPr lang="ko-KR" altLang="en-US"/>
           </a:p>
@@ -3566,7 +9196,7 @@
 </p:sld>
 </file>
 
-<file path=ppt/slides/slide4.xml><?xml version="1.0" encoding="utf-8"?>
+<file path=ppt/slides/slide6.xml><?xml version="1.0" encoding="utf-8"?>
 <p:sld xmlns:a="http://schemas.openxmlformats.org/drawingml/2006/main" xmlns:r="http://schemas.openxmlformats.org/officeDocument/2006/relationships" xmlns:p="http://schemas.openxmlformats.org/presentationml/2006/main">
   <p:cSld>
     <p:spTree>
@@ -3743,7 +9373,7 @@
             <a:fld id="{5FF72CB3-86FB-4DBB-A7AC-E8F6F3DA156B}" type="slidenum">
               <a:rPr lang="ko-KR" altLang="en-US" smtClean="0"/>
               <a:pPr/>
-              <a:t>4</a:t>
+              <a:t>6</a:t>
             </a:fld>
             <a:endParaRPr lang="ko-KR" altLang="en-US"/>
           </a:p>
@@ -4250,7 +9880,7 @@
 </p:sld>
 </file>
 
-<file path=ppt/slides/slide5.xml><?xml version="1.0" encoding="utf-8"?>
+<file path=ppt/slides/slide7.xml><?xml version="1.0" encoding="utf-8"?>
 <p:sld xmlns:a="http://schemas.openxmlformats.org/drawingml/2006/main" xmlns:r="http://schemas.openxmlformats.org/officeDocument/2006/relationships" xmlns:p="http://schemas.openxmlformats.org/presentationml/2006/main">
   <p:cSld>
     <p:spTree>
@@ -4290,7 +9920,7 @@
           <a:p>
             <a:r>
               <a:rPr lang="ko-KR" altLang="en-US" dirty="0"/>
-              <a:t>파일 입출력 작업 추가 소요시간</a:t>
+              <a:t>파일 입출력 작업 추가</a:t>
             </a:r>
           </a:p>
         </p:txBody>
@@ -4318,6 +9948,14 @@
           <a:p>
             <a:r>
               <a:rPr lang="ko-KR" altLang="en-US" dirty="0"/>
+              <a:t>파일 입출력으로 인한 오버헤드를 확인하기 위해 실험</a:t>
+            </a:r>
+            <a:endParaRPr lang="en-US" altLang="ko-KR" dirty="0"/>
+          </a:p>
+          <a:p>
+            <a:pPr lvl="1"/>
+            <a:r>
+              <a:rPr lang="ko-KR" altLang="en-US" dirty="0"/>
               <a:t>훈련 샘플 추가에 필요한 데이터를 </a:t>
             </a:r>
             <a:r>
@@ -4330,13 +9968,11 @@
             </a:r>
             <a:r>
               <a:rPr lang="en-US" altLang="ko-KR" dirty="0"/>
-              <a:t>write</a:t>
-            </a:r>
-          </a:p>
-          <a:p>
+              <a:t>write </a:t>
+            </a:r>
             <a:r>
               <a:rPr lang="ko-KR" altLang="en-US" dirty="0"/>
-              <a:t>해당 파일을 다시 </a:t>
+              <a:t>하고 해당 파일을 다시 </a:t>
             </a:r>
             <a:r>
               <a:rPr lang="en-US" altLang="ko-KR" dirty="0"/>
@@ -4406,7 +10042,7 @@
             <a:fld id="{5FF72CB3-86FB-4DBB-A7AC-E8F6F3DA156B}" type="slidenum">
               <a:rPr lang="ko-KR" altLang="en-US" smtClean="0"/>
               <a:pPr/>
-              <a:t>5</a:t>
+              <a:t>7</a:t>
             </a:fld>
             <a:endParaRPr lang="ko-KR" altLang="en-US"/>
           </a:p>
@@ -4434,8 +10070,8 @@
         </p:blipFill>
         <p:spPr>
           <a:xfrm>
-            <a:off x="309492" y="3212845"/>
-            <a:ext cx="5529072" cy="3010918"/>
+            <a:off x="309491" y="2926201"/>
+            <a:ext cx="6055449" cy="3297562"/>
           </a:xfrm>
           <a:prstGeom prst="rect">
             <a:avLst/>
@@ -4455,7 +10091,7 @@
 </p:sld>
 </file>
 
-<file path=ppt/slides/slide6.xml><?xml version="1.0" encoding="utf-8"?>
+<file path=ppt/slides/slide8.xml><?xml version="1.0" encoding="utf-8"?>
 <p:sld xmlns:a="http://schemas.openxmlformats.org/drawingml/2006/main" xmlns:r="http://schemas.openxmlformats.org/officeDocument/2006/relationships" xmlns:p="http://schemas.openxmlformats.org/presentationml/2006/main">
   <p:cSld>
     <p:spTree>
@@ -4495,7 +10131,7 @@
           <a:p>
             <a:r>
               <a:rPr lang="ko-KR" altLang="en-US" dirty="0"/>
-              <a:t>파일 입출력 작업 추가 소요시간</a:t>
+              <a:t>파일 입출력 작업 추가</a:t>
             </a:r>
           </a:p>
         </p:txBody>
@@ -4553,8 +10189,8 @@
               <a:t>변환 후 기존의 </a:t>
             </a:r>
             <a:r>
-              <a:rPr lang="en-US" altLang="ko-KR" dirty="0"/>
-              <a:t>list</a:t>
+              <a:rPr lang="en-US" altLang="ko-KR" dirty="0" err="1"/>
+              <a:t>ArrayList</a:t>
             </a:r>
             <a:r>
               <a:rPr lang="ko-KR" altLang="en-US" dirty="0"/>
@@ -4630,7 +10266,7 @@
             <a:fld id="{5FF72CB3-86FB-4DBB-A7AC-E8F6F3DA156B}" type="slidenum">
               <a:rPr lang="ko-KR" altLang="en-US" smtClean="0"/>
               <a:pPr/>
-              <a:t>6</a:t>
+              <a:t>8</a:t>
             </a:fld>
             <a:endParaRPr lang="ko-KR" altLang="en-US"/>
           </a:p>
@@ -4731,7 +10367,7 @@
 </p:sld>
 </file>
 
-<file path=ppt/slides/slide7.xml><?xml version="1.0" encoding="utf-8"?>
+<file path=ppt/slides/slide9.xml><?xml version="1.0" encoding="utf-8"?>
 <p:sld xmlns:a="http://schemas.openxmlformats.org/drawingml/2006/main" xmlns:r="http://schemas.openxmlformats.org/officeDocument/2006/relationships" xmlns:p="http://schemas.openxmlformats.org/presentationml/2006/main">
   <p:cSld>
     <p:spTree>
@@ -4915,7 +10551,7 @@
             <a:fld id="{5FF72CB3-86FB-4DBB-A7AC-E8F6F3DA156B}" type="slidenum">
               <a:rPr lang="ko-KR" altLang="en-US" smtClean="0"/>
               <a:pPr/>
-              <a:t>7</a:t>
+              <a:t>9</a:t>
             </a:fld>
             <a:endParaRPr lang="ko-KR" altLang="en-US"/>
           </a:p>
@@ -5413,364 +11049,6 @@
     <p:extLst>
       <p:ext uri="{BB962C8B-B14F-4D97-AF65-F5344CB8AC3E}">
         <p14:creationId xmlns:p14="http://schemas.microsoft.com/office/powerpoint/2010/main" val="1712272607"/>
-      </p:ext>
-    </p:extLst>
-  </p:cSld>
-  <p:clrMapOvr>
-    <a:masterClrMapping/>
-  </p:clrMapOvr>
-</p:sld>
-</file>
-
-<file path=ppt/slides/slide8.xml><?xml version="1.0" encoding="utf-8"?>
-<p:sld xmlns:a="http://schemas.openxmlformats.org/drawingml/2006/main" xmlns:r="http://schemas.openxmlformats.org/officeDocument/2006/relationships" xmlns:p="http://schemas.openxmlformats.org/presentationml/2006/main">
-  <p:cSld>
-    <p:spTree>
-      <p:nvGrpSpPr>
-        <p:cNvPr id="1" name=""/>
-        <p:cNvGrpSpPr/>
-        <p:nvPr/>
-      </p:nvGrpSpPr>
-      <p:grpSpPr>
-        <a:xfrm>
-          <a:off x="0" y="0"/>
-          <a:ext cx="0" cy="0"/>
-          <a:chOff x="0" y="0"/>
-          <a:chExt cx="0" cy="0"/>
-        </a:xfrm>
-      </p:grpSpPr>
-      <p:sp>
-        <p:nvSpPr>
-          <p:cNvPr id="2" name="제목 1">
-            <a:extLst>
-              <a:ext uri="{FF2B5EF4-FFF2-40B4-BE49-F238E27FC236}">
-                <a16:creationId xmlns:a16="http://schemas.microsoft.com/office/drawing/2014/main" id="{411A31A2-6DB3-4686-81EE-5C6D474EC1A2}"/>
-              </a:ext>
-            </a:extLst>
-          </p:cNvPr>
-          <p:cNvSpPr>
-            <a:spLocks noGrp="1"/>
-          </p:cNvSpPr>
-          <p:nvPr>
-            <p:ph type="title"/>
-          </p:nvPr>
-        </p:nvSpPr>
-        <p:spPr/>
-        <p:txBody>
-          <a:bodyPr/>
-          <a:lstStyle/>
-          <a:p>
-            <a:r>
-              <a:rPr lang="ko-KR" altLang="en-US" dirty="0"/>
-              <a:t>실험 결과</a:t>
-            </a:r>
-          </a:p>
-        </p:txBody>
-      </p:sp>
-      <p:sp>
-        <p:nvSpPr>
-          <p:cNvPr id="3" name="내용 개체 틀 2">
-            <a:extLst>
-              <a:ext uri="{FF2B5EF4-FFF2-40B4-BE49-F238E27FC236}">
-                <a16:creationId xmlns:a16="http://schemas.microsoft.com/office/drawing/2014/main" id="{000A7715-1525-42B2-810D-0B4D1A1CC6C5}"/>
-              </a:ext>
-            </a:extLst>
-          </p:cNvPr>
-          <p:cNvSpPr>
-            <a:spLocks noGrp="1"/>
-          </p:cNvSpPr>
-          <p:nvPr>
-            <p:ph idx="1"/>
-          </p:nvPr>
-        </p:nvSpPr>
-        <p:spPr/>
-        <p:txBody>
-          <a:bodyPr/>
-          <a:lstStyle/>
-          <a:p>
-            <a:r>
-              <a:rPr lang="ko-KR" altLang="en-US" dirty="0"/>
-              <a:t>훈련 샘플을 추가하는데 약 </a:t>
-            </a:r>
-            <a:r>
-              <a:rPr lang="en-US" altLang="ko-KR" dirty="0"/>
-              <a:t>0.0001</a:t>
-            </a:r>
-            <a:r>
-              <a:rPr lang="ko-KR" altLang="en-US" dirty="0"/>
-              <a:t>초 소요</a:t>
-            </a:r>
-            <a:endParaRPr lang="en-US" altLang="ko-KR" dirty="0"/>
-          </a:p>
-          <a:p>
-            <a:r>
-              <a:rPr lang="ko-KR" altLang="en-US" dirty="0"/>
-              <a:t>파일 입출력 과정 후 샘플 추가에 약 </a:t>
-            </a:r>
-            <a:r>
-              <a:rPr lang="en-US" altLang="ko-KR" dirty="0"/>
-              <a:t>0.1767</a:t>
-            </a:r>
-            <a:r>
-              <a:rPr lang="ko-KR" altLang="en-US" dirty="0"/>
-              <a:t>초 소요</a:t>
-            </a:r>
-            <a:endParaRPr lang="en-US" altLang="ko-KR" dirty="0"/>
-          </a:p>
-          <a:p>
-            <a:r>
-              <a:rPr lang="ko-KR" altLang="en-US" dirty="0"/>
-              <a:t>한 개의 샘플 당 약 </a:t>
-            </a:r>
-            <a:r>
-              <a:rPr lang="en-US" altLang="ko-KR" dirty="0"/>
-              <a:t>0.1766</a:t>
-            </a:r>
-            <a:r>
-              <a:rPr lang="ko-KR" altLang="en-US" dirty="0"/>
-              <a:t>초</a:t>
-            </a:r>
-            <a:r>
-              <a:rPr lang="en-US" altLang="ko-KR" dirty="0"/>
-              <a:t> </a:t>
-            </a:r>
-            <a:r>
-              <a:rPr lang="ko-KR" altLang="en-US" dirty="0"/>
-              <a:t>추가 소요</a:t>
-            </a:r>
-            <a:endParaRPr lang="en-US" altLang="ko-KR" dirty="0"/>
-          </a:p>
-          <a:p>
-            <a:r>
-              <a:rPr lang="en-US" altLang="ko-KR" dirty="0"/>
-              <a:t>60,000</a:t>
-            </a:r>
-            <a:r>
-              <a:rPr lang="ko-KR" altLang="en-US" dirty="0"/>
-              <a:t>장의 </a:t>
-            </a:r>
-            <a:r>
-              <a:rPr lang="en-US" altLang="ko-KR" dirty="0" err="1"/>
-              <a:t>mnist</a:t>
-            </a:r>
-            <a:r>
-              <a:rPr lang="en-US" altLang="ko-KR" dirty="0"/>
-              <a:t> </a:t>
-            </a:r>
-            <a:r>
-              <a:rPr lang="ko-KR" altLang="en-US" dirty="0"/>
-              <a:t>데이터셋을 추가 시</a:t>
-            </a:r>
-            <a:r>
-              <a:rPr lang="en-US" altLang="ko-KR" dirty="0"/>
-              <a:t>, </a:t>
-            </a:r>
-            <a:r>
-              <a:rPr lang="ko-KR" altLang="en-US" dirty="0"/>
-              <a:t>약 </a:t>
-            </a:r>
-            <a:r>
-              <a:rPr lang="en-US" altLang="ko-KR" dirty="0"/>
-              <a:t>10,596</a:t>
-            </a:r>
-            <a:r>
-              <a:rPr lang="ko-KR" altLang="en-US" dirty="0"/>
-              <a:t>초</a:t>
-            </a:r>
-            <a:r>
-              <a:rPr lang="en-US" altLang="ko-KR" dirty="0"/>
-              <a:t>(</a:t>
-            </a:r>
-            <a:r>
-              <a:rPr lang="ko-KR" altLang="en-US" dirty="0"/>
-              <a:t>약 </a:t>
-            </a:r>
-            <a:r>
-              <a:rPr lang="en-US" altLang="ko-KR" dirty="0"/>
-              <a:t>3</a:t>
-            </a:r>
-            <a:r>
-              <a:rPr lang="ko-KR" altLang="en-US" dirty="0"/>
-              <a:t>시간</a:t>
-            </a:r>
-            <a:r>
-              <a:rPr lang="en-US" altLang="ko-KR" dirty="0"/>
-              <a:t>)</a:t>
-            </a:r>
-            <a:r>
-              <a:rPr lang="ko-KR" altLang="en-US" dirty="0"/>
-              <a:t> 소요 예상</a:t>
-            </a:r>
-          </a:p>
-        </p:txBody>
-      </p:sp>
-      <p:sp>
-        <p:nvSpPr>
-          <p:cNvPr id="4" name="날짜 개체 틀 3">
-            <a:extLst>
-              <a:ext uri="{FF2B5EF4-FFF2-40B4-BE49-F238E27FC236}">
-                <a16:creationId xmlns:a16="http://schemas.microsoft.com/office/drawing/2014/main" id="{23963E9D-54DC-458C-8BE7-252A12436C59}"/>
-              </a:ext>
-            </a:extLst>
-          </p:cNvPr>
-          <p:cNvSpPr>
-            <a:spLocks noGrp="1"/>
-          </p:cNvSpPr>
-          <p:nvPr>
-            <p:ph type="dt" sz="half" idx="10"/>
-          </p:nvPr>
-        </p:nvSpPr>
-        <p:spPr/>
-        <p:txBody>
-          <a:bodyPr/>
-          <a:lstStyle/>
-          <a:p>
-            <a:r>
-              <a:rPr lang="ko-KR" altLang="en-US"/>
-              <a:t>권철현</a:t>
-            </a:r>
-            <a:r>
-              <a:rPr lang="en-US" altLang="ko-KR"/>
-              <a:t>, </a:t>
-            </a:r>
-            <a:r>
-              <a:rPr lang="ko-KR" altLang="en-US"/>
-              <a:t>신재하</a:t>
-            </a:r>
-          </a:p>
-        </p:txBody>
-      </p:sp>
-      <p:sp>
-        <p:nvSpPr>
-          <p:cNvPr id="5" name="슬라이드 번호 개체 틀 4">
-            <a:extLst>
-              <a:ext uri="{FF2B5EF4-FFF2-40B4-BE49-F238E27FC236}">
-                <a16:creationId xmlns:a16="http://schemas.microsoft.com/office/drawing/2014/main" id="{5A42D99E-C13B-4CED-ACDB-E1D5D4C489B7}"/>
-              </a:ext>
-            </a:extLst>
-          </p:cNvPr>
-          <p:cNvSpPr>
-            <a:spLocks noGrp="1"/>
-          </p:cNvSpPr>
-          <p:nvPr>
-            <p:ph type="sldNum" sz="quarter" idx="12"/>
-          </p:nvPr>
-        </p:nvSpPr>
-        <p:spPr/>
-        <p:txBody>
-          <a:bodyPr/>
-          <a:lstStyle/>
-          <a:p>
-            <a:fld id="{5FF72CB3-86FB-4DBB-A7AC-E8F6F3DA156B}" type="slidenum">
-              <a:rPr lang="ko-KR" altLang="en-US" smtClean="0"/>
-              <a:pPr/>
-              <a:t>8</a:t>
-            </a:fld>
-            <a:endParaRPr lang="ko-KR" altLang="en-US"/>
-          </a:p>
-        </p:txBody>
-      </p:sp>
-    </p:spTree>
-    <p:extLst>
-      <p:ext uri="{BB962C8B-B14F-4D97-AF65-F5344CB8AC3E}">
-        <p14:creationId xmlns:p14="http://schemas.microsoft.com/office/powerpoint/2010/main" val="2124383057"/>
-      </p:ext>
-    </p:extLst>
-  </p:cSld>
-  <p:clrMapOvr>
-    <a:masterClrMapping/>
-  </p:clrMapOvr>
-</p:sld>
-</file>
-
-<file path=ppt/slides/slide9.xml><?xml version="1.0" encoding="utf-8"?>
-<p:sld xmlns:a="http://schemas.openxmlformats.org/drawingml/2006/main" xmlns:r="http://schemas.openxmlformats.org/officeDocument/2006/relationships" xmlns:p="http://schemas.openxmlformats.org/presentationml/2006/main">
-  <p:cSld>
-    <p:spTree>
-      <p:nvGrpSpPr>
-        <p:cNvPr id="1" name=""/>
-        <p:cNvGrpSpPr/>
-        <p:nvPr/>
-      </p:nvGrpSpPr>
-      <p:grpSpPr>
-        <a:xfrm>
-          <a:off x="0" y="0"/>
-          <a:ext cx="0" cy="0"/>
-          <a:chOff x="0" y="0"/>
-          <a:chExt cx="0" cy="0"/>
-        </a:xfrm>
-      </p:grpSpPr>
-      <p:sp>
-        <p:nvSpPr>
-          <p:cNvPr id="8" name="제목 7">
-            <a:extLst>
-              <a:ext uri="{FF2B5EF4-FFF2-40B4-BE49-F238E27FC236}">
-                <a16:creationId xmlns:a16="http://schemas.microsoft.com/office/drawing/2014/main" id="{69B292E9-37A2-4AD7-84B5-A8BE80BDBEC1}"/>
-              </a:ext>
-            </a:extLst>
-          </p:cNvPr>
-          <p:cNvSpPr>
-            <a:spLocks noGrp="1"/>
-          </p:cNvSpPr>
-          <p:nvPr>
-            <p:ph type="ctrTitle"/>
-          </p:nvPr>
-        </p:nvSpPr>
-        <p:spPr>
-          <a:xfrm>
-            <a:off x="1524000" y="2219105"/>
-            <a:ext cx="9144000" cy="1209895"/>
-          </a:xfrm>
-        </p:spPr>
-        <p:txBody>
-          <a:bodyPr/>
-          <a:lstStyle/>
-          <a:p>
-            <a:r>
-              <a:rPr lang="en-US" altLang="ko-KR"/>
-              <a:t>Q n A</a:t>
-            </a:r>
-            <a:endParaRPr lang="ko-KR" altLang="en-US"/>
-          </a:p>
-        </p:txBody>
-      </p:sp>
-      <p:sp>
-        <p:nvSpPr>
-          <p:cNvPr id="9" name="부제목 8">
-            <a:extLst>
-              <a:ext uri="{FF2B5EF4-FFF2-40B4-BE49-F238E27FC236}">
-                <a16:creationId xmlns:a16="http://schemas.microsoft.com/office/drawing/2014/main" id="{CACC263A-2C04-4ACE-A4A4-242F76AFCBA9}"/>
-              </a:ext>
-            </a:extLst>
-          </p:cNvPr>
-          <p:cNvSpPr>
-            <a:spLocks noGrp="1"/>
-          </p:cNvSpPr>
-          <p:nvPr>
-            <p:ph type="subTitle" idx="1"/>
-          </p:nvPr>
-        </p:nvSpPr>
-        <p:spPr/>
-        <p:txBody>
-          <a:bodyPr/>
-          <a:lstStyle/>
-          <a:p>
-            <a:r>
-              <a:rPr lang="ko-KR" altLang="en-US"/>
-              <a:t>감사합니다</a:t>
-            </a:r>
-            <a:r>
-              <a:rPr lang="en-US" altLang="ko-KR"/>
-              <a:t>.</a:t>
-            </a:r>
-            <a:endParaRPr lang="ko-KR" altLang="en-US"/>
-          </a:p>
-        </p:txBody>
-      </p:sp>
-    </p:spTree>
-    <p:extLst>
-      <p:ext uri="{BB962C8B-B14F-4D97-AF65-F5344CB8AC3E}">
-        <p14:creationId xmlns:p14="http://schemas.microsoft.com/office/powerpoint/2010/main" val="3743477804"/>
       </p:ext>
     </p:extLst>
   </p:cSld>

--- a/2022.02.11/권철현,신재하.pptx
+++ b/2022.02.11/권철현,신재하.pptx
@@ -5,7 +5,7 @@
     <p:sldMasterId id="2147483648" r:id="rId1"/>
   </p:sldMasterIdLst>
   <p:notesMasterIdLst>
-    <p:notesMasterId r:id="rId20"/>
+    <p:notesMasterId r:id="rId21"/>
   </p:notesMasterIdLst>
   <p:sldIdLst>
     <p:sldId id="259" r:id="rId2"/>
@@ -25,7 +25,8 @@
     <p:sldId id="285" r:id="rId16"/>
     <p:sldId id="289" r:id="rId17"/>
     <p:sldId id="290" r:id="rId18"/>
-    <p:sldId id="273" r:id="rId19"/>
+    <p:sldId id="291" r:id="rId19"/>
+    <p:sldId id="273" r:id="rId20"/>
   </p:sldIdLst>
   <p:sldSz cx="12192000" cy="6858000"/>
   <p:notesSz cx="6858000" cy="9144000"/>
@@ -7599,6 +7600,282 @@
       </p:grpSpPr>
       <p:sp>
         <p:nvSpPr>
+          <p:cNvPr id="2" name="제목 1">
+            <a:extLst>
+              <a:ext uri="{FF2B5EF4-FFF2-40B4-BE49-F238E27FC236}">
+                <a16:creationId xmlns:a16="http://schemas.microsoft.com/office/drawing/2014/main" id="{2CE35CE0-A8C2-4852-8BB8-E74A6B0454BF}"/>
+              </a:ext>
+            </a:extLst>
+          </p:cNvPr>
+          <p:cNvSpPr>
+            <a:spLocks noGrp="1"/>
+          </p:cNvSpPr>
+          <p:nvPr>
+            <p:ph type="title"/>
+          </p:nvPr>
+        </p:nvSpPr>
+        <p:spPr/>
+        <p:txBody>
+          <a:bodyPr/>
+          <a:lstStyle/>
+          <a:p>
+            <a:r>
+              <a:rPr lang="ko-KR" altLang="en-US" dirty="0"/>
+              <a:t>최대 데이터 개수 증가</a:t>
+            </a:r>
+          </a:p>
+        </p:txBody>
+      </p:sp>
+      <p:sp>
+        <p:nvSpPr>
+          <p:cNvPr id="3" name="내용 개체 틀 2">
+            <a:extLst>
+              <a:ext uri="{FF2B5EF4-FFF2-40B4-BE49-F238E27FC236}">
+                <a16:creationId xmlns:a16="http://schemas.microsoft.com/office/drawing/2014/main" id="{697D43FD-66BA-4DF9-8CED-6DE80150C963}"/>
+              </a:ext>
+            </a:extLst>
+          </p:cNvPr>
+          <p:cNvSpPr>
+            <a:spLocks noGrp="1"/>
+          </p:cNvSpPr>
+          <p:nvPr>
+            <p:ph idx="1"/>
+          </p:nvPr>
+        </p:nvSpPr>
+        <p:spPr/>
+        <p:txBody>
+          <a:bodyPr/>
+          <a:lstStyle/>
+          <a:p>
+            <a:r>
+              <a:rPr lang="ko-KR" altLang="en-US" dirty="0"/>
+              <a:t>데이터 총 </a:t>
+            </a:r>
+            <a:r>
+              <a:rPr lang="en-US" altLang="ko-KR" dirty="0"/>
+              <a:t>40000</a:t>
+            </a:r>
+            <a:r>
+              <a:rPr lang="ko-KR" altLang="en-US" dirty="0"/>
+              <a:t>개 추가</a:t>
+            </a:r>
+            <a:r>
+              <a:rPr lang="en-US" altLang="ko-KR" dirty="0"/>
+              <a:t>, 1</a:t>
+            </a:r>
+            <a:r>
+              <a:rPr lang="ko-KR" altLang="en-US" dirty="0"/>
+              <a:t>시간 </a:t>
+            </a:r>
+            <a:r>
+              <a:rPr lang="en-US" altLang="ko-KR" dirty="0"/>
+              <a:t>40</a:t>
+            </a:r>
+            <a:r>
+              <a:rPr lang="ko-KR" altLang="en-US" dirty="0"/>
+              <a:t>분 소요</a:t>
+            </a:r>
+            <a:endParaRPr lang="en-US" altLang="ko-KR" dirty="0"/>
+          </a:p>
+          <a:p>
+            <a:endParaRPr lang="en-US" altLang="ko-KR" dirty="0"/>
+          </a:p>
+          <a:p>
+            <a:endParaRPr lang="en-US" altLang="ko-KR" dirty="0"/>
+          </a:p>
+          <a:p>
+            <a:pPr marL="0" indent="0">
+              <a:buNone/>
+            </a:pPr>
+            <a:endParaRPr lang="ko-KR" altLang="en-US" dirty="0"/>
+          </a:p>
+        </p:txBody>
+      </p:sp>
+      <p:sp>
+        <p:nvSpPr>
+          <p:cNvPr id="4" name="날짜 개체 틀 3">
+            <a:extLst>
+              <a:ext uri="{FF2B5EF4-FFF2-40B4-BE49-F238E27FC236}">
+                <a16:creationId xmlns:a16="http://schemas.microsoft.com/office/drawing/2014/main" id="{3F37E76A-8449-4BEE-BAEE-0C17E04D2F8B}"/>
+              </a:ext>
+            </a:extLst>
+          </p:cNvPr>
+          <p:cNvSpPr>
+            <a:spLocks noGrp="1"/>
+          </p:cNvSpPr>
+          <p:nvPr>
+            <p:ph type="dt" sz="half" idx="10"/>
+          </p:nvPr>
+        </p:nvSpPr>
+        <p:spPr/>
+        <p:txBody>
+          <a:bodyPr/>
+          <a:lstStyle/>
+          <a:p>
+            <a:r>
+              <a:rPr lang="ko-KR" altLang="en-US"/>
+              <a:t>권철현</a:t>
+            </a:r>
+            <a:r>
+              <a:rPr lang="en-US" altLang="ko-KR"/>
+              <a:t>, </a:t>
+            </a:r>
+            <a:r>
+              <a:rPr lang="ko-KR" altLang="en-US"/>
+              <a:t>신재하</a:t>
+            </a:r>
+          </a:p>
+        </p:txBody>
+      </p:sp>
+      <p:sp>
+        <p:nvSpPr>
+          <p:cNvPr id="5" name="슬라이드 번호 개체 틀 4">
+            <a:extLst>
+              <a:ext uri="{FF2B5EF4-FFF2-40B4-BE49-F238E27FC236}">
+                <a16:creationId xmlns:a16="http://schemas.microsoft.com/office/drawing/2014/main" id="{33AA4749-492D-4041-B2B8-8145955C89DA}"/>
+              </a:ext>
+            </a:extLst>
+          </p:cNvPr>
+          <p:cNvSpPr>
+            <a:spLocks noGrp="1"/>
+          </p:cNvSpPr>
+          <p:nvPr>
+            <p:ph type="sldNum" sz="quarter" idx="12"/>
+          </p:nvPr>
+        </p:nvSpPr>
+        <p:spPr/>
+        <p:txBody>
+          <a:bodyPr/>
+          <a:lstStyle/>
+          <a:p>
+            <a:fld id="{5FF72CB3-86FB-4DBB-A7AC-E8F6F3DA156B}" type="slidenum">
+              <a:rPr lang="ko-KR" altLang="en-US" smtClean="0"/>
+              <a:pPr/>
+              <a:t>18</a:t>
+            </a:fld>
+            <a:endParaRPr lang="ko-KR" altLang="en-US"/>
+          </a:p>
+        </p:txBody>
+      </p:sp>
+      <p:pic>
+        <p:nvPicPr>
+          <p:cNvPr id="7" name="그림 6">
+            <a:extLst>
+              <a:ext uri="{FF2B5EF4-FFF2-40B4-BE49-F238E27FC236}">
+                <a16:creationId xmlns:a16="http://schemas.microsoft.com/office/drawing/2014/main" id="{34F50742-910D-495A-B7E0-D0B1EDEDDBDC}"/>
+              </a:ext>
+            </a:extLst>
+          </p:cNvPr>
+          <p:cNvPicPr>
+            <a:picLocks noChangeAspect="1"/>
+          </p:cNvPicPr>
+          <p:nvPr/>
+        </p:nvPicPr>
+        <p:blipFill>
+          <a:blip r:embed="rId2"/>
+          <a:stretch>
+            <a:fillRect/>
+          </a:stretch>
+        </p:blipFill>
+        <p:spPr>
+          <a:xfrm>
+            <a:off x="8129261" y="590677"/>
+            <a:ext cx="2992829" cy="5676645"/>
+          </a:xfrm>
+          <a:prstGeom prst="rect">
+            <a:avLst/>
+          </a:prstGeom>
+          <a:ln>
+            <a:solidFill>
+              <a:schemeClr val="tx1"/>
+            </a:solidFill>
+          </a:ln>
+        </p:spPr>
+      </p:pic>
+      <p:sp>
+        <p:nvSpPr>
+          <p:cNvPr id="8" name="직사각형 7">
+            <a:extLst>
+              <a:ext uri="{FF2B5EF4-FFF2-40B4-BE49-F238E27FC236}">
+                <a16:creationId xmlns:a16="http://schemas.microsoft.com/office/drawing/2014/main" id="{FC950EC1-B187-4ABA-BDF9-DCC35DA7B8F8}"/>
+              </a:ext>
+            </a:extLst>
+          </p:cNvPr>
+          <p:cNvSpPr/>
+          <p:nvPr/>
+        </p:nvSpPr>
+        <p:spPr>
+          <a:xfrm>
+            <a:off x="8129261" y="5505077"/>
+            <a:ext cx="2992829" cy="762245"/>
+          </a:xfrm>
+          <a:prstGeom prst="rect">
+            <a:avLst/>
+          </a:prstGeom>
+          <a:noFill/>
+          <a:ln w="38100">
+            <a:solidFill>
+              <a:srgbClr val="FF0000"/>
+            </a:solidFill>
+          </a:ln>
+        </p:spPr>
+        <p:style>
+          <a:lnRef idx="2">
+            <a:schemeClr val="accent1">
+              <a:shade val="50000"/>
+            </a:schemeClr>
+          </a:lnRef>
+          <a:fillRef idx="1">
+            <a:schemeClr val="accent1"/>
+          </a:fillRef>
+          <a:effectRef idx="0">
+            <a:schemeClr val="accent1"/>
+          </a:effectRef>
+          <a:fontRef idx="minor">
+            <a:schemeClr val="lt1"/>
+          </a:fontRef>
+        </p:style>
+        <p:txBody>
+          <a:bodyPr rtlCol="0" anchor="ctr"/>
+          <a:lstStyle/>
+          <a:p>
+            <a:pPr algn="ctr"/>
+            <a:endParaRPr lang="ko-KR" altLang="en-US" dirty="0"/>
+          </a:p>
+        </p:txBody>
+      </p:sp>
+    </p:spTree>
+    <p:extLst>
+      <p:ext uri="{BB962C8B-B14F-4D97-AF65-F5344CB8AC3E}">
+        <p14:creationId xmlns:p14="http://schemas.microsoft.com/office/powerpoint/2010/main" val="577435617"/>
+      </p:ext>
+    </p:extLst>
+  </p:cSld>
+  <p:clrMapOvr>
+    <a:masterClrMapping/>
+  </p:clrMapOvr>
+</p:sld>
+</file>
+
+<file path=ppt/slides/slide19.xml><?xml version="1.0" encoding="utf-8"?>
+<p:sld xmlns:a="http://schemas.openxmlformats.org/drawingml/2006/main" xmlns:r="http://schemas.openxmlformats.org/officeDocument/2006/relationships" xmlns:p="http://schemas.openxmlformats.org/presentationml/2006/main">
+  <p:cSld>
+    <p:spTree>
+      <p:nvGrpSpPr>
+        <p:cNvPr id="1" name=""/>
+        <p:cNvGrpSpPr/>
+        <p:nvPr/>
+      </p:nvGrpSpPr>
+      <p:grpSpPr>
+        <a:xfrm>
+          <a:off x="0" y="0"/>
+          <a:ext cx="0" cy="0"/>
+          <a:chOff x="0" y="0"/>
+          <a:chExt cx="0" cy="0"/>
+        </a:xfrm>
+      </p:grpSpPr>
+      <p:sp>
+        <p:nvSpPr>
           <p:cNvPr id="8" name="제목 7">
             <a:extLst>
               <a:ext uri="{FF2B5EF4-FFF2-40B4-BE49-F238E27FC236}">

--- a/2022.02.11/권철현,신재하.pptx
+++ b/2022.02.11/권철현,신재하.pptx
@@ -5,7 +5,7 @@
     <p:sldMasterId id="2147483648" r:id="rId1"/>
   </p:sldMasterIdLst>
   <p:notesMasterIdLst>
-    <p:notesMasterId r:id="rId21"/>
+    <p:notesMasterId r:id="rId22"/>
   </p:notesMasterIdLst>
   <p:sldIdLst>
     <p:sldId id="259" r:id="rId2"/>
@@ -26,7 +26,8 @@
     <p:sldId id="289" r:id="rId17"/>
     <p:sldId id="290" r:id="rId18"/>
     <p:sldId id="291" r:id="rId19"/>
-    <p:sldId id="273" r:id="rId20"/>
+    <p:sldId id="292" r:id="rId20"/>
+    <p:sldId id="273" r:id="rId21"/>
   </p:sldIdLst>
   <p:sldSz cx="12192000" cy="6858000"/>
   <p:notesSz cx="6858000" cy="9144000"/>
@@ -1263,7 +1264,7 @@
           <a:p>
             <a:fld id="{AA029DEA-9CF8-4959-9295-B32940863C1C}" type="datetimeFigureOut">
               <a:rPr lang="ko-KR" altLang="en-US" smtClean="0"/>
-              <a:t>2022-02-03</a:t>
+              <a:t>2022-02-04</a:t>
             </a:fld>
             <a:endParaRPr lang="ko-KR" altLang="en-US"/>
           </a:p>
@@ -7653,7 +7654,7 @@
             </a:r>
             <a:r>
               <a:rPr lang="en-US" altLang="ko-KR" dirty="0"/>
-              <a:t>40000</a:t>
+              <a:t>40,000</a:t>
             </a:r>
             <a:r>
               <a:rPr lang="ko-KR" altLang="en-US" dirty="0"/>
@@ -7674,6 +7675,82 @@
             <a:r>
               <a:rPr lang="ko-KR" altLang="en-US" dirty="0"/>
               <a:t>분 소요</a:t>
+            </a:r>
+            <a:endParaRPr lang="en-US" altLang="ko-KR" dirty="0"/>
+          </a:p>
+          <a:p>
+            <a:pPr lvl="1"/>
+            <a:r>
+              <a:rPr lang="ko-KR" altLang="en-US" dirty="0"/>
+              <a:t>기존 어플리케이션의 경우 데이터 </a:t>
+            </a:r>
+            <a:r>
+              <a:rPr lang="en-US" altLang="ko-KR" dirty="0"/>
+              <a:t>2,000</a:t>
+            </a:r>
+            <a:r>
+              <a:rPr lang="ko-KR" altLang="en-US" dirty="0"/>
+              <a:t>개 </a:t>
+            </a:r>
+            <a:r>
+              <a:rPr lang="en-US" altLang="ko-KR" dirty="0"/>
+              <a:t>4</a:t>
+            </a:r>
+            <a:r>
+              <a:rPr lang="ko-KR" altLang="en-US" dirty="0"/>
+              <a:t>분</a:t>
+            </a:r>
+            <a:r>
+              <a:rPr lang="en-US" altLang="ko-KR" dirty="0"/>
+              <a:t> </a:t>
+            </a:r>
+            <a:r>
+              <a:rPr lang="ko-KR" altLang="en-US" dirty="0"/>
+              <a:t>소요</a:t>
+            </a:r>
+            <a:endParaRPr lang="en-US" altLang="ko-KR" dirty="0"/>
+          </a:p>
+          <a:p>
+            <a:pPr lvl="1"/>
+            <a:r>
+              <a:rPr lang="en-US" altLang="ko-KR" dirty="0"/>
+              <a:t>40,000</a:t>
+            </a:r>
+            <a:r>
+              <a:rPr lang="ko-KR" altLang="en-US" dirty="0"/>
+              <a:t>개 추가할 때 </a:t>
+            </a:r>
+            <a:r>
+              <a:rPr lang="en-US" altLang="ko-KR" dirty="0"/>
+              <a:t>1</a:t>
+            </a:r>
+            <a:r>
+              <a:rPr lang="ko-KR" altLang="en-US" dirty="0"/>
+              <a:t>시간 </a:t>
+            </a:r>
+            <a:r>
+              <a:rPr lang="en-US" altLang="ko-KR" dirty="0"/>
+              <a:t>20</a:t>
+            </a:r>
+            <a:r>
+              <a:rPr lang="ko-KR" altLang="en-US" dirty="0"/>
+              <a:t>분 소요될 것으로 추정</a:t>
+            </a:r>
+            <a:endParaRPr lang="en-US" altLang="ko-KR" dirty="0"/>
+          </a:p>
+          <a:p>
+            <a:pPr lvl="1"/>
+            <a:r>
+              <a:rPr lang="ko-KR" altLang="en-US" dirty="0"/>
+              <a:t>약 </a:t>
+            </a:r>
+            <a:r>
+              <a:rPr lang="en-US" altLang="ko-KR" dirty="0"/>
+              <a:t>20</a:t>
+            </a:r>
+            <a:r>
+              <a:rPr lang="ko-KR" altLang="en-US" dirty="0"/>
+              <a:t>분 가량 추가로 소모되는 것으로 추정</a:t>
             </a:r>
             <a:endParaRPr lang="en-US" altLang="ko-KR" dirty="0"/>
           </a:p>
@@ -7876,10 +7953,10 @@
       </p:grpSpPr>
       <p:sp>
         <p:nvSpPr>
-          <p:cNvPr id="8" name="제목 7">
-            <a:extLst>
-              <a:ext uri="{FF2B5EF4-FFF2-40B4-BE49-F238E27FC236}">
-                <a16:creationId xmlns:a16="http://schemas.microsoft.com/office/drawing/2014/main" id="{69B292E9-37A2-4AD7-84B5-A8BE80BDBEC1}"/>
+          <p:cNvPr id="2" name="제목 1">
+            <a:extLst>
+              <a:ext uri="{FF2B5EF4-FFF2-40B4-BE49-F238E27FC236}">
+                <a16:creationId xmlns:a16="http://schemas.microsoft.com/office/drawing/2014/main" id="{9920027C-29E8-4235-94F9-4E8F816BAF71}"/>
               </a:ext>
             </a:extLst>
           </p:cNvPr>
@@ -7887,33 +7964,24 @@
             <a:spLocks noGrp="1"/>
           </p:cNvSpPr>
           <p:nvPr>
-            <p:ph type="ctrTitle"/>
+            <p:ph type="title"/>
           </p:nvPr>
         </p:nvSpPr>
-        <p:spPr>
-          <a:xfrm>
-            <a:off x="1524000" y="2219105"/>
-            <a:ext cx="9144000" cy="1209895"/>
-          </a:xfrm>
-        </p:spPr>
+        <p:spPr/>
         <p:txBody>
           <a:bodyPr/>
           <a:lstStyle/>
           <a:p>
-            <a:r>
-              <a:rPr lang="en-US" altLang="ko-KR"/>
-              <a:t>Q n A</a:t>
-            </a:r>
             <a:endParaRPr lang="ko-KR" altLang="en-US"/>
           </a:p>
         </p:txBody>
       </p:sp>
       <p:sp>
         <p:nvSpPr>
-          <p:cNvPr id="9" name="부제목 8">
-            <a:extLst>
-              <a:ext uri="{FF2B5EF4-FFF2-40B4-BE49-F238E27FC236}">
-                <a16:creationId xmlns:a16="http://schemas.microsoft.com/office/drawing/2014/main" id="{CACC263A-2C04-4ACE-A4A4-242F76AFCBA9}"/>
+          <p:cNvPr id="3" name="내용 개체 틀 2">
+            <a:extLst>
+              <a:ext uri="{FF2B5EF4-FFF2-40B4-BE49-F238E27FC236}">
+                <a16:creationId xmlns:a16="http://schemas.microsoft.com/office/drawing/2014/main" id="{F7B4E99C-F413-482B-8E49-EB10EFFAFBFF}"/>
               </a:ext>
             </a:extLst>
           </p:cNvPr>
@@ -7921,7 +7989,7 @@
             <a:spLocks noGrp="1"/>
           </p:cNvSpPr>
           <p:nvPr>
-            <p:ph type="subTitle" idx="1"/>
+            <p:ph idx="1"/>
           </p:nvPr>
         </p:nvSpPr>
         <p:spPr/>
@@ -7929,14 +7997,72 @@
           <a:bodyPr/>
           <a:lstStyle/>
           <a:p>
+            <a:endParaRPr lang="ko-KR" altLang="en-US"/>
+          </a:p>
+        </p:txBody>
+      </p:sp>
+      <p:sp>
+        <p:nvSpPr>
+          <p:cNvPr id="4" name="날짜 개체 틀 3">
+            <a:extLst>
+              <a:ext uri="{FF2B5EF4-FFF2-40B4-BE49-F238E27FC236}">
+                <a16:creationId xmlns:a16="http://schemas.microsoft.com/office/drawing/2014/main" id="{5BCE94AF-053C-40B1-A4F4-45C7D8B11EC7}"/>
+              </a:ext>
+            </a:extLst>
+          </p:cNvPr>
+          <p:cNvSpPr>
+            <a:spLocks noGrp="1"/>
+          </p:cNvSpPr>
+          <p:nvPr>
+            <p:ph type="dt" sz="half" idx="10"/>
+          </p:nvPr>
+        </p:nvSpPr>
+        <p:spPr/>
+        <p:txBody>
+          <a:bodyPr/>
+          <a:lstStyle/>
+          <a:p>
             <a:r>
               <a:rPr lang="ko-KR" altLang="en-US"/>
-              <a:t>감사합니다</a:t>
+              <a:t>권철현</a:t>
             </a:r>
             <a:r>
               <a:rPr lang="en-US" altLang="ko-KR"/>
-              <a:t>.</a:t>
-            </a:r>
+              <a:t>, </a:t>
+            </a:r>
+            <a:r>
+              <a:rPr lang="ko-KR" altLang="en-US"/>
+              <a:t>신재하</a:t>
+            </a:r>
+          </a:p>
+        </p:txBody>
+      </p:sp>
+      <p:sp>
+        <p:nvSpPr>
+          <p:cNvPr id="5" name="슬라이드 번호 개체 틀 4">
+            <a:extLst>
+              <a:ext uri="{FF2B5EF4-FFF2-40B4-BE49-F238E27FC236}">
+                <a16:creationId xmlns:a16="http://schemas.microsoft.com/office/drawing/2014/main" id="{76461069-54B5-4ABD-BE14-9B84B96898AA}"/>
+              </a:ext>
+            </a:extLst>
+          </p:cNvPr>
+          <p:cNvSpPr>
+            <a:spLocks noGrp="1"/>
+          </p:cNvSpPr>
+          <p:nvPr>
+            <p:ph type="sldNum" sz="quarter" idx="12"/>
+          </p:nvPr>
+        </p:nvSpPr>
+        <p:spPr/>
+        <p:txBody>
+          <a:bodyPr/>
+          <a:lstStyle/>
+          <a:p>
+            <a:fld id="{5FF72CB3-86FB-4DBB-A7AC-E8F6F3DA156B}" type="slidenum">
+              <a:rPr lang="ko-KR" altLang="en-US" smtClean="0"/>
+              <a:pPr/>
+              <a:t>19</a:t>
+            </a:fld>
             <a:endParaRPr lang="ko-KR" altLang="en-US"/>
           </a:p>
         </p:txBody>
@@ -7944,7 +8070,7 @@
     </p:spTree>
     <p:extLst>
       <p:ext uri="{BB962C8B-B14F-4D97-AF65-F5344CB8AC3E}">
-        <p14:creationId xmlns:p14="http://schemas.microsoft.com/office/powerpoint/2010/main" val="3743477804"/>
+        <p14:creationId xmlns:p14="http://schemas.microsoft.com/office/powerpoint/2010/main" val="2209615089"/>
       </p:ext>
     </p:extLst>
   </p:cSld>
@@ -8137,6 +8263,103 @@
     <p:extLst>
       <p:ext uri="{BB962C8B-B14F-4D97-AF65-F5344CB8AC3E}">
         <p14:creationId xmlns:p14="http://schemas.microsoft.com/office/powerpoint/2010/main" val="2308551844"/>
+      </p:ext>
+    </p:extLst>
+  </p:cSld>
+  <p:clrMapOvr>
+    <a:masterClrMapping/>
+  </p:clrMapOvr>
+</p:sld>
+</file>
+
+<file path=ppt/slides/slide20.xml><?xml version="1.0" encoding="utf-8"?>
+<p:sld xmlns:a="http://schemas.openxmlformats.org/drawingml/2006/main" xmlns:r="http://schemas.openxmlformats.org/officeDocument/2006/relationships" xmlns:p="http://schemas.openxmlformats.org/presentationml/2006/main">
+  <p:cSld>
+    <p:spTree>
+      <p:nvGrpSpPr>
+        <p:cNvPr id="1" name=""/>
+        <p:cNvGrpSpPr/>
+        <p:nvPr/>
+      </p:nvGrpSpPr>
+      <p:grpSpPr>
+        <a:xfrm>
+          <a:off x="0" y="0"/>
+          <a:ext cx="0" cy="0"/>
+          <a:chOff x="0" y="0"/>
+          <a:chExt cx="0" cy="0"/>
+        </a:xfrm>
+      </p:grpSpPr>
+      <p:sp>
+        <p:nvSpPr>
+          <p:cNvPr id="8" name="제목 7">
+            <a:extLst>
+              <a:ext uri="{FF2B5EF4-FFF2-40B4-BE49-F238E27FC236}">
+                <a16:creationId xmlns:a16="http://schemas.microsoft.com/office/drawing/2014/main" id="{69B292E9-37A2-4AD7-84B5-A8BE80BDBEC1}"/>
+              </a:ext>
+            </a:extLst>
+          </p:cNvPr>
+          <p:cNvSpPr>
+            <a:spLocks noGrp="1"/>
+          </p:cNvSpPr>
+          <p:nvPr>
+            <p:ph type="ctrTitle"/>
+          </p:nvPr>
+        </p:nvSpPr>
+        <p:spPr>
+          <a:xfrm>
+            <a:off x="1524000" y="2219105"/>
+            <a:ext cx="9144000" cy="1209895"/>
+          </a:xfrm>
+        </p:spPr>
+        <p:txBody>
+          <a:bodyPr/>
+          <a:lstStyle/>
+          <a:p>
+            <a:r>
+              <a:rPr lang="en-US" altLang="ko-KR"/>
+              <a:t>Q n A</a:t>
+            </a:r>
+            <a:endParaRPr lang="ko-KR" altLang="en-US"/>
+          </a:p>
+        </p:txBody>
+      </p:sp>
+      <p:sp>
+        <p:nvSpPr>
+          <p:cNvPr id="9" name="부제목 8">
+            <a:extLst>
+              <a:ext uri="{FF2B5EF4-FFF2-40B4-BE49-F238E27FC236}">
+                <a16:creationId xmlns:a16="http://schemas.microsoft.com/office/drawing/2014/main" id="{CACC263A-2C04-4ACE-A4A4-242F76AFCBA9}"/>
+              </a:ext>
+            </a:extLst>
+          </p:cNvPr>
+          <p:cNvSpPr>
+            <a:spLocks noGrp="1"/>
+          </p:cNvSpPr>
+          <p:nvPr>
+            <p:ph type="subTitle" idx="1"/>
+          </p:nvPr>
+        </p:nvSpPr>
+        <p:spPr/>
+        <p:txBody>
+          <a:bodyPr/>
+          <a:lstStyle/>
+          <a:p>
+            <a:r>
+              <a:rPr lang="ko-KR" altLang="en-US"/>
+              <a:t>감사합니다</a:t>
+            </a:r>
+            <a:r>
+              <a:rPr lang="en-US" altLang="ko-KR"/>
+              <a:t>.</a:t>
+            </a:r>
+            <a:endParaRPr lang="ko-KR" altLang="en-US"/>
+          </a:p>
+        </p:txBody>
+      </p:sp>
+    </p:spTree>
+    <p:extLst>
+      <p:ext uri="{BB962C8B-B14F-4D97-AF65-F5344CB8AC3E}">
+        <p14:creationId xmlns:p14="http://schemas.microsoft.com/office/powerpoint/2010/main" val="3743477804"/>
       </p:ext>
     </p:extLst>
   </p:cSld>
